--- a/Documentation/Vaibhav Senta - 2128020601101.pptx
+++ b/Documentation/Vaibhav Senta - 2128020601101.pptx
@@ -2,7 +2,7 @@
 <file path=ppt/presentation.xml><?xml version="1.0" encoding="utf-8"?>
 <p:presentation xmlns:a="http://schemas.openxmlformats.org/drawingml/2006/main" xmlns:r="http://schemas.openxmlformats.org/officeDocument/2006/relationships" xmlns:p="http://schemas.openxmlformats.org/presentationml/2006/main" saveSubsetFonts="1">
   <p:sldMasterIdLst>
-    <p:sldMasterId id="2147483648" r:id="rId1"/>
+    <p:sldMasterId id="2147483696" r:id="rId1"/>
   </p:sldMasterIdLst>
   <p:sldIdLst>
     <p:sldId id="256" r:id="rId2"/>
@@ -13,6 +13,9 @@
     <p:sldId id="260" r:id="rId7"/>
     <p:sldId id="261" r:id="rId8"/>
     <p:sldId id="262" r:id="rId9"/>
+    <p:sldId id="266" r:id="rId10"/>
+    <p:sldId id="267" r:id="rId11"/>
+    <p:sldId id="268" r:id="rId12"/>
   </p:sldIdLst>
   <p:sldSz cx="12192000" cy="6858000"/>
   <p:notesSz cx="6858000" cy="9144000"/>
@@ -20,7 +23,7 @@
     <a:defPPr>
       <a:defRPr lang="en-US"/>
     </a:defPPr>
-    <a:lvl1pPr marL="0" algn="l" defTabSz="914400" rtl="0" eaLnBrk="1" latinLnBrk="0" hangingPunct="1">
+    <a:lvl1pPr marL="0" algn="l" defTabSz="457200" rtl="0" eaLnBrk="1" latinLnBrk="0" hangingPunct="1">
       <a:defRPr sz="1800" kern="1200">
         <a:solidFill>
           <a:schemeClr val="tx1"/>
@@ -30,7 +33,7 @@
         <a:cs typeface="+mn-cs"/>
       </a:defRPr>
     </a:lvl1pPr>
-    <a:lvl2pPr marL="457200" algn="l" defTabSz="914400" rtl="0" eaLnBrk="1" latinLnBrk="0" hangingPunct="1">
+    <a:lvl2pPr marL="457200" algn="l" defTabSz="457200" rtl="0" eaLnBrk="1" latinLnBrk="0" hangingPunct="1">
       <a:defRPr sz="1800" kern="1200">
         <a:solidFill>
           <a:schemeClr val="tx1"/>
@@ -40,7 +43,7 @@
         <a:cs typeface="+mn-cs"/>
       </a:defRPr>
     </a:lvl2pPr>
-    <a:lvl3pPr marL="914400" algn="l" defTabSz="914400" rtl="0" eaLnBrk="1" latinLnBrk="0" hangingPunct="1">
+    <a:lvl3pPr marL="914400" algn="l" defTabSz="457200" rtl="0" eaLnBrk="1" latinLnBrk="0" hangingPunct="1">
       <a:defRPr sz="1800" kern="1200">
         <a:solidFill>
           <a:schemeClr val="tx1"/>
@@ -50,7 +53,7 @@
         <a:cs typeface="+mn-cs"/>
       </a:defRPr>
     </a:lvl3pPr>
-    <a:lvl4pPr marL="1371600" algn="l" defTabSz="914400" rtl="0" eaLnBrk="1" latinLnBrk="0" hangingPunct="1">
+    <a:lvl4pPr marL="1371600" algn="l" defTabSz="457200" rtl="0" eaLnBrk="1" latinLnBrk="0" hangingPunct="1">
       <a:defRPr sz="1800" kern="1200">
         <a:solidFill>
           <a:schemeClr val="tx1"/>
@@ -60,7 +63,7 @@
         <a:cs typeface="+mn-cs"/>
       </a:defRPr>
     </a:lvl4pPr>
-    <a:lvl5pPr marL="1828800" algn="l" defTabSz="914400" rtl="0" eaLnBrk="1" latinLnBrk="0" hangingPunct="1">
+    <a:lvl5pPr marL="1828800" algn="l" defTabSz="457200" rtl="0" eaLnBrk="1" latinLnBrk="0" hangingPunct="1">
       <a:defRPr sz="1800" kern="1200">
         <a:solidFill>
           <a:schemeClr val="tx1"/>
@@ -70,7 +73,7 @@
         <a:cs typeface="+mn-cs"/>
       </a:defRPr>
     </a:lvl5pPr>
-    <a:lvl6pPr marL="2286000" algn="l" defTabSz="914400" rtl="0" eaLnBrk="1" latinLnBrk="0" hangingPunct="1">
+    <a:lvl6pPr marL="2286000" algn="l" defTabSz="457200" rtl="0" eaLnBrk="1" latinLnBrk="0" hangingPunct="1">
       <a:defRPr sz="1800" kern="1200">
         <a:solidFill>
           <a:schemeClr val="tx1"/>
@@ -80,7 +83,7 @@
         <a:cs typeface="+mn-cs"/>
       </a:defRPr>
     </a:lvl6pPr>
-    <a:lvl7pPr marL="2743200" algn="l" defTabSz="914400" rtl="0" eaLnBrk="1" latinLnBrk="0" hangingPunct="1">
+    <a:lvl7pPr marL="2743200" algn="l" defTabSz="457200" rtl="0" eaLnBrk="1" latinLnBrk="0" hangingPunct="1">
       <a:defRPr sz="1800" kern="1200">
         <a:solidFill>
           <a:schemeClr val="tx1"/>
@@ -90,7 +93,7 @@
         <a:cs typeface="+mn-cs"/>
       </a:defRPr>
     </a:lvl7pPr>
-    <a:lvl8pPr marL="3200400" algn="l" defTabSz="914400" rtl="0" eaLnBrk="1" latinLnBrk="0" hangingPunct="1">
+    <a:lvl8pPr marL="3200400" algn="l" defTabSz="457200" rtl="0" eaLnBrk="1" latinLnBrk="0" hangingPunct="1">
       <a:defRPr sz="1800" kern="1200">
         <a:solidFill>
           <a:schemeClr val="tx1"/>
@@ -100,7 +103,7 @@
         <a:cs typeface="+mn-cs"/>
       </a:defRPr>
     </a:lvl8pPr>
-    <a:lvl9pPr marL="3657600" algn="l" defTabSz="914400" rtl="0" eaLnBrk="1" latinLnBrk="0" hangingPunct="1">
+    <a:lvl9pPr marL="3657600" algn="l" defTabSz="457200" rtl="0" eaLnBrk="1" latinLnBrk="0" hangingPunct="1">
       <a:defRPr sz="1800" kern="1200">
         <a:solidFill>
           <a:schemeClr val="tx1"/>
@@ -111,6 +114,11 @@
       </a:defRPr>
     </a:lvl9pPr>
   </p:defaultTextStyle>
+  <p:extLst>
+    <p:ext uri="{EFAFB233-063F-42B5-8137-9DF3F51BA10A}">
+      <p15:sldGuideLst xmlns:p15="http://schemas.microsoft.com/office/powerpoint/2012/main"/>
+    </p:ext>
+  </p:extLst>
 </p:presentation>
 </file>
 
@@ -133,13 +141,7 @@
       </p:grpSpPr>
       <p:sp>
         <p:nvSpPr>
-          <p:cNvPr id="2" name="Title 1">
-            <a:extLst>
-              <a:ext uri="{FF2B5EF4-FFF2-40B4-BE49-F238E27FC236}">
-                <a16:creationId xmlns:a16="http://schemas.microsoft.com/office/drawing/2014/main" id="{C2FFFF7A-5512-5B92-8FA0-21D2458E75AC}"/>
-              </a:ext>
-            </a:extLst>
-          </p:cNvPr>
+          <p:cNvPr id="2" name="Title 1"/>
           <p:cNvSpPr>
             <a:spLocks noGrp="1"/>
           </p:cNvSpPr>
@@ -165,18 +167,13 @@
               <a:rPr lang="en-US"/>
               <a:t>Click to edit Master title style</a:t>
             </a:r>
-          </a:p>
-        </p:txBody>
-      </p:sp>
-      <p:sp>
-        <p:nvSpPr>
-          <p:cNvPr id="3" name="Subtitle 2">
-            <a:extLst>
-              <a:ext uri="{FF2B5EF4-FFF2-40B4-BE49-F238E27FC236}">
-                <a16:creationId xmlns:a16="http://schemas.microsoft.com/office/drawing/2014/main" id="{F0B46495-C50D-9E20-3E55-D19ED1619F2E}"/>
-              </a:ext>
-            </a:extLst>
-          </p:cNvPr>
+            <a:endParaRPr lang="en-US" dirty="0"/>
+          </a:p>
+        </p:txBody>
+      </p:sp>
+      <p:sp>
+        <p:nvSpPr>
+          <p:cNvPr id="3" name="Subtitle 2"/>
           <p:cNvSpPr>
             <a:spLocks noGrp="1"/>
           </p:cNvSpPr>
@@ -235,18 +232,13 @@
               <a:rPr lang="en-US"/>
               <a:t>Click to edit Master subtitle style</a:t>
             </a:r>
-          </a:p>
-        </p:txBody>
-      </p:sp>
-      <p:sp>
-        <p:nvSpPr>
-          <p:cNvPr id="4" name="Date Placeholder 3">
-            <a:extLst>
-              <a:ext uri="{FF2B5EF4-FFF2-40B4-BE49-F238E27FC236}">
-                <a16:creationId xmlns:a16="http://schemas.microsoft.com/office/drawing/2014/main" id="{C8A3904E-0E6E-9039-E537-EE3C04F5029F}"/>
-              </a:ext>
-            </a:extLst>
-          </p:cNvPr>
+            <a:endParaRPr lang="en-US" dirty="0"/>
+          </a:p>
+        </p:txBody>
+      </p:sp>
+      <p:sp>
+        <p:nvSpPr>
+          <p:cNvPr id="4" name="Date Placeholder 3"/>
           <p:cNvSpPr>
             <a:spLocks noGrp="1"/>
           </p:cNvSpPr>
@@ -261,7 +253,7 @@
           <a:p>
             <a:fld id="{FF47925D-0F96-4D81-9D9F-2E703EA58734}" type="datetimeFigureOut">
               <a:rPr lang="en-US" smtClean="0"/>
-              <a:t>11/18/2024</a:t>
+              <a:t>11/28/2024</a:t>
             </a:fld>
             <a:endParaRPr lang="en-US"/>
           </a:p>
@@ -269,13 +261,7 @@
       </p:sp>
       <p:sp>
         <p:nvSpPr>
-          <p:cNvPr id="5" name="Footer Placeholder 4">
-            <a:extLst>
-              <a:ext uri="{FF2B5EF4-FFF2-40B4-BE49-F238E27FC236}">
-                <a16:creationId xmlns:a16="http://schemas.microsoft.com/office/drawing/2014/main" id="{3FBF5167-B868-6D15-62A8-2E4B455DA5F5}"/>
-              </a:ext>
-            </a:extLst>
-          </p:cNvPr>
+          <p:cNvPr id="5" name="Footer Placeholder 4"/>
           <p:cNvSpPr>
             <a:spLocks noGrp="1"/>
           </p:cNvSpPr>
@@ -294,13 +280,7 @@
       </p:sp>
       <p:sp>
         <p:nvSpPr>
-          <p:cNvPr id="6" name="Slide Number Placeholder 5">
-            <a:extLst>
-              <a:ext uri="{FF2B5EF4-FFF2-40B4-BE49-F238E27FC236}">
-                <a16:creationId xmlns:a16="http://schemas.microsoft.com/office/drawing/2014/main" id="{F76CA879-F9DC-80F9-0731-EE4DEC25A117}"/>
-              </a:ext>
-            </a:extLst>
-          </p:cNvPr>
+          <p:cNvPr id="6" name="Slide Number Placeholder 5"/>
           <p:cNvSpPr>
             <a:spLocks noGrp="1"/>
           </p:cNvSpPr>
@@ -324,7 +304,7 @@
     </p:spTree>
     <p:extLst>
       <p:ext uri="{BB962C8B-B14F-4D97-AF65-F5344CB8AC3E}">
-        <p14:creationId xmlns:p14="http://schemas.microsoft.com/office/powerpoint/2010/main" val="1649424665"/>
+        <p14:creationId xmlns:p14="http://schemas.microsoft.com/office/powerpoint/2010/main" val="3641842538"/>
       </p:ext>
     </p:extLst>
   </p:cSld>
@@ -353,13 +333,7 @@
       </p:grpSpPr>
       <p:sp>
         <p:nvSpPr>
-          <p:cNvPr id="2" name="Title 1">
-            <a:extLst>
-              <a:ext uri="{FF2B5EF4-FFF2-40B4-BE49-F238E27FC236}">
-                <a16:creationId xmlns:a16="http://schemas.microsoft.com/office/drawing/2014/main" id="{2DF34545-EE29-F37D-064C-D4B510089FCF}"/>
-              </a:ext>
-            </a:extLst>
-          </p:cNvPr>
+          <p:cNvPr id="2" name="Title 1"/>
           <p:cNvSpPr>
             <a:spLocks noGrp="1"/>
           </p:cNvSpPr>
@@ -376,18 +350,13 @@
               <a:rPr lang="en-US"/>
               <a:t>Click to edit Master title style</a:t>
             </a:r>
-          </a:p>
-        </p:txBody>
-      </p:sp>
-      <p:sp>
-        <p:nvSpPr>
-          <p:cNvPr id="3" name="Vertical Text Placeholder 2">
-            <a:extLst>
-              <a:ext uri="{FF2B5EF4-FFF2-40B4-BE49-F238E27FC236}">
-                <a16:creationId xmlns:a16="http://schemas.microsoft.com/office/drawing/2014/main" id="{DED94049-DA1B-C448-471A-EF7951980920}"/>
-              </a:ext>
-            </a:extLst>
-          </p:cNvPr>
+            <a:endParaRPr lang="en-US" dirty="0"/>
+          </a:p>
+        </p:txBody>
+      </p:sp>
+      <p:sp>
+        <p:nvSpPr>
+          <p:cNvPr id="3" name="Vertical Text Placeholder 2"/>
           <p:cNvSpPr>
             <a:spLocks noGrp="1"/>
           </p:cNvSpPr>
@@ -433,18 +402,13 @@
               <a:rPr lang="en-US"/>
               <a:t>Fifth level</a:t>
             </a:r>
-          </a:p>
-        </p:txBody>
-      </p:sp>
-      <p:sp>
-        <p:nvSpPr>
-          <p:cNvPr id="4" name="Date Placeholder 3">
-            <a:extLst>
-              <a:ext uri="{FF2B5EF4-FFF2-40B4-BE49-F238E27FC236}">
-                <a16:creationId xmlns:a16="http://schemas.microsoft.com/office/drawing/2014/main" id="{E755D3C2-3915-6086-14B1-57CEB301E5D5}"/>
-              </a:ext>
-            </a:extLst>
-          </p:cNvPr>
+            <a:endParaRPr lang="en-US" dirty="0"/>
+          </a:p>
+        </p:txBody>
+      </p:sp>
+      <p:sp>
+        <p:nvSpPr>
+          <p:cNvPr id="4" name="Date Placeholder 3"/>
           <p:cNvSpPr>
             <a:spLocks noGrp="1"/>
           </p:cNvSpPr>
@@ -459,7 +423,7 @@
           <a:p>
             <a:fld id="{FF47925D-0F96-4D81-9D9F-2E703EA58734}" type="datetimeFigureOut">
               <a:rPr lang="en-US" smtClean="0"/>
-              <a:t>11/18/2024</a:t>
+              <a:t>11/28/2024</a:t>
             </a:fld>
             <a:endParaRPr lang="en-US"/>
           </a:p>
@@ -467,13 +431,7 @@
       </p:sp>
       <p:sp>
         <p:nvSpPr>
-          <p:cNvPr id="5" name="Footer Placeholder 4">
-            <a:extLst>
-              <a:ext uri="{FF2B5EF4-FFF2-40B4-BE49-F238E27FC236}">
-                <a16:creationId xmlns:a16="http://schemas.microsoft.com/office/drawing/2014/main" id="{E6864E7C-4102-5C9E-A8CC-9197CC82A2ED}"/>
-              </a:ext>
-            </a:extLst>
-          </p:cNvPr>
+          <p:cNvPr id="5" name="Footer Placeholder 4"/>
           <p:cNvSpPr>
             <a:spLocks noGrp="1"/>
           </p:cNvSpPr>
@@ -492,13 +450,7 @@
       </p:sp>
       <p:sp>
         <p:nvSpPr>
-          <p:cNvPr id="6" name="Slide Number Placeholder 5">
-            <a:extLst>
-              <a:ext uri="{FF2B5EF4-FFF2-40B4-BE49-F238E27FC236}">
-                <a16:creationId xmlns:a16="http://schemas.microsoft.com/office/drawing/2014/main" id="{ABCD7D8C-F7AD-D035-DA62-4F46CBDDF32E}"/>
-              </a:ext>
-            </a:extLst>
-          </p:cNvPr>
+          <p:cNvPr id="6" name="Slide Number Placeholder 5"/>
           <p:cNvSpPr>
             <a:spLocks noGrp="1"/>
           </p:cNvSpPr>
@@ -522,7 +474,7 @@
     </p:spTree>
     <p:extLst>
       <p:ext uri="{BB962C8B-B14F-4D97-AF65-F5344CB8AC3E}">
-        <p14:creationId xmlns:p14="http://schemas.microsoft.com/office/powerpoint/2010/main" val="3570119375"/>
+        <p14:creationId xmlns:p14="http://schemas.microsoft.com/office/powerpoint/2010/main" val="3446301735"/>
       </p:ext>
     </p:extLst>
   </p:cSld>
@@ -551,13 +503,7 @@
       </p:grpSpPr>
       <p:sp>
         <p:nvSpPr>
-          <p:cNvPr id="2" name="Vertical Title 1">
-            <a:extLst>
-              <a:ext uri="{FF2B5EF4-FFF2-40B4-BE49-F238E27FC236}">
-                <a16:creationId xmlns:a16="http://schemas.microsoft.com/office/drawing/2014/main" id="{C8D9308E-3019-00BB-CF93-55BA29B3A152}"/>
-              </a:ext>
-            </a:extLst>
-          </p:cNvPr>
+          <p:cNvPr id="2" name="Vertical Title 1"/>
           <p:cNvSpPr>
             <a:spLocks noGrp="1"/>
           </p:cNvSpPr>
@@ -579,18 +525,13 @@
               <a:rPr lang="en-US"/>
               <a:t>Click to edit Master title style</a:t>
             </a:r>
-          </a:p>
-        </p:txBody>
-      </p:sp>
-      <p:sp>
-        <p:nvSpPr>
-          <p:cNvPr id="3" name="Vertical Text Placeholder 2">
-            <a:extLst>
-              <a:ext uri="{FF2B5EF4-FFF2-40B4-BE49-F238E27FC236}">
-                <a16:creationId xmlns:a16="http://schemas.microsoft.com/office/drawing/2014/main" id="{EE4E59C9-4EC5-F2AF-FCE4-8AEC30C52CD7}"/>
-              </a:ext>
-            </a:extLst>
-          </p:cNvPr>
+            <a:endParaRPr lang="en-US" dirty="0"/>
+          </a:p>
+        </p:txBody>
+      </p:sp>
+      <p:sp>
+        <p:nvSpPr>
+          <p:cNvPr id="3" name="Vertical Text Placeholder 2"/>
           <p:cNvSpPr>
             <a:spLocks noGrp="1"/>
           </p:cNvSpPr>
@@ -641,18 +582,13 @@
               <a:rPr lang="en-US"/>
               <a:t>Fifth level</a:t>
             </a:r>
-          </a:p>
-        </p:txBody>
-      </p:sp>
-      <p:sp>
-        <p:nvSpPr>
-          <p:cNvPr id="4" name="Date Placeholder 3">
-            <a:extLst>
-              <a:ext uri="{FF2B5EF4-FFF2-40B4-BE49-F238E27FC236}">
-                <a16:creationId xmlns:a16="http://schemas.microsoft.com/office/drawing/2014/main" id="{BA0C196E-C446-E54B-6148-EA5FF64D78CE}"/>
-              </a:ext>
-            </a:extLst>
-          </p:cNvPr>
+            <a:endParaRPr lang="en-US" dirty="0"/>
+          </a:p>
+        </p:txBody>
+      </p:sp>
+      <p:sp>
+        <p:nvSpPr>
+          <p:cNvPr id="4" name="Date Placeholder 3"/>
           <p:cNvSpPr>
             <a:spLocks noGrp="1"/>
           </p:cNvSpPr>
@@ -667,7 +603,7 @@
           <a:p>
             <a:fld id="{FF47925D-0F96-4D81-9D9F-2E703EA58734}" type="datetimeFigureOut">
               <a:rPr lang="en-US" smtClean="0"/>
-              <a:t>11/18/2024</a:t>
+              <a:t>11/28/2024</a:t>
             </a:fld>
             <a:endParaRPr lang="en-US"/>
           </a:p>
@@ -675,13 +611,7 @@
       </p:sp>
       <p:sp>
         <p:nvSpPr>
-          <p:cNvPr id="5" name="Footer Placeholder 4">
-            <a:extLst>
-              <a:ext uri="{FF2B5EF4-FFF2-40B4-BE49-F238E27FC236}">
-                <a16:creationId xmlns:a16="http://schemas.microsoft.com/office/drawing/2014/main" id="{36E1DBF3-FE3B-8B52-7523-BD3EC5261FF6}"/>
-              </a:ext>
-            </a:extLst>
-          </p:cNvPr>
+          <p:cNvPr id="5" name="Footer Placeholder 4"/>
           <p:cNvSpPr>
             <a:spLocks noGrp="1"/>
           </p:cNvSpPr>
@@ -700,13 +630,7 @@
       </p:sp>
       <p:sp>
         <p:nvSpPr>
-          <p:cNvPr id="6" name="Slide Number Placeholder 5">
-            <a:extLst>
-              <a:ext uri="{FF2B5EF4-FFF2-40B4-BE49-F238E27FC236}">
-                <a16:creationId xmlns:a16="http://schemas.microsoft.com/office/drawing/2014/main" id="{B2EB7204-EB0F-77C9-5751-0A2275BC4661}"/>
-              </a:ext>
-            </a:extLst>
-          </p:cNvPr>
+          <p:cNvPr id="6" name="Slide Number Placeholder 5"/>
           <p:cNvSpPr>
             <a:spLocks noGrp="1"/>
           </p:cNvSpPr>
@@ -730,7 +654,7 @@
     </p:spTree>
     <p:extLst>
       <p:ext uri="{BB962C8B-B14F-4D97-AF65-F5344CB8AC3E}">
-        <p14:creationId xmlns:p14="http://schemas.microsoft.com/office/powerpoint/2010/main" val="623900987"/>
+        <p14:creationId xmlns:p14="http://schemas.microsoft.com/office/powerpoint/2010/main" val="3602222318"/>
       </p:ext>
     </p:extLst>
   </p:cSld>
@@ -759,13 +683,7 @@
       </p:grpSpPr>
       <p:sp>
         <p:nvSpPr>
-          <p:cNvPr id="2" name="Title 1">
-            <a:extLst>
-              <a:ext uri="{FF2B5EF4-FFF2-40B4-BE49-F238E27FC236}">
-                <a16:creationId xmlns:a16="http://schemas.microsoft.com/office/drawing/2014/main" id="{E8EB57F8-04EC-E0AD-1EFE-6FEB8AA94E6C}"/>
-              </a:ext>
-            </a:extLst>
-          </p:cNvPr>
+          <p:cNvPr id="2" name="Title 1"/>
           <p:cNvSpPr>
             <a:spLocks noGrp="1"/>
           </p:cNvSpPr>
@@ -782,18 +700,13 @@
               <a:rPr lang="en-US"/>
               <a:t>Click to edit Master title style</a:t>
             </a:r>
-          </a:p>
-        </p:txBody>
-      </p:sp>
-      <p:sp>
-        <p:nvSpPr>
-          <p:cNvPr id="3" name="Content Placeholder 2">
-            <a:extLst>
-              <a:ext uri="{FF2B5EF4-FFF2-40B4-BE49-F238E27FC236}">
-                <a16:creationId xmlns:a16="http://schemas.microsoft.com/office/drawing/2014/main" id="{49D837D4-51AF-EF6F-323A-21158CAF2720}"/>
-              </a:ext>
-            </a:extLst>
-          </p:cNvPr>
+            <a:endParaRPr lang="en-US" dirty="0"/>
+          </a:p>
+        </p:txBody>
+      </p:sp>
+      <p:sp>
+        <p:nvSpPr>
+          <p:cNvPr id="3" name="Content Placeholder 2"/>
           <p:cNvSpPr>
             <a:spLocks noGrp="1"/>
           </p:cNvSpPr>
@@ -839,18 +752,13 @@
               <a:rPr lang="en-US"/>
               <a:t>Fifth level</a:t>
             </a:r>
-          </a:p>
-        </p:txBody>
-      </p:sp>
-      <p:sp>
-        <p:nvSpPr>
-          <p:cNvPr id="4" name="Date Placeholder 3">
-            <a:extLst>
-              <a:ext uri="{FF2B5EF4-FFF2-40B4-BE49-F238E27FC236}">
-                <a16:creationId xmlns:a16="http://schemas.microsoft.com/office/drawing/2014/main" id="{FA7366C1-9B0F-0263-AAF4-803BBB0E96C5}"/>
-              </a:ext>
-            </a:extLst>
-          </p:cNvPr>
+            <a:endParaRPr lang="en-US" dirty="0"/>
+          </a:p>
+        </p:txBody>
+      </p:sp>
+      <p:sp>
+        <p:nvSpPr>
+          <p:cNvPr id="4" name="Date Placeholder 3"/>
           <p:cNvSpPr>
             <a:spLocks noGrp="1"/>
           </p:cNvSpPr>
@@ -865,7 +773,7 @@
           <a:p>
             <a:fld id="{FF47925D-0F96-4D81-9D9F-2E703EA58734}" type="datetimeFigureOut">
               <a:rPr lang="en-US" smtClean="0"/>
-              <a:t>11/18/2024</a:t>
+              <a:t>11/28/2024</a:t>
             </a:fld>
             <a:endParaRPr lang="en-US"/>
           </a:p>
@@ -873,13 +781,7 @@
       </p:sp>
       <p:sp>
         <p:nvSpPr>
-          <p:cNvPr id="5" name="Footer Placeholder 4">
-            <a:extLst>
-              <a:ext uri="{FF2B5EF4-FFF2-40B4-BE49-F238E27FC236}">
-                <a16:creationId xmlns:a16="http://schemas.microsoft.com/office/drawing/2014/main" id="{02238893-78A6-DBD3-FA76-3B1A07024758}"/>
-              </a:ext>
-            </a:extLst>
-          </p:cNvPr>
+          <p:cNvPr id="5" name="Footer Placeholder 4"/>
           <p:cNvSpPr>
             <a:spLocks noGrp="1"/>
           </p:cNvSpPr>
@@ -898,13 +800,7 @@
       </p:sp>
       <p:sp>
         <p:nvSpPr>
-          <p:cNvPr id="6" name="Slide Number Placeholder 5">
-            <a:extLst>
-              <a:ext uri="{FF2B5EF4-FFF2-40B4-BE49-F238E27FC236}">
-                <a16:creationId xmlns:a16="http://schemas.microsoft.com/office/drawing/2014/main" id="{9A79805F-AF1F-E544-4D13-5DB3CD7B6F3C}"/>
-              </a:ext>
-            </a:extLst>
-          </p:cNvPr>
+          <p:cNvPr id="6" name="Slide Number Placeholder 5"/>
           <p:cNvSpPr>
             <a:spLocks noGrp="1"/>
           </p:cNvSpPr>
@@ -928,7 +824,7 @@
     </p:spTree>
     <p:extLst>
       <p:ext uri="{BB962C8B-B14F-4D97-AF65-F5344CB8AC3E}">
-        <p14:creationId xmlns:p14="http://schemas.microsoft.com/office/powerpoint/2010/main" val="2216872598"/>
+        <p14:creationId xmlns:p14="http://schemas.microsoft.com/office/powerpoint/2010/main" val="2062659335"/>
       </p:ext>
     </p:extLst>
   </p:cSld>
@@ -957,13 +853,7 @@
       </p:grpSpPr>
       <p:sp>
         <p:nvSpPr>
-          <p:cNvPr id="2" name="Title 1">
-            <a:extLst>
-              <a:ext uri="{FF2B5EF4-FFF2-40B4-BE49-F238E27FC236}">
-                <a16:creationId xmlns:a16="http://schemas.microsoft.com/office/drawing/2014/main" id="{83B29F98-0DA3-16AF-1003-246C6DDEDA5F}"/>
-              </a:ext>
-            </a:extLst>
-          </p:cNvPr>
+          <p:cNvPr id="2" name="Title 1"/>
           <p:cNvSpPr>
             <a:spLocks noGrp="1"/>
           </p:cNvSpPr>
@@ -989,18 +879,13 @@
               <a:rPr lang="en-US"/>
               <a:t>Click to edit Master title style</a:t>
             </a:r>
-          </a:p>
-        </p:txBody>
-      </p:sp>
-      <p:sp>
-        <p:nvSpPr>
-          <p:cNvPr id="3" name="Text Placeholder 2">
-            <a:extLst>
-              <a:ext uri="{FF2B5EF4-FFF2-40B4-BE49-F238E27FC236}">
-                <a16:creationId xmlns:a16="http://schemas.microsoft.com/office/drawing/2014/main" id="{D2356AEE-1A28-BACF-12A1-6771685D71F8}"/>
-              </a:ext>
-            </a:extLst>
-          </p:cNvPr>
+            <a:endParaRPr lang="en-US" dirty="0"/>
+          </a:p>
+        </p:txBody>
+      </p:sp>
+      <p:sp>
+        <p:nvSpPr>
+          <p:cNvPr id="3" name="Text Placeholder 2"/>
           <p:cNvSpPr>
             <a:spLocks noGrp="1"/>
           </p:cNvSpPr>
@@ -1119,13 +1004,7 @@
       </p:sp>
       <p:sp>
         <p:nvSpPr>
-          <p:cNvPr id="4" name="Date Placeholder 3">
-            <a:extLst>
-              <a:ext uri="{FF2B5EF4-FFF2-40B4-BE49-F238E27FC236}">
-                <a16:creationId xmlns:a16="http://schemas.microsoft.com/office/drawing/2014/main" id="{B55778CB-2D6A-9864-A6F4-686E6D920492}"/>
-              </a:ext>
-            </a:extLst>
-          </p:cNvPr>
+          <p:cNvPr id="4" name="Date Placeholder 3"/>
           <p:cNvSpPr>
             <a:spLocks noGrp="1"/>
           </p:cNvSpPr>
@@ -1140,7 +1019,7 @@
           <a:p>
             <a:fld id="{FF47925D-0F96-4D81-9D9F-2E703EA58734}" type="datetimeFigureOut">
               <a:rPr lang="en-US" smtClean="0"/>
-              <a:t>11/18/2024</a:t>
+              <a:t>11/28/2024</a:t>
             </a:fld>
             <a:endParaRPr lang="en-US"/>
           </a:p>
@@ -1148,13 +1027,7 @@
       </p:sp>
       <p:sp>
         <p:nvSpPr>
-          <p:cNvPr id="5" name="Footer Placeholder 4">
-            <a:extLst>
-              <a:ext uri="{FF2B5EF4-FFF2-40B4-BE49-F238E27FC236}">
-                <a16:creationId xmlns:a16="http://schemas.microsoft.com/office/drawing/2014/main" id="{D98763D6-4C99-E725-D096-40A5AB41EE3D}"/>
-              </a:ext>
-            </a:extLst>
-          </p:cNvPr>
+          <p:cNvPr id="5" name="Footer Placeholder 4"/>
           <p:cNvSpPr>
             <a:spLocks noGrp="1"/>
           </p:cNvSpPr>
@@ -1173,13 +1046,7 @@
       </p:sp>
       <p:sp>
         <p:nvSpPr>
-          <p:cNvPr id="6" name="Slide Number Placeholder 5">
-            <a:extLst>
-              <a:ext uri="{FF2B5EF4-FFF2-40B4-BE49-F238E27FC236}">
-                <a16:creationId xmlns:a16="http://schemas.microsoft.com/office/drawing/2014/main" id="{2658A75D-1DA7-A8FF-B915-9B0109205329}"/>
-              </a:ext>
-            </a:extLst>
-          </p:cNvPr>
+          <p:cNvPr id="6" name="Slide Number Placeholder 5"/>
           <p:cNvSpPr>
             <a:spLocks noGrp="1"/>
           </p:cNvSpPr>
@@ -1203,7 +1070,7 @@
     </p:spTree>
     <p:extLst>
       <p:ext uri="{BB962C8B-B14F-4D97-AF65-F5344CB8AC3E}">
-        <p14:creationId xmlns:p14="http://schemas.microsoft.com/office/powerpoint/2010/main" val="3060413759"/>
+        <p14:creationId xmlns:p14="http://schemas.microsoft.com/office/powerpoint/2010/main" val="3959487569"/>
       </p:ext>
     </p:extLst>
   </p:cSld>
@@ -1232,13 +1099,7 @@
       </p:grpSpPr>
       <p:sp>
         <p:nvSpPr>
-          <p:cNvPr id="2" name="Title 1">
-            <a:extLst>
-              <a:ext uri="{FF2B5EF4-FFF2-40B4-BE49-F238E27FC236}">
-                <a16:creationId xmlns:a16="http://schemas.microsoft.com/office/drawing/2014/main" id="{4DC7AC53-0D0A-5871-771C-00C11EF6047C}"/>
-              </a:ext>
-            </a:extLst>
-          </p:cNvPr>
+          <p:cNvPr id="2" name="Title 1"/>
           <p:cNvSpPr>
             <a:spLocks noGrp="1"/>
           </p:cNvSpPr>
@@ -1255,18 +1116,13 @@
               <a:rPr lang="en-US"/>
               <a:t>Click to edit Master title style</a:t>
             </a:r>
-          </a:p>
-        </p:txBody>
-      </p:sp>
-      <p:sp>
-        <p:nvSpPr>
-          <p:cNvPr id="3" name="Content Placeholder 2">
-            <a:extLst>
-              <a:ext uri="{FF2B5EF4-FFF2-40B4-BE49-F238E27FC236}">
-                <a16:creationId xmlns:a16="http://schemas.microsoft.com/office/drawing/2014/main" id="{9ADF9A94-FC79-732C-327B-BDAF2B9A9C3E}"/>
-              </a:ext>
-            </a:extLst>
-          </p:cNvPr>
+            <a:endParaRPr lang="en-US" dirty="0"/>
+          </a:p>
+        </p:txBody>
+      </p:sp>
+      <p:sp>
+        <p:nvSpPr>
+          <p:cNvPr id="3" name="Content Placeholder 2"/>
           <p:cNvSpPr>
             <a:spLocks noGrp="1"/>
           </p:cNvSpPr>
@@ -1317,18 +1173,13 @@
               <a:rPr lang="en-US"/>
               <a:t>Fifth level</a:t>
             </a:r>
-          </a:p>
-        </p:txBody>
-      </p:sp>
-      <p:sp>
-        <p:nvSpPr>
-          <p:cNvPr id="4" name="Content Placeholder 3">
-            <a:extLst>
-              <a:ext uri="{FF2B5EF4-FFF2-40B4-BE49-F238E27FC236}">
-                <a16:creationId xmlns:a16="http://schemas.microsoft.com/office/drawing/2014/main" id="{E648B31D-3CD7-620E-CA9F-81F6B1425379}"/>
-              </a:ext>
-            </a:extLst>
-          </p:cNvPr>
+            <a:endParaRPr lang="en-US" dirty="0"/>
+          </a:p>
+        </p:txBody>
+      </p:sp>
+      <p:sp>
+        <p:nvSpPr>
+          <p:cNvPr id="4" name="Content Placeholder 3"/>
           <p:cNvSpPr>
             <a:spLocks noGrp="1"/>
           </p:cNvSpPr>
@@ -1379,18 +1230,13 @@
               <a:rPr lang="en-US"/>
               <a:t>Fifth level</a:t>
             </a:r>
-          </a:p>
-        </p:txBody>
-      </p:sp>
-      <p:sp>
-        <p:nvSpPr>
-          <p:cNvPr id="5" name="Date Placeholder 4">
-            <a:extLst>
-              <a:ext uri="{FF2B5EF4-FFF2-40B4-BE49-F238E27FC236}">
-                <a16:creationId xmlns:a16="http://schemas.microsoft.com/office/drawing/2014/main" id="{7EE0629A-FFF8-2FEC-91CE-A30605CACEB4}"/>
-              </a:ext>
-            </a:extLst>
-          </p:cNvPr>
+            <a:endParaRPr lang="en-US" dirty="0"/>
+          </a:p>
+        </p:txBody>
+      </p:sp>
+      <p:sp>
+        <p:nvSpPr>
+          <p:cNvPr id="5" name="Date Placeholder 4"/>
           <p:cNvSpPr>
             <a:spLocks noGrp="1"/>
           </p:cNvSpPr>
@@ -1405,7 +1251,7 @@
           <a:p>
             <a:fld id="{FF47925D-0F96-4D81-9D9F-2E703EA58734}" type="datetimeFigureOut">
               <a:rPr lang="en-US" smtClean="0"/>
-              <a:t>11/18/2024</a:t>
+              <a:t>11/28/2024</a:t>
             </a:fld>
             <a:endParaRPr lang="en-US"/>
           </a:p>
@@ -1413,13 +1259,7 @@
       </p:sp>
       <p:sp>
         <p:nvSpPr>
-          <p:cNvPr id="6" name="Footer Placeholder 5">
-            <a:extLst>
-              <a:ext uri="{FF2B5EF4-FFF2-40B4-BE49-F238E27FC236}">
-                <a16:creationId xmlns:a16="http://schemas.microsoft.com/office/drawing/2014/main" id="{B3B8F83C-64AE-F7FD-FDD1-3E4D21A7004B}"/>
-              </a:ext>
-            </a:extLst>
-          </p:cNvPr>
+          <p:cNvPr id="6" name="Footer Placeholder 5"/>
           <p:cNvSpPr>
             <a:spLocks noGrp="1"/>
           </p:cNvSpPr>
@@ -1438,13 +1278,7 @@
       </p:sp>
       <p:sp>
         <p:nvSpPr>
-          <p:cNvPr id="7" name="Slide Number Placeholder 6">
-            <a:extLst>
-              <a:ext uri="{FF2B5EF4-FFF2-40B4-BE49-F238E27FC236}">
-                <a16:creationId xmlns:a16="http://schemas.microsoft.com/office/drawing/2014/main" id="{FE0E5E58-9E05-A7DB-E47A-219C03DD41F4}"/>
-              </a:ext>
-            </a:extLst>
-          </p:cNvPr>
+          <p:cNvPr id="7" name="Slide Number Placeholder 6"/>
           <p:cNvSpPr>
             <a:spLocks noGrp="1"/>
           </p:cNvSpPr>
@@ -1468,7 +1302,7 @@
     </p:spTree>
     <p:extLst>
       <p:ext uri="{BB962C8B-B14F-4D97-AF65-F5344CB8AC3E}">
-        <p14:creationId xmlns:p14="http://schemas.microsoft.com/office/powerpoint/2010/main" val="429806812"/>
+        <p14:creationId xmlns:p14="http://schemas.microsoft.com/office/powerpoint/2010/main" val="1881701427"/>
       </p:ext>
     </p:extLst>
   </p:cSld>
@@ -1497,13 +1331,7 @@
       </p:grpSpPr>
       <p:sp>
         <p:nvSpPr>
-          <p:cNvPr id="2" name="Title 1">
-            <a:extLst>
-              <a:ext uri="{FF2B5EF4-FFF2-40B4-BE49-F238E27FC236}">
-                <a16:creationId xmlns:a16="http://schemas.microsoft.com/office/drawing/2014/main" id="{68CF2561-B525-20E0-668E-2FAF0DC724E4}"/>
-              </a:ext>
-            </a:extLst>
-          </p:cNvPr>
+          <p:cNvPr id="2" name="Title 1"/>
           <p:cNvSpPr>
             <a:spLocks noGrp="1"/>
           </p:cNvSpPr>
@@ -1525,18 +1353,13 @@
               <a:rPr lang="en-US"/>
               <a:t>Click to edit Master title style</a:t>
             </a:r>
-          </a:p>
-        </p:txBody>
-      </p:sp>
-      <p:sp>
-        <p:nvSpPr>
-          <p:cNvPr id="3" name="Text Placeholder 2">
-            <a:extLst>
-              <a:ext uri="{FF2B5EF4-FFF2-40B4-BE49-F238E27FC236}">
-                <a16:creationId xmlns:a16="http://schemas.microsoft.com/office/drawing/2014/main" id="{272D9C79-7469-5808-F292-9C9AE7BC0E53}"/>
-              </a:ext>
-            </a:extLst>
-          </p:cNvPr>
+            <a:endParaRPr lang="en-US" dirty="0"/>
+          </a:p>
+        </p:txBody>
+      </p:sp>
+      <p:sp>
+        <p:nvSpPr>
+          <p:cNvPr id="3" name="Text Placeholder 2"/>
           <p:cNvSpPr>
             <a:spLocks noGrp="1"/>
           </p:cNvSpPr>
@@ -1601,13 +1424,7 @@
       </p:sp>
       <p:sp>
         <p:nvSpPr>
-          <p:cNvPr id="4" name="Content Placeholder 3">
-            <a:extLst>
-              <a:ext uri="{FF2B5EF4-FFF2-40B4-BE49-F238E27FC236}">
-                <a16:creationId xmlns:a16="http://schemas.microsoft.com/office/drawing/2014/main" id="{23FC2A17-C176-FA0C-88BC-00C93CE9B225}"/>
-              </a:ext>
-            </a:extLst>
-          </p:cNvPr>
+          <p:cNvPr id="4" name="Content Placeholder 3"/>
           <p:cNvSpPr>
             <a:spLocks noGrp="1"/>
           </p:cNvSpPr>
@@ -1658,18 +1475,13 @@
               <a:rPr lang="en-US"/>
               <a:t>Fifth level</a:t>
             </a:r>
-          </a:p>
-        </p:txBody>
-      </p:sp>
-      <p:sp>
-        <p:nvSpPr>
-          <p:cNvPr id="5" name="Text Placeholder 4">
-            <a:extLst>
-              <a:ext uri="{FF2B5EF4-FFF2-40B4-BE49-F238E27FC236}">
-                <a16:creationId xmlns:a16="http://schemas.microsoft.com/office/drawing/2014/main" id="{AD314728-2D84-3905-FBEC-D3AF6AD91CF3}"/>
-              </a:ext>
-            </a:extLst>
-          </p:cNvPr>
+            <a:endParaRPr lang="en-US" dirty="0"/>
+          </a:p>
+        </p:txBody>
+      </p:sp>
+      <p:sp>
+        <p:nvSpPr>
+          <p:cNvPr id="5" name="Text Placeholder 4"/>
           <p:cNvSpPr>
             <a:spLocks noGrp="1"/>
           </p:cNvSpPr>
@@ -1734,13 +1546,7 @@
       </p:sp>
       <p:sp>
         <p:nvSpPr>
-          <p:cNvPr id="6" name="Content Placeholder 5">
-            <a:extLst>
-              <a:ext uri="{FF2B5EF4-FFF2-40B4-BE49-F238E27FC236}">
-                <a16:creationId xmlns:a16="http://schemas.microsoft.com/office/drawing/2014/main" id="{8B78C711-E362-3A5B-6CA2-8C75C8BE1B3E}"/>
-              </a:ext>
-            </a:extLst>
-          </p:cNvPr>
+          <p:cNvPr id="6" name="Content Placeholder 5"/>
           <p:cNvSpPr>
             <a:spLocks noGrp="1"/>
           </p:cNvSpPr>
@@ -1791,18 +1597,13 @@
               <a:rPr lang="en-US"/>
               <a:t>Fifth level</a:t>
             </a:r>
-          </a:p>
-        </p:txBody>
-      </p:sp>
-      <p:sp>
-        <p:nvSpPr>
-          <p:cNvPr id="7" name="Date Placeholder 6">
-            <a:extLst>
-              <a:ext uri="{FF2B5EF4-FFF2-40B4-BE49-F238E27FC236}">
-                <a16:creationId xmlns:a16="http://schemas.microsoft.com/office/drawing/2014/main" id="{EE3303C4-662F-6617-297B-47ADCDDA40DB}"/>
-              </a:ext>
-            </a:extLst>
-          </p:cNvPr>
+            <a:endParaRPr lang="en-US" dirty="0"/>
+          </a:p>
+        </p:txBody>
+      </p:sp>
+      <p:sp>
+        <p:nvSpPr>
+          <p:cNvPr id="7" name="Date Placeholder 6"/>
           <p:cNvSpPr>
             <a:spLocks noGrp="1"/>
           </p:cNvSpPr>
@@ -1817,7 +1618,7 @@
           <a:p>
             <a:fld id="{FF47925D-0F96-4D81-9D9F-2E703EA58734}" type="datetimeFigureOut">
               <a:rPr lang="en-US" smtClean="0"/>
-              <a:t>11/18/2024</a:t>
+              <a:t>11/28/2024</a:t>
             </a:fld>
             <a:endParaRPr lang="en-US"/>
           </a:p>
@@ -1825,13 +1626,7 @@
       </p:sp>
       <p:sp>
         <p:nvSpPr>
-          <p:cNvPr id="8" name="Footer Placeholder 7">
-            <a:extLst>
-              <a:ext uri="{FF2B5EF4-FFF2-40B4-BE49-F238E27FC236}">
-                <a16:creationId xmlns:a16="http://schemas.microsoft.com/office/drawing/2014/main" id="{09EEAD0A-0B31-0909-5516-46C0052694A9}"/>
-              </a:ext>
-            </a:extLst>
-          </p:cNvPr>
+          <p:cNvPr id="8" name="Footer Placeholder 7"/>
           <p:cNvSpPr>
             <a:spLocks noGrp="1"/>
           </p:cNvSpPr>
@@ -1850,13 +1645,7 @@
       </p:sp>
       <p:sp>
         <p:nvSpPr>
-          <p:cNvPr id="9" name="Slide Number Placeholder 8">
-            <a:extLst>
-              <a:ext uri="{FF2B5EF4-FFF2-40B4-BE49-F238E27FC236}">
-                <a16:creationId xmlns:a16="http://schemas.microsoft.com/office/drawing/2014/main" id="{E9C68BF3-7E44-2940-3D74-598FEC507A7B}"/>
-              </a:ext>
-            </a:extLst>
-          </p:cNvPr>
+          <p:cNvPr id="9" name="Slide Number Placeholder 8"/>
           <p:cNvSpPr>
             <a:spLocks noGrp="1"/>
           </p:cNvSpPr>
@@ -1880,7 +1669,7 @@
     </p:spTree>
     <p:extLst>
       <p:ext uri="{BB962C8B-B14F-4D97-AF65-F5344CB8AC3E}">
-        <p14:creationId xmlns:p14="http://schemas.microsoft.com/office/powerpoint/2010/main" val="3292199391"/>
+        <p14:creationId xmlns:p14="http://schemas.microsoft.com/office/powerpoint/2010/main" val="2793241092"/>
       </p:ext>
     </p:extLst>
   </p:cSld>
@@ -1909,13 +1698,7 @@
       </p:grpSpPr>
       <p:sp>
         <p:nvSpPr>
-          <p:cNvPr id="2" name="Title 1">
-            <a:extLst>
-              <a:ext uri="{FF2B5EF4-FFF2-40B4-BE49-F238E27FC236}">
-                <a16:creationId xmlns:a16="http://schemas.microsoft.com/office/drawing/2014/main" id="{1C95E56C-E715-A3CB-4D6A-48A8A605554E}"/>
-              </a:ext>
-            </a:extLst>
-          </p:cNvPr>
+          <p:cNvPr id="2" name="Title 1"/>
           <p:cNvSpPr>
             <a:spLocks noGrp="1"/>
           </p:cNvSpPr>
@@ -1932,18 +1715,13 @@
               <a:rPr lang="en-US"/>
               <a:t>Click to edit Master title style</a:t>
             </a:r>
-          </a:p>
-        </p:txBody>
-      </p:sp>
-      <p:sp>
-        <p:nvSpPr>
-          <p:cNvPr id="3" name="Date Placeholder 2">
-            <a:extLst>
-              <a:ext uri="{FF2B5EF4-FFF2-40B4-BE49-F238E27FC236}">
-                <a16:creationId xmlns:a16="http://schemas.microsoft.com/office/drawing/2014/main" id="{19CB248A-A395-CC2D-3937-A630CCD84379}"/>
-              </a:ext>
-            </a:extLst>
-          </p:cNvPr>
+            <a:endParaRPr lang="en-US" dirty="0"/>
+          </a:p>
+        </p:txBody>
+      </p:sp>
+      <p:sp>
+        <p:nvSpPr>
+          <p:cNvPr id="3" name="Date Placeholder 2"/>
           <p:cNvSpPr>
             <a:spLocks noGrp="1"/>
           </p:cNvSpPr>
@@ -1958,7 +1736,7 @@
           <a:p>
             <a:fld id="{FF47925D-0F96-4D81-9D9F-2E703EA58734}" type="datetimeFigureOut">
               <a:rPr lang="en-US" smtClean="0"/>
-              <a:t>11/18/2024</a:t>
+              <a:t>11/28/2024</a:t>
             </a:fld>
             <a:endParaRPr lang="en-US"/>
           </a:p>
@@ -1966,13 +1744,7 @@
       </p:sp>
       <p:sp>
         <p:nvSpPr>
-          <p:cNvPr id="4" name="Footer Placeholder 3">
-            <a:extLst>
-              <a:ext uri="{FF2B5EF4-FFF2-40B4-BE49-F238E27FC236}">
-                <a16:creationId xmlns:a16="http://schemas.microsoft.com/office/drawing/2014/main" id="{911444DB-39E0-75FF-F980-4FDCC6CD742B}"/>
-              </a:ext>
-            </a:extLst>
-          </p:cNvPr>
+          <p:cNvPr id="4" name="Footer Placeholder 3"/>
           <p:cNvSpPr>
             <a:spLocks noGrp="1"/>
           </p:cNvSpPr>
@@ -1991,13 +1763,7 @@
       </p:sp>
       <p:sp>
         <p:nvSpPr>
-          <p:cNvPr id="5" name="Slide Number Placeholder 4">
-            <a:extLst>
-              <a:ext uri="{FF2B5EF4-FFF2-40B4-BE49-F238E27FC236}">
-                <a16:creationId xmlns:a16="http://schemas.microsoft.com/office/drawing/2014/main" id="{D47CB05C-5893-A29B-ED18-F47E37D97DD3}"/>
-              </a:ext>
-            </a:extLst>
-          </p:cNvPr>
+          <p:cNvPr id="5" name="Slide Number Placeholder 4"/>
           <p:cNvSpPr>
             <a:spLocks noGrp="1"/>
           </p:cNvSpPr>
@@ -2021,7 +1787,7 @@
     </p:spTree>
     <p:extLst>
       <p:ext uri="{BB962C8B-B14F-4D97-AF65-F5344CB8AC3E}">
-        <p14:creationId xmlns:p14="http://schemas.microsoft.com/office/powerpoint/2010/main" val="1500445259"/>
+        <p14:creationId xmlns:p14="http://schemas.microsoft.com/office/powerpoint/2010/main" val="267809156"/>
       </p:ext>
     </p:extLst>
   </p:cSld>
@@ -2050,13 +1816,7 @@
       </p:grpSpPr>
       <p:sp>
         <p:nvSpPr>
-          <p:cNvPr id="2" name="Date Placeholder 1">
-            <a:extLst>
-              <a:ext uri="{FF2B5EF4-FFF2-40B4-BE49-F238E27FC236}">
-                <a16:creationId xmlns:a16="http://schemas.microsoft.com/office/drawing/2014/main" id="{EAFB8A52-97B6-0C7D-9D60-379075359FD9}"/>
-              </a:ext>
-            </a:extLst>
-          </p:cNvPr>
+          <p:cNvPr id="2" name="Date Placeholder 1"/>
           <p:cNvSpPr>
             <a:spLocks noGrp="1"/>
           </p:cNvSpPr>
@@ -2071,7 +1831,7 @@
           <a:p>
             <a:fld id="{FF47925D-0F96-4D81-9D9F-2E703EA58734}" type="datetimeFigureOut">
               <a:rPr lang="en-US" smtClean="0"/>
-              <a:t>11/18/2024</a:t>
+              <a:t>11/28/2024</a:t>
             </a:fld>
             <a:endParaRPr lang="en-US"/>
           </a:p>
@@ -2079,13 +1839,7 @@
       </p:sp>
       <p:sp>
         <p:nvSpPr>
-          <p:cNvPr id="3" name="Footer Placeholder 2">
-            <a:extLst>
-              <a:ext uri="{FF2B5EF4-FFF2-40B4-BE49-F238E27FC236}">
-                <a16:creationId xmlns:a16="http://schemas.microsoft.com/office/drawing/2014/main" id="{9A163FE6-3CFC-D528-D980-C675C68F864D}"/>
-              </a:ext>
-            </a:extLst>
-          </p:cNvPr>
+          <p:cNvPr id="3" name="Footer Placeholder 2"/>
           <p:cNvSpPr>
             <a:spLocks noGrp="1"/>
           </p:cNvSpPr>
@@ -2104,13 +1858,7 @@
       </p:sp>
       <p:sp>
         <p:nvSpPr>
-          <p:cNvPr id="4" name="Slide Number Placeholder 3">
-            <a:extLst>
-              <a:ext uri="{FF2B5EF4-FFF2-40B4-BE49-F238E27FC236}">
-                <a16:creationId xmlns:a16="http://schemas.microsoft.com/office/drawing/2014/main" id="{2AA94E26-AC7F-51B8-6013-39624E33FAD2}"/>
-              </a:ext>
-            </a:extLst>
-          </p:cNvPr>
+          <p:cNvPr id="4" name="Slide Number Placeholder 3"/>
           <p:cNvSpPr>
             <a:spLocks noGrp="1"/>
           </p:cNvSpPr>
@@ -2134,7 +1882,7 @@
     </p:spTree>
     <p:extLst>
       <p:ext uri="{BB962C8B-B14F-4D97-AF65-F5344CB8AC3E}">
-        <p14:creationId xmlns:p14="http://schemas.microsoft.com/office/powerpoint/2010/main" val="2678393719"/>
+        <p14:creationId xmlns:p14="http://schemas.microsoft.com/office/powerpoint/2010/main" val="2048740353"/>
       </p:ext>
     </p:extLst>
   </p:cSld>
@@ -2163,13 +1911,7 @@
       </p:grpSpPr>
       <p:sp>
         <p:nvSpPr>
-          <p:cNvPr id="2" name="Title 1">
-            <a:extLst>
-              <a:ext uri="{FF2B5EF4-FFF2-40B4-BE49-F238E27FC236}">
-                <a16:creationId xmlns:a16="http://schemas.microsoft.com/office/drawing/2014/main" id="{B8B49180-53FF-83CC-01EF-B2131B18902C}"/>
-              </a:ext>
-            </a:extLst>
-          </p:cNvPr>
+          <p:cNvPr id="2" name="Title 1"/>
           <p:cNvSpPr>
             <a:spLocks noGrp="1"/>
           </p:cNvSpPr>
@@ -2195,18 +1937,13 @@
               <a:rPr lang="en-US"/>
               <a:t>Click to edit Master title style</a:t>
             </a:r>
-          </a:p>
-        </p:txBody>
-      </p:sp>
-      <p:sp>
-        <p:nvSpPr>
-          <p:cNvPr id="3" name="Content Placeholder 2">
-            <a:extLst>
-              <a:ext uri="{FF2B5EF4-FFF2-40B4-BE49-F238E27FC236}">
-                <a16:creationId xmlns:a16="http://schemas.microsoft.com/office/drawing/2014/main" id="{499157EC-990A-5239-CB04-D0803490FABC}"/>
-              </a:ext>
-            </a:extLst>
-          </p:cNvPr>
+            <a:endParaRPr lang="en-US" dirty="0"/>
+          </a:p>
+        </p:txBody>
+      </p:sp>
+      <p:sp>
+        <p:nvSpPr>
+          <p:cNvPr id="3" name="Content Placeholder 2"/>
           <p:cNvSpPr>
             <a:spLocks noGrp="1"/>
           </p:cNvSpPr>
@@ -2285,18 +2022,13 @@
               <a:rPr lang="en-US"/>
               <a:t>Fifth level</a:t>
             </a:r>
-          </a:p>
-        </p:txBody>
-      </p:sp>
-      <p:sp>
-        <p:nvSpPr>
-          <p:cNvPr id="4" name="Text Placeholder 3">
-            <a:extLst>
-              <a:ext uri="{FF2B5EF4-FFF2-40B4-BE49-F238E27FC236}">
-                <a16:creationId xmlns:a16="http://schemas.microsoft.com/office/drawing/2014/main" id="{873333F5-9CFA-1BE5-399E-E8E83001E8F6}"/>
-              </a:ext>
-            </a:extLst>
-          </p:cNvPr>
+            <a:endParaRPr lang="en-US" dirty="0"/>
+          </a:p>
+        </p:txBody>
+      </p:sp>
+      <p:sp>
+        <p:nvSpPr>
+          <p:cNvPr id="4" name="Text Placeholder 3"/>
           <p:cNvSpPr>
             <a:spLocks noGrp="1"/>
           </p:cNvSpPr>
@@ -2361,13 +2093,7 @@
       </p:sp>
       <p:sp>
         <p:nvSpPr>
-          <p:cNvPr id="5" name="Date Placeholder 4">
-            <a:extLst>
-              <a:ext uri="{FF2B5EF4-FFF2-40B4-BE49-F238E27FC236}">
-                <a16:creationId xmlns:a16="http://schemas.microsoft.com/office/drawing/2014/main" id="{EAC064DD-7ADD-4E59-5ED5-A6FA50BA7A45}"/>
-              </a:ext>
-            </a:extLst>
-          </p:cNvPr>
+          <p:cNvPr id="5" name="Date Placeholder 4"/>
           <p:cNvSpPr>
             <a:spLocks noGrp="1"/>
           </p:cNvSpPr>
@@ -2382,7 +2108,7 @@
           <a:p>
             <a:fld id="{FF47925D-0F96-4D81-9D9F-2E703EA58734}" type="datetimeFigureOut">
               <a:rPr lang="en-US" smtClean="0"/>
-              <a:t>11/18/2024</a:t>
+              <a:t>11/28/2024</a:t>
             </a:fld>
             <a:endParaRPr lang="en-US"/>
           </a:p>
@@ -2390,13 +2116,7 @@
       </p:sp>
       <p:sp>
         <p:nvSpPr>
-          <p:cNvPr id="6" name="Footer Placeholder 5">
-            <a:extLst>
-              <a:ext uri="{FF2B5EF4-FFF2-40B4-BE49-F238E27FC236}">
-                <a16:creationId xmlns:a16="http://schemas.microsoft.com/office/drawing/2014/main" id="{5FF4978D-C604-BC6F-AFDA-2DA2BE79E11A}"/>
-              </a:ext>
-            </a:extLst>
-          </p:cNvPr>
+          <p:cNvPr id="6" name="Footer Placeholder 5"/>
           <p:cNvSpPr>
             <a:spLocks noGrp="1"/>
           </p:cNvSpPr>
@@ -2415,13 +2135,7 @@
       </p:sp>
       <p:sp>
         <p:nvSpPr>
-          <p:cNvPr id="7" name="Slide Number Placeholder 6">
-            <a:extLst>
-              <a:ext uri="{FF2B5EF4-FFF2-40B4-BE49-F238E27FC236}">
-                <a16:creationId xmlns:a16="http://schemas.microsoft.com/office/drawing/2014/main" id="{ABB05D3A-0214-2A16-5B48-D54591413E0F}"/>
-              </a:ext>
-            </a:extLst>
-          </p:cNvPr>
+          <p:cNvPr id="7" name="Slide Number Placeholder 6"/>
           <p:cNvSpPr>
             <a:spLocks noGrp="1"/>
           </p:cNvSpPr>
@@ -2445,7 +2159,7 @@
     </p:spTree>
     <p:extLst>
       <p:ext uri="{BB962C8B-B14F-4D97-AF65-F5344CB8AC3E}">
-        <p14:creationId xmlns:p14="http://schemas.microsoft.com/office/powerpoint/2010/main" val="3970883068"/>
+        <p14:creationId xmlns:p14="http://schemas.microsoft.com/office/powerpoint/2010/main" val="1487404847"/>
       </p:ext>
     </p:extLst>
   </p:cSld>
@@ -2474,13 +2188,7 @@
       </p:grpSpPr>
       <p:sp>
         <p:nvSpPr>
-          <p:cNvPr id="2" name="Title 1">
-            <a:extLst>
-              <a:ext uri="{FF2B5EF4-FFF2-40B4-BE49-F238E27FC236}">
-                <a16:creationId xmlns:a16="http://schemas.microsoft.com/office/drawing/2014/main" id="{58057976-340B-D8D5-0C05-28A740AFDAEB}"/>
-              </a:ext>
-            </a:extLst>
-          </p:cNvPr>
+          <p:cNvPr id="2" name="Title 1"/>
           <p:cNvSpPr>
             <a:spLocks noGrp="1"/>
           </p:cNvSpPr>
@@ -2506,20 +2214,15 @@
               <a:rPr lang="en-US"/>
               <a:t>Click to edit Master title style</a:t>
             </a:r>
-          </a:p>
-        </p:txBody>
-      </p:sp>
-      <p:sp>
-        <p:nvSpPr>
-          <p:cNvPr id="3" name="Picture Placeholder 2">
-            <a:extLst>
-              <a:ext uri="{FF2B5EF4-FFF2-40B4-BE49-F238E27FC236}">
-                <a16:creationId xmlns:a16="http://schemas.microsoft.com/office/drawing/2014/main" id="{1582D2F7-C8E0-A7EC-ED6D-D7DCBDE2C55D}"/>
-              </a:ext>
-            </a:extLst>
-          </p:cNvPr>
+            <a:endParaRPr lang="en-US" dirty="0"/>
+          </a:p>
+        </p:txBody>
+      </p:sp>
+      <p:sp>
+        <p:nvSpPr>
+          <p:cNvPr id="3" name="Picture Placeholder 2"/>
           <p:cNvSpPr>
-            <a:spLocks noGrp="1"/>
+            <a:spLocks noGrp="1" noChangeAspect="1"/>
           </p:cNvSpPr>
           <p:nvPr>
             <p:ph type="pic" idx="1"/>
@@ -2532,7 +2235,7 @@
           </a:xfrm>
         </p:spPr>
         <p:txBody>
-          <a:bodyPr/>
+          <a:bodyPr anchor="t"/>
           <a:lstStyle>
             <a:lvl1pPr marL="0" indent="0">
               <a:buNone/>
@@ -2572,19 +2275,17 @@
             </a:lvl9pPr>
           </a:lstStyle>
           <a:p>
-            <a:endParaRPr lang="en-US"/>
-          </a:p>
-        </p:txBody>
-      </p:sp>
-      <p:sp>
-        <p:nvSpPr>
-          <p:cNvPr id="4" name="Text Placeholder 3">
-            <a:extLst>
-              <a:ext uri="{FF2B5EF4-FFF2-40B4-BE49-F238E27FC236}">
-                <a16:creationId xmlns:a16="http://schemas.microsoft.com/office/drawing/2014/main" id="{6BA6090B-110F-404F-5DC0-0212575907DC}"/>
-              </a:ext>
-            </a:extLst>
-          </p:cNvPr>
+            <a:r>
+              <a:rPr lang="en-US"/>
+              <a:t>Click icon to add picture</a:t>
+            </a:r>
+            <a:endParaRPr lang="en-US" dirty="0"/>
+          </a:p>
+        </p:txBody>
+      </p:sp>
+      <p:sp>
+        <p:nvSpPr>
+          <p:cNvPr id="4" name="Text Placeholder 3"/>
           <p:cNvSpPr>
             <a:spLocks noGrp="1"/>
           </p:cNvSpPr>
@@ -2649,13 +2350,7 @@
       </p:sp>
       <p:sp>
         <p:nvSpPr>
-          <p:cNvPr id="5" name="Date Placeholder 4">
-            <a:extLst>
-              <a:ext uri="{FF2B5EF4-FFF2-40B4-BE49-F238E27FC236}">
-                <a16:creationId xmlns:a16="http://schemas.microsoft.com/office/drawing/2014/main" id="{48174074-524D-0845-45BC-510ADB01F636}"/>
-              </a:ext>
-            </a:extLst>
-          </p:cNvPr>
+          <p:cNvPr id="5" name="Date Placeholder 4"/>
           <p:cNvSpPr>
             <a:spLocks noGrp="1"/>
           </p:cNvSpPr>
@@ -2670,7 +2365,7 @@
           <a:p>
             <a:fld id="{FF47925D-0F96-4D81-9D9F-2E703EA58734}" type="datetimeFigureOut">
               <a:rPr lang="en-US" smtClean="0"/>
-              <a:t>11/18/2024</a:t>
+              <a:t>11/28/2024</a:t>
             </a:fld>
             <a:endParaRPr lang="en-US"/>
           </a:p>
@@ -2678,13 +2373,7 @@
       </p:sp>
       <p:sp>
         <p:nvSpPr>
-          <p:cNvPr id="6" name="Footer Placeholder 5">
-            <a:extLst>
-              <a:ext uri="{FF2B5EF4-FFF2-40B4-BE49-F238E27FC236}">
-                <a16:creationId xmlns:a16="http://schemas.microsoft.com/office/drawing/2014/main" id="{EF4C8B92-0490-178A-9CF1-F65A93866F62}"/>
-              </a:ext>
-            </a:extLst>
-          </p:cNvPr>
+          <p:cNvPr id="6" name="Footer Placeholder 5"/>
           <p:cNvSpPr>
             <a:spLocks noGrp="1"/>
           </p:cNvSpPr>
@@ -2703,13 +2392,7 @@
       </p:sp>
       <p:sp>
         <p:nvSpPr>
-          <p:cNvPr id="7" name="Slide Number Placeholder 6">
-            <a:extLst>
-              <a:ext uri="{FF2B5EF4-FFF2-40B4-BE49-F238E27FC236}">
-                <a16:creationId xmlns:a16="http://schemas.microsoft.com/office/drawing/2014/main" id="{EF14A2CE-1082-83B1-E405-3B9F738F84A0}"/>
-              </a:ext>
-            </a:extLst>
-          </p:cNvPr>
+          <p:cNvPr id="7" name="Slide Number Placeholder 6"/>
           <p:cNvSpPr>
             <a:spLocks noGrp="1"/>
           </p:cNvSpPr>
@@ -2733,7 +2416,7 @@
     </p:spTree>
     <p:extLst>
       <p:ext uri="{BB962C8B-B14F-4D97-AF65-F5344CB8AC3E}">
-        <p14:creationId xmlns:p14="http://schemas.microsoft.com/office/powerpoint/2010/main" val="542472348"/>
+        <p14:creationId xmlns:p14="http://schemas.microsoft.com/office/powerpoint/2010/main" val="4194820745"/>
       </p:ext>
     </p:extLst>
   </p:cSld>
@@ -2767,13 +2450,7 @@
       </p:grpSpPr>
       <p:sp>
         <p:nvSpPr>
-          <p:cNvPr id="2" name="Title Placeholder 1">
-            <a:extLst>
-              <a:ext uri="{FF2B5EF4-FFF2-40B4-BE49-F238E27FC236}">
-                <a16:creationId xmlns:a16="http://schemas.microsoft.com/office/drawing/2014/main" id="{A8234D56-325F-AA34-3F2F-8728FC8482AA}"/>
-              </a:ext>
-            </a:extLst>
-          </p:cNvPr>
+          <p:cNvPr id="2" name="Title Placeholder 1"/>
           <p:cNvSpPr>
             <a:spLocks noGrp="1"/>
           </p:cNvSpPr>
@@ -2800,18 +2477,13 @@
               <a:rPr lang="en-US"/>
               <a:t>Click to edit Master title style</a:t>
             </a:r>
-          </a:p>
-        </p:txBody>
-      </p:sp>
-      <p:sp>
-        <p:nvSpPr>
-          <p:cNvPr id="3" name="Text Placeholder 2">
-            <a:extLst>
-              <a:ext uri="{FF2B5EF4-FFF2-40B4-BE49-F238E27FC236}">
-                <a16:creationId xmlns:a16="http://schemas.microsoft.com/office/drawing/2014/main" id="{9BCE2D0F-C82C-39E7-C0B3-96F86B37BED2}"/>
-              </a:ext>
-            </a:extLst>
-          </p:cNvPr>
+            <a:endParaRPr lang="en-US" dirty="0"/>
+          </a:p>
+        </p:txBody>
+      </p:sp>
+      <p:sp>
+        <p:nvSpPr>
+          <p:cNvPr id="3" name="Text Placeholder 2"/>
           <p:cNvSpPr>
             <a:spLocks noGrp="1"/>
           </p:cNvSpPr>
@@ -2867,18 +2539,13 @@
               <a:rPr lang="en-US"/>
               <a:t>Fifth level</a:t>
             </a:r>
-          </a:p>
-        </p:txBody>
-      </p:sp>
-      <p:sp>
-        <p:nvSpPr>
-          <p:cNvPr id="4" name="Date Placeholder 3">
-            <a:extLst>
-              <a:ext uri="{FF2B5EF4-FFF2-40B4-BE49-F238E27FC236}">
-                <a16:creationId xmlns:a16="http://schemas.microsoft.com/office/drawing/2014/main" id="{6A261B45-005F-5121-8E38-C1771F65A098}"/>
-              </a:ext>
-            </a:extLst>
-          </p:cNvPr>
+            <a:endParaRPr lang="en-US" dirty="0"/>
+          </a:p>
+        </p:txBody>
+      </p:sp>
+      <p:sp>
+        <p:nvSpPr>
+          <p:cNvPr id="4" name="Date Placeholder 3"/>
           <p:cNvSpPr>
             <a:spLocks noGrp="1"/>
           </p:cNvSpPr>
@@ -2911,7 +2578,7 @@
           <a:p>
             <a:fld id="{FF47925D-0F96-4D81-9D9F-2E703EA58734}" type="datetimeFigureOut">
               <a:rPr lang="en-US" smtClean="0"/>
-              <a:t>11/18/2024</a:t>
+              <a:t>11/28/2024</a:t>
             </a:fld>
             <a:endParaRPr lang="en-US"/>
           </a:p>
@@ -2919,13 +2586,7 @@
       </p:sp>
       <p:sp>
         <p:nvSpPr>
-          <p:cNvPr id="5" name="Footer Placeholder 4">
-            <a:extLst>
-              <a:ext uri="{FF2B5EF4-FFF2-40B4-BE49-F238E27FC236}">
-                <a16:creationId xmlns:a16="http://schemas.microsoft.com/office/drawing/2014/main" id="{6671255D-A3C4-C393-1708-E41B7DEE4F66}"/>
-              </a:ext>
-            </a:extLst>
-          </p:cNvPr>
+          <p:cNvPr id="5" name="Footer Placeholder 4"/>
           <p:cNvSpPr>
             <a:spLocks noGrp="1"/>
           </p:cNvSpPr>
@@ -2962,13 +2623,7 @@
       </p:sp>
       <p:sp>
         <p:nvSpPr>
-          <p:cNvPr id="6" name="Slide Number Placeholder 5">
-            <a:extLst>
-              <a:ext uri="{FF2B5EF4-FFF2-40B4-BE49-F238E27FC236}">
-                <a16:creationId xmlns:a16="http://schemas.microsoft.com/office/drawing/2014/main" id="{D6655019-0215-2375-1B71-E8DFAA3CCD8E}"/>
-              </a:ext>
-            </a:extLst>
-          </p:cNvPr>
+          <p:cNvPr id="6" name="Slide Number Placeholder 5"/>
           <p:cNvSpPr>
             <a:spLocks noGrp="1"/>
           </p:cNvSpPr>
@@ -3010,23 +2665,23 @@
     </p:spTree>
     <p:extLst>
       <p:ext uri="{BB962C8B-B14F-4D97-AF65-F5344CB8AC3E}">
-        <p14:creationId xmlns:p14="http://schemas.microsoft.com/office/powerpoint/2010/main" val="2349408331"/>
+        <p14:creationId xmlns:p14="http://schemas.microsoft.com/office/powerpoint/2010/main" val="314523365"/>
       </p:ext>
     </p:extLst>
   </p:cSld>
   <p:clrMap bg1="lt1" tx1="dk1" bg2="lt2" tx2="dk2" accent1="accent1" accent2="accent2" accent3="accent3" accent4="accent4" accent5="accent5" accent6="accent6" hlink="hlink" folHlink="folHlink"/>
   <p:sldLayoutIdLst>
-    <p:sldLayoutId id="2147483649" r:id="rId1"/>
-    <p:sldLayoutId id="2147483650" r:id="rId2"/>
-    <p:sldLayoutId id="2147483651" r:id="rId3"/>
-    <p:sldLayoutId id="2147483652" r:id="rId4"/>
-    <p:sldLayoutId id="2147483653" r:id="rId5"/>
-    <p:sldLayoutId id="2147483654" r:id="rId6"/>
-    <p:sldLayoutId id="2147483655" r:id="rId7"/>
-    <p:sldLayoutId id="2147483656" r:id="rId8"/>
-    <p:sldLayoutId id="2147483657" r:id="rId9"/>
-    <p:sldLayoutId id="2147483658" r:id="rId10"/>
-    <p:sldLayoutId id="2147483659" r:id="rId11"/>
+    <p:sldLayoutId id="2147483697" r:id="rId1"/>
+    <p:sldLayoutId id="2147483698" r:id="rId2"/>
+    <p:sldLayoutId id="2147483699" r:id="rId3"/>
+    <p:sldLayoutId id="2147483700" r:id="rId4"/>
+    <p:sldLayoutId id="2147483701" r:id="rId5"/>
+    <p:sldLayoutId id="2147483702" r:id="rId6"/>
+    <p:sldLayoutId id="2147483703" r:id="rId7"/>
+    <p:sldLayoutId id="2147483704" r:id="rId8"/>
+    <p:sldLayoutId id="2147483705" r:id="rId9"/>
+    <p:sldLayoutId id="2147483706" r:id="rId10"/>
+    <p:sldLayoutId id="2147483707" r:id="rId11"/>
   </p:sldLayoutIdLst>
   <p:txStyles>
     <p:titleStyle>
@@ -3500,7 +3155,7 @@
         </p:nvSpPr>
         <p:spPr>
           <a:xfrm>
-            <a:off x="3209925" y="2190750"/>
+            <a:off x="3209925" y="1530420"/>
             <a:ext cx="5772150" cy="663002"/>
           </a:xfrm>
           <a:prstGeom prst="rect">
@@ -3547,81 +3202,6 @@
       </p:sp>
       <p:sp>
         <p:nvSpPr>
-          <p:cNvPr id="27" name="TextBox 26">
-            <a:extLst>
-              <a:ext uri="{FF2B5EF4-FFF2-40B4-BE49-F238E27FC236}">
-                <a16:creationId xmlns:a16="http://schemas.microsoft.com/office/drawing/2014/main" id="{78401CCC-3C65-1A56-77A5-2ADC5A23D39E}"/>
-              </a:ext>
-            </a:extLst>
-          </p:cNvPr>
-          <p:cNvSpPr txBox="1"/>
-          <p:nvPr/>
-        </p:nvSpPr>
-        <p:spPr>
-          <a:xfrm>
-            <a:off x="3209925" y="3275198"/>
-            <a:ext cx="5772150" cy="652615"/>
-          </a:xfrm>
-          <a:prstGeom prst="rect">
-            <a:avLst/>
-          </a:prstGeom>
-          <a:noFill/>
-          <a:effectLst>
-            <a:outerShdw blurRad="50800" dist="38100" dir="2700000" algn="tl" rotWithShape="0">
-              <a:prstClr val="black">
-                <a:alpha val="13000"/>
-              </a:prstClr>
-            </a:outerShdw>
-          </a:effectLst>
-        </p:spPr>
-        <p:txBody>
-          <a:bodyPr wrap="square" rtlCol="0">
-            <a:spAutoFit/>
-          </a:bodyPr>
-          <a:lstStyle/>
-          <a:p>
-            <a:pPr marL="6350" indent="-6350" algn="ctr">
-              <a:lnSpc>
-                <a:spcPct val="103000"/>
-              </a:lnSpc>
-              <a:spcAft>
-                <a:spcPts val="650"/>
-              </a:spcAft>
-            </a:pPr>
-            <a:r>
-              <a:rPr lang="en-US" sz="1800" u="sng" dirty="0">
-                <a:solidFill>
-                  <a:srgbClr val="000000"/>
-                </a:solidFill>
-                <a:effectLst>
-                  <a:outerShdw blurRad="38100" dist="38100" dir="2700000" algn="tl">
-                    <a:srgbClr val="000000">
-                      <a:alpha val="43137"/>
-                    </a:srgbClr>
-                  </a:outerShdw>
-                </a:effectLst>
-                <a:latin typeface="Times New Roman" panose="02020603050405020304" pitchFamily="18" charset="0"/>
-                <a:ea typeface="Times New Roman" panose="02020603050405020304" pitchFamily="18" charset="0"/>
-              </a:rPr>
-              <a:t>Cloud Base: </a:t>
-            </a:r>
-            <a:r>
-              <a:rPr lang="en-US" u="sng" dirty="0">
-                <a:effectLst>
-                  <a:outerShdw blurRad="38100" dist="38100" dir="2700000" algn="tl">
-                    <a:srgbClr val="000000">
-                      <a:alpha val="43137"/>
-                    </a:srgbClr>
-                  </a:outerShdw>
-                </a:effectLst>
-              </a:rPr>
-              <a:t>A Node.js-based Web Application for Movie Management</a:t>
-            </a:r>
-          </a:p>
-        </p:txBody>
-      </p:sp>
-      <p:sp>
-        <p:nvSpPr>
           <p:cNvPr id="28" name="TextBox 27">
             <a:extLst>
               <a:ext uri="{FF2B5EF4-FFF2-40B4-BE49-F238E27FC236}">
@@ -3634,8 +3214,8 @@
         </p:nvSpPr>
         <p:spPr>
           <a:xfrm>
-            <a:off x="3209925" y="5359422"/>
-            <a:ext cx="5772150" cy="377667"/>
+            <a:off x="342900" y="5976994"/>
+            <a:ext cx="5772150" cy="357727"/>
           </a:xfrm>
           <a:prstGeom prst="rect">
             <a:avLst/>
@@ -3648,7 +3228,7 @@
           </a:bodyPr>
           <a:lstStyle/>
           <a:p>
-            <a:pPr marL="6350" indent="-6350" algn="ctr">
+            <a:pPr marL="6350" indent="-6350">
               <a:lnSpc>
                 <a:spcPct val="103000"/>
               </a:lnSpc>
@@ -3662,20 +3242,12 @@
                   <a:srgbClr val="000000"/>
                 </a:solidFill>
                 <a:effectLst/>
-                <a:latin typeface="Lucida Sans Unicode" panose="020B0602030504020204" pitchFamily="34" charset="0"/>
+                <a:latin typeface="Khmer UI" panose="020B0502040204020203" pitchFamily="34" charset="0"/>
                 <a:ea typeface="Times New Roman" panose="02020603050405020304" pitchFamily="18" charset="0"/>
-                <a:cs typeface="Lucida Sans Unicode" panose="020B0602030504020204" pitchFamily="34" charset="0"/>
+                <a:cs typeface="Khmer UI" panose="020B0502040204020203" pitchFamily="34" charset="0"/>
               </a:rPr>
               <a:t>Vaibhav Senta: 2128020601101</a:t>
             </a:r>
-            <a:endParaRPr lang="en-US" sz="1800" dirty="0">
-              <a:solidFill>
-                <a:srgbClr val="000000"/>
-              </a:solidFill>
-              <a:effectLst/>
-              <a:latin typeface="Times New Roman" panose="02020603050405020304" pitchFamily="18" charset="0"/>
-              <a:ea typeface="Times New Roman" panose="02020603050405020304" pitchFamily="18" charset="0"/>
-            </a:endParaRPr>
           </a:p>
         </p:txBody>
       </p:sp>
@@ -3693,8 +3265,8 @@
         </p:nvSpPr>
         <p:spPr>
           <a:xfrm>
-            <a:off x="3209925" y="4981755"/>
-            <a:ext cx="5772150" cy="377667"/>
+            <a:off x="342900" y="4740364"/>
+            <a:ext cx="5772150" cy="357727"/>
           </a:xfrm>
           <a:prstGeom prst="rect">
             <a:avLst/>
@@ -3707,7 +3279,7 @@
           </a:bodyPr>
           <a:lstStyle/>
           <a:p>
-            <a:pPr marL="6350" indent="-6350" algn="ctr">
+            <a:pPr marL="6350" indent="-6350">
               <a:lnSpc>
                 <a:spcPct val="103000"/>
               </a:lnSpc>
@@ -3721,19 +3293,490 @@
                   <a:srgbClr val="000000"/>
                 </a:solidFill>
                 <a:effectLst/>
-                <a:latin typeface="Lucida Sans Unicode" panose="020B0602030504020204" pitchFamily="34" charset="0"/>
+                <a:latin typeface="Khmer UI" panose="020B0502040204020203" pitchFamily="34" charset="0"/>
                 <a:ea typeface="Times New Roman" panose="02020603050405020304" pitchFamily="18" charset="0"/>
-                <a:cs typeface="Lucida Sans Unicode" panose="020B0602030504020204" pitchFamily="34" charset="0"/>
+                <a:cs typeface="Khmer UI" panose="020B0502040204020203" pitchFamily="34" charset="0"/>
               </a:rPr>
-              <a:t>Submitted by</a:t>
-            </a:r>
-            <a:endParaRPr lang="en-US" sz="1800" b="1" dirty="0">
+              <a:t>Submitted by:</a:t>
+            </a:r>
+          </a:p>
+        </p:txBody>
+      </p:sp>
+      <p:sp>
+        <p:nvSpPr>
+          <p:cNvPr id="2" name="TextBox 1">
+            <a:extLst>
+              <a:ext uri="{FF2B5EF4-FFF2-40B4-BE49-F238E27FC236}">
+                <a16:creationId xmlns:a16="http://schemas.microsoft.com/office/drawing/2014/main" id="{2FD2FD00-D430-BA19-9FBF-955D2A2AB866}"/>
+              </a:ext>
+            </a:extLst>
+          </p:cNvPr>
+          <p:cNvSpPr txBox="1"/>
+          <p:nvPr/>
+        </p:nvSpPr>
+        <p:spPr>
+          <a:xfrm>
+            <a:off x="342900" y="5122074"/>
+            <a:ext cx="5772150" cy="357727"/>
+          </a:xfrm>
+          <a:prstGeom prst="rect">
+            <a:avLst/>
+          </a:prstGeom>
+          <a:noFill/>
+        </p:spPr>
+        <p:txBody>
+          <a:bodyPr wrap="square" rtlCol="0">
+            <a:spAutoFit/>
+          </a:bodyPr>
+          <a:lstStyle/>
+          <a:p>
+            <a:pPr marL="6350" indent="-6350">
+              <a:lnSpc>
+                <a:spcPct val="103000"/>
+              </a:lnSpc>
+              <a:spcAft>
+                <a:spcPts val="650"/>
+              </a:spcAft>
+            </a:pPr>
+            <a:r>
+              <a:rPr lang="en-US" dirty="0">
+                <a:solidFill>
+                  <a:srgbClr val="000000"/>
+                </a:solidFill>
+                <a:latin typeface="Khmer UI" panose="020B0502040204020203" pitchFamily="34" charset="0"/>
+                <a:ea typeface="Times New Roman" panose="02020603050405020304" pitchFamily="18" charset="0"/>
+                <a:cs typeface="Khmer UI" panose="020B0502040204020203" pitchFamily="34" charset="0"/>
+              </a:rPr>
+              <a:t>Jeel Chavda</a:t>
+            </a:r>
+            <a:r>
+              <a:rPr lang="en-US" sz="1800" dirty="0">
+                <a:solidFill>
+                  <a:srgbClr val="000000"/>
+                </a:solidFill>
+                <a:effectLst/>
+                <a:latin typeface="Khmer UI" panose="020B0502040204020203" pitchFamily="34" charset="0"/>
+                <a:ea typeface="Times New Roman" panose="02020603050405020304" pitchFamily="18" charset="0"/>
+                <a:cs typeface="Khmer UI" panose="020B0502040204020203" pitchFamily="34" charset="0"/>
+              </a:rPr>
+              <a:t>: 2128020601016</a:t>
+            </a:r>
+          </a:p>
+        </p:txBody>
+      </p:sp>
+      <p:sp>
+        <p:nvSpPr>
+          <p:cNvPr id="3" name="TextBox 2">
+            <a:extLst>
+              <a:ext uri="{FF2B5EF4-FFF2-40B4-BE49-F238E27FC236}">
+                <a16:creationId xmlns:a16="http://schemas.microsoft.com/office/drawing/2014/main" id="{4C011F51-D18B-4B59-FA1B-1CBE6E647139}"/>
+              </a:ext>
+            </a:extLst>
+          </p:cNvPr>
+          <p:cNvSpPr txBox="1"/>
+          <p:nvPr/>
+        </p:nvSpPr>
+        <p:spPr>
+          <a:xfrm>
+            <a:off x="342900" y="5407047"/>
+            <a:ext cx="5772150" cy="357727"/>
+          </a:xfrm>
+          <a:prstGeom prst="rect">
+            <a:avLst/>
+          </a:prstGeom>
+          <a:noFill/>
+        </p:spPr>
+        <p:txBody>
+          <a:bodyPr wrap="square" rtlCol="0">
+            <a:spAutoFit/>
+          </a:bodyPr>
+          <a:lstStyle/>
+          <a:p>
+            <a:pPr marL="6350" indent="-6350">
+              <a:lnSpc>
+                <a:spcPct val="103000"/>
+              </a:lnSpc>
+              <a:spcAft>
+                <a:spcPts val="650"/>
+              </a:spcAft>
+            </a:pPr>
+            <a:r>
+              <a:rPr lang="en-US" sz="1800" dirty="0">
+                <a:solidFill>
+                  <a:srgbClr val="000000"/>
+                </a:solidFill>
+                <a:effectLst/>
+                <a:latin typeface="Khmer UI" panose="020B0502040204020203" pitchFamily="34" charset="0"/>
+                <a:ea typeface="Times New Roman" panose="02020603050405020304" pitchFamily="18" charset="0"/>
+                <a:cs typeface="Khmer UI" panose="020B0502040204020203" pitchFamily="34" charset="0"/>
+              </a:rPr>
+              <a:t>Sejal Gulhane: 2128020601031</a:t>
+            </a:r>
+          </a:p>
+        </p:txBody>
+      </p:sp>
+      <p:sp>
+        <p:nvSpPr>
+          <p:cNvPr id="4" name="TextBox 3">
+            <a:extLst>
+              <a:ext uri="{FF2B5EF4-FFF2-40B4-BE49-F238E27FC236}">
+                <a16:creationId xmlns:a16="http://schemas.microsoft.com/office/drawing/2014/main" id="{D070699D-267C-D838-D365-660155BCE3F5}"/>
+              </a:ext>
+            </a:extLst>
+          </p:cNvPr>
+          <p:cNvSpPr txBox="1"/>
+          <p:nvPr/>
+        </p:nvSpPr>
+        <p:spPr>
+          <a:xfrm>
+            <a:off x="342900" y="5692021"/>
+            <a:ext cx="5772150" cy="357727"/>
+          </a:xfrm>
+          <a:prstGeom prst="rect">
+            <a:avLst/>
+          </a:prstGeom>
+          <a:noFill/>
+        </p:spPr>
+        <p:txBody>
+          <a:bodyPr wrap="square" rtlCol="0">
+            <a:spAutoFit/>
+          </a:bodyPr>
+          <a:lstStyle/>
+          <a:p>
+            <a:pPr marL="6350" indent="-6350">
+              <a:lnSpc>
+                <a:spcPct val="103000"/>
+              </a:lnSpc>
+              <a:spcAft>
+                <a:spcPts val="650"/>
+              </a:spcAft>
+            </a:pPr>
+            <a:r>
+              <a:rPr lang="en-US" dirty="0">
+                <a:solidFill>
+                  <a:srgbClr val="000000"/>
+                </a:solidFill>
+                <a:latin typeface="Khmer UI" panose="020B0502040204020203" pitchFamily="34" charset="0"/>
+                <a:ea typeface="Times New Roman" panose="02020603050405020304" pitchFamily="18" charset="0"/>
+                <a:cs typeface="Khmer UI" panose="020B0502040204020203" pitchFamily="34" charset="0"/>
+              </a:rPr>
+              <a:t>Smruti Gaurr</a:t>
+            </a:r>
+            <a:r>
+              <a:rPr lang="en-US" sz="1800" dirty="0">
+                <a:solidFill>
+                  <a:srgbClr val="000000"/>
+                </a:solidFill>
+                <a:effectLst/>
+                <a:latin typeface="Khmer UI" panose="020B0502040204020203" pitchFamily="34" charset="0"/>
+                <a:ea typeface="Times New Roman" panose="02020603050405020304" pitchFamily="18" charset="0"/>
+                <a:cs typeface="Khmer UI" panose="020B0502040204020203" pitchFamily="34" charset="0"/>
+              </a:rPr>
+              <a:t>: 2128020601028</a:t>
+            </a:r>
+          </a:p>
+        </p:txBody>
+      </p:sp>
+      <p:sp>
+        <p:nvSpPr>
+          <p:cNvPr id="5" name="TextBox 26">
+            <a:extLst>
+              <a:ext uri="{FF2B5EF4-FFF2-40B4-BE49-F238E27FC236}">
+                <a16:creationId xmlns:a16="http://schemas.microsoft.com/office/drawing/2014/main" id="{76A47372-50DF-837C-27C4-F8FB9C8692CA}"/>
+              </a:ext>
+            </a:extLst>
+          </p:cNvPr>
+          <p:cNvSpPr txBox="1"/>
+          <p:nvPr/>
+        </p:nvSpPr>
+        <p:spPr>
+          <a:xfrm>
+            <a:off x="7448550" y="4525420"/>
+            <a:ext cx="2476500" cy="450150"/>
+          </a:xfrm>
+          <a:prstGeom prst="rect">
+            <a:avLst/>
+          </a:prstGeom>
+          <a:noFill/>
+          <a:effectLst/>
+        </p:spPr>
+        <p:txBody>
+          <a:bodyPr wrap="square" rtlCol="0" anchor="b">
+            <a:noAutofit/>
+          </a:bodyPr>
+          <a:lstStyle/>
+          <a:p>
+            <a:pPr>
+              <a:lnSpc>
+                <a:spcPct val="102000"/>
+              </a:lnSpc>
+              <a:spcAft>
+                <a:spcPts val="650"/>
+              </a:spcAft>
+            </a:pPr>
+            <a:r>
+              <a:rPr lang="en-US" sz="1600" b="1" kern="1200" dirty="0">
+                <a:solidFill>
+                  <a:srgbClr val="404040"/>
+                </a:solidFill>
+                <a:effectLst>
+                  <a:outerShdw blurRad="88900" dist="50800" dir="2700000" algn="tl">
+                    <a:srgbClr val="000000">
+                      <a:alpha val="20000"/>
+                    </a:srgbClr>
+                  </a:outerShdw>
+                </a:effectLst>
+                <a:latin typeface="Aptos" panose="020B0004020202020204" pitchFamily="34" charset="0"/>
+                <a:ea typeface="Calibri" panose="020F0502020204030204" pitchFamily="34" charset="0"/>
+                <a:cs typeface="Shruti" panose="020B0502040204020203" pitchFamily="34" charset="0"/>
+              </a:rPr>
+              <a:t>Guided by</a:t>
+            </a:r>
+            <a:endParaRPr lang="en-US" sz="1100" kern="100" dirty="0">
+              <a:effectLst/>
+              <a:latin typeface="Calibri" panose="020F0502020204030204" pitchFamily="34" charset="0"/>
+              <a:ea typeface="Calibri" panose="020F0502020204030204" pitchFamily="34" charset="0"/>
+              <a:cs typeface="Shruti" panose="020B0502040204020203" pitchFamily="34" charset="0"/>
+            </a:endParaRPr>
+          </a:p>
+        </p:txBody>
+      </p:sp>
+      <p:sp>
+        <p:nvSpPr>
+          <p:cNvPr id="6" name="TextBox 26">
+            <a:extLst>
+              <a:ext uri="{FF2B5EF4-FFF2-40B4-BE49-F238E27FC236}">
+                <a16:creationId xmlns:a16="http://schemas.microsoft.com/office/drawing/2014/main" id="{3D8F18B4-6BD4-FBB1-399E-ECAC2D6E2C86}"/>
+              </a:ext>
+            </a:extLst>
+          </p:cNvPr>
+          <p:cNvSpPr txBox="1"/>
+          <p:nvPr/>
+        </p:nvSpPr>
+        <p:spPr>
+          <a:xfrm>
+            <a:off x="7448550" y="4919227"/>
+            <a:ext cx="4476750" cy="1192530"/>
+          </a:xfrm>
+          <a:prstGeom prst="rect">
+            <a:avLst/>
+          </a:prstGeom>
+          <a:noFill/>
+          <a:effectLst/>
+        </p:spPr>
+        <p:txBody>
+          <a:bodyPr wrap="square" rtlCol="0" anchor="ctr">
+            <a:noAutofit/>
+          </a:bodyPr>
+          <a:lstStyle/>
+          <a:p>
+            <a:pPr>
+              <a:lnSpc>
+                <a:spcPct val="102000"/>
+              </a:lnSpc>
+              <a:spcAft>
+                <a:spcPts val="650"/>
+              </a:spcAft>
+            </a:pPr>
+            <a:r>
+              <a:rPr lang="en-US" sz="1600" kern="1200" dirty="0">
+                <a:solidFill>
+                  <a:srgbClr val="404040"/>
+                </a:solidFill>
+                <a:effectLst>
+                  <a:outerShdw blurRad="88900" dist="50800" dir="2700000" algn="tl">
+                    <a:srgbClr val="000000">
+                      <a:alpha val="20000"/>
+                    </a:srgbClr>
+                  </a:outerShdw>
+                </a:effectLst>
+                <a:latin typeface="Aptos" panose="020B0004020202020204" pitchFamily="34" charset="0"/>
+                <a:ea typeface="Calibri" panose="020F0502020204030204" pitchFamily="34" charset="0"/>
+                <a:cs typeface="Shruti" panose="020B0502040204020203" pitchFamily="34" charset="0"/>
+              </a:rPr>
+              <a:t>Prof. Kajal Singh</a:t>
+            </a:r>
+            <a:endParaRPr lang="en-US" sz="1100" kern="100" dirty="0">
+              <a:effectLst/>
+              <a:latin typeface="Calibri" panose="020F0502020204030204" pitchFamily="34" charset="0"/>
+              <a:ea typeface="Calibri" panose="020F0502020204030204" pitchFamily="34" charset="0"/>
+              <a:cs typeface="Shruti" panose="020B0502040204020203" pitchFamily="34" charset="0"/>
+            </a:endParaRPr>
+          </a:p>
+          <a:p>
+            <a:pPr>
+              <a:lnSpc>
+                <a:spcPct val="102000"/>
+              </a:lnSpc>
+              <a:spcAft>
+                <a:spcPts val="650"/>
+              </a:spcAft>
+            </a:pPr>
+            <a:r>
+              <a:rPr lang="en-US" sz="1600" kern="1200" dirty="0">
+                <a:solidFill>
+                  <a:srgbClr val="404040"/>
+                </a:solidFill>
+                <a:effectLst>
+                  <a:outerShdw blurRad="88900" dist="50800" dir="2700000" algn="tl">
+                    <a:srgbClr val="000000">
+                      <a:alpha val="20000"/>
+                    </a:srgbClr>
+                  </a:outerShdw>
+                </a:effectLst>
+                <a:latin typeface="Aptos" panose="020B0004020202020204" pitchFamily="34" charset="0"/>
+                <a:ea typeface="Calibri" panose="020F0502020204030204" pitchFamily="34" charset="0"/>
+                <a:cs typeface="Shruti" panose="020B0502040204020203" pitchFamily="34" charset="0"/>
+              </a:rPr>
+              <a:t>In fulfillment for the award of the degree of </a:t>
+            </a:r>
+            <a:endParaRPr lang="en-US" sz="1100" kern="100" dirty="0">
+              <a:effectLst/>
+              <a:latin typeface="Calibri" panose="020F0502020204030204" pitchFamily="34" charset="0"/>
+              <a:ea typeface="Calibri" panose="020F0502020204030204" pitchFamily="34" charset="0"/>
+              <a:cs typeface="Shruti" panose="020B0502040204020203" pitchFamily="34" charset="0"/>
+            </a:endParaRPr>
+          </a:p>
+          <a:p>
+            <a:pPr marL="8890" indent="-8890">
+              <a:lnSpc>
+                <a:spcPct val="102000"/>
+              </a:lnSpc>
+              <a:spcAft>
+                <a:spcPts val="650"/>
+              </a:spcAft>
+            </a:pPr>
+            <a:r>
+              <a:rPr lang="en-US" sz="1800" b="1" u="sng" kern="1200" dirty="0">
+                <a:solidFill>
+                  <a:schemeClr val="tx1">
+                    <a:lumMod val="75000"/>
+                    <a:lumOff val="25000"/>
+                  </a:schemeClr>
+                </a:solidFill>
+                <a:effectLst/>
+                <a:latin typeface="Calibri" panose="020F0502020204030204" pitchFamily="34" charset="0"/>
+                <a:ea typeface="Times New Roman" panose="02020603050405020304" pitchFamily="18" charset="0"/>
+                <a:cs typeface="Calibri" panose="020F0502020204030204" pitchFamily="34" charset="0"/>
+                <a:hlinkClick r:id="rId4">
+                  <a:extLst>
+                    <a:ext uri="{A12FA001-AC4F-418D-AE19-62706E023703}">
+                      <ahyp:hlinkClr xmlns:ahyp="http://schemas.microsoft.com/office/drawing/2018/hyperlinkcolor" val="tx"/>
+                    </a:ext>
+                  </a:extLst>
+                </a:hlinkClick>
+              </a:rPr>
+              <a:t>Bachelor of Technology</a:t>
+            </a:r>
+            <a:endParaRPr lang="en-US" sz="1100" kern="100" dirty="0">
               <a:solidFill>
-                <a:srgbClr val="000000"/>
+                <a:schemeClr val="tx1">
+                  <a:lumMod val="75000"/>
+                  <a:lumOff val="25000"/>
+                </a:schemeClr>
               </a:solidFill>
               <a:effectLst/>
-              <a:latin typeface="Times New Roman" panose="02020603050405020304" pitchFamily="18" charset="0"/>
-              <a:ea typeface="Times New Roman" panose="02020603050405020304" pitchFamily="18" charset="0"/>
+              <a:latin typeface="Calibri" panose="020F0502020204030204" pitchFamily="34" charset="0"/>
+              <a:ea typeface="Calibri" panose="020F0502020204030204" pitchFamily="34" charset="0"/>
+              <a:cs typeface="Shruti" panose="020B0502040204020203" pitchFamily="34" charset="0"/>
+            </a:endParaRPr>
+          </a:p>
+        </p:txBody>
+      </p:sp>
+      <p:sp>
+        <p:nvSpPr>
+          <p:cNvPr id="7" name="TextBox 26">
+            <a:extLst>
+              <a:ext uri="{FF2B5EF4-FFF2-40B4-BE49-F238E27FC236}">
+                <a16:creationId xmlns:a16="http://schemas.microsoft.com/office/drawing/2014/main" id="{38F65816-EB49-F28D-D1E1-C51F9A1B91FB}"/>
+              </a:ext>
+            </a:extLst>
+          </p:cNvPr>
+          <p:cNvSpPr txBox="1"/>
+          <p:nvPr/>
+        </p:nvSpPr>
+        <p:spPr>
+          <a:xfrm>
+            <a:off x="2947352" y="2883852"/>
+            <a:ext cx="6297295" cy="1090295"/>
+          </a:xfrm>
+          <a:prstGeom prst="rect">
+            <a:avLst/>
+          </a:prstGeom>
+          <a:noFill/>
+          <a:effectLst/>
+        </p:spPr>
+        <p:txBody>
+          <a:bodyPr wrap="square" rtlCol="0" anchor="ctr">
+            <a:noAutofit/>
+          </a:bodyPr>
+          <a:lstStyle/>
+          <a:p>
+            <a:pPr marL="8890" indent="-8890" algn="ctr">
+              <a:lnSpc>
+                <a:spcPct val="102000"/>
+              </a:lnSpc>
+              <a:spcAft>
+                <a:spcPts val="650"/>
+              </a:spcAft>
+            </a:pPr>
+            <a:r>
+              <a:rPr lang="en-US" sz="2400" b="1" kern="1200" dirty="0">
+                <a:solidFill>
+                  <a:srgbClr val="000000"/>
+                </a:solidFill>
+                <a:effectLst>
+                  <a:outerShdw blurRad="88900" dist="50800" dir="2700000" algn="tl">
+                    <a:srgbClr val="000000">
+                      <a:alpha val="20000"/>
+                    </a:srgbClr>
+                  </a:outerShdw>
+                </a:effectLst>
+                <a:latin typeface="Calibri" panose="020F0502020204030204" pitchFamily="34" charset="0"/>
+                <a:ea typeface="Times New Roman" panose="02020603050405020304" pitchFamily="18" charset="0"/>
+                <a:cs typeface="Shruti" panose="020B0502040204020203" pitchFamily="34" charset="0"/>
+              </a:rPr>
+              <a:t>Cloud Base</a:t>
+            </a:r>
+            <a:endParaRPr lang="en-US" sz="1100" kern="100" dirty="0">
+              <a:effectLst/>
+              <a:latin typeface="Calibri" panose="020F0502020204030204" pitchFamily="34" charset="0"/>
+              <a:ea typeface="Calibri" panose="020F0502020204030204" pitchFamily="34" charset="0"/>
+              <a:cs typeface="Shruti" panose="020B0502040204020203" pitchFamily="34" charset="0"/>
+            </a:endParaRPr>
+          </a:p>
+          <a:p>
+            <a:pPr marL="8890" indent="-8890" algn="ctr">
+              <a:lnSpc>
+                <a:spcPct val="102000"/>
+              </a:lnSpc>
+              <a:spcAft>
+                <a:spcPts val="650"/>
+              </a:spcAft>
+            </a:pPr>
+            <a:r>
+              <a:rPr lang="en-US" sz="1600" b="1" kern="1200" dirty="0">
+                <a:solidFill>
+                  <a:srgbClr val="404040"/>
+                </a:solidFill>
+                <a:effectLst>
+                  <a:outerShdw blurRad="88900" dist="50800" dir="2700000" algn="tl">
+                    <a:srgbClr val="000000">
+                      <a:alpha val="20000"/>
+                    </a:srgbClr>
+                  </a:outerShdw>
+                </a:effectLst>
+                <a:latin typeface="Calibri" panose="020F0502020204030204" pitchFamily="34" charset="0"/>
+                <a:ea typeface="Calibri" panose="020F0502020204030204" pitchFamily="34" charset="0"/>
+                <a:cs typeface="Shruti" panose="020B0502040204020203" pitchFamily="34" charset="0"/>
+              </a:rPr>
+              <a:t>A Node.js-based Web Application for Movie Management</a:t>
+            </a:r>
+            <a:endParaRPr lang="en-US" sz="1050" kern="100" dirty="0">
+              <a:effectLst/>
+              <a:latin typeface="Calibri" panose="020F0502020204030204" pitchFamily="34" charset="0"/>
+              <a:ea typeface="Calibri" panose="020F0502020204030204" pitchFamily="34" charset="0"/>
+              <a:cs typeface="Shruti" panose="020B0502040204020203" pitchFamily="34" charset="0"/>
             </a:endParaRPr>
           </a:p>
         </p:txBody>
@@ -3742,6 +3785,2075 @@
     <p:extLst>
       <p:ext uri="{BB962C8B-B14F-4D97-AF65-F5344CB8AC3E}">
         <p14:creationId xmlns:p14="http://schemas.microsoft.com/office/powerpoint/2010/main" val="810360958"/>
+      </p:ext>
+    </p:extLst>
+  </p:cSld>
+  <p:clrMapOvr>
+    <a:masterClrMapping/>
+  </p:clrMapOvr>
+</p:sld>
+</file>
+
+<file path=ppt/slides/slide10.xml><?xml version="1.0" encoding="utf-8"?>
+<p:sld xmlns:a="http://schemas.openxmlformats.org/drawingml/2006/main" xmlns:r="http://schemas.openxmlformats.org/officeDocument/2006/relationships" xmlns:p="http://schemas.openxmlformats.org/presentationml/2006/main">
+  <p:cSld>
+    <p:bg>
+      <p:bgPr>
+        <a:gradFill flip="none" rotWithShape="1">
+          <a:gsLst>
+            <a:gs pos="0">
+              <a:schemeClr val="accent3">
+                <a:lumMod val="5000"/>
+                <a:lumOff val="95000"/>
+              </a:schemeClr>
+            </a:gs>
+            <a:gs pos="74000">
+              <a:schemeClr val="accent3">
+                <a:lumMod val="45000"/>
+                <a:lumOff val="55000"/>
+              </a:schemeClr>
+            </a:gs>
+            <a:gs pos="83000">
+              <a:schemeClr val="accent3">
+                <a:lumMod val="45000"/>
+                <a:lumOff val="55000"/>
+              </a:schemeClr>
+            </a:gs>
+            <a:gs pos="100000">
+              <a:schemeClr val="accent3">
+                <a:lumMod val="30000"/>
+                <a:lumOff val="70000"/>
+              </a:schemeClr>
+            </a:gs>
+          </a:gsLst>
+          <a:lin ang="5400000" scaled="1"/>
+          <a:tileRect/>
+        </a:gradFill>
+        <a:effectLst/>
+      </p:bgPr>
+    </p:bg>
+    <p:spTree>
+      <p:nvGrpSpPr>
+        <p:cNvPr id="1" name="">
+          <a:extLst>
+            <a:ext uri="{FF2B5EF4-FFF2-40B4-BE49-F238E27FC236}">
+              <a16:creationId xmlns:a16="http://schemas.microsoft.com/office/drawing/2014/main" id="{7F497169-B0FA-ABC2-9838-877F3D3E19E2}"/>
+            </a:ext>
+          </a:extLst>
+        </p:cNvPr>
+        <p:cNvGrpSpPr/>
+        <p:nvPr/>
+      </p:nvGrpSpPr>
+      <p:grpSpPr>
+        <a:xfrm>
+          <a:off x="0" y="0"/>
+          <a:ext cx="0" cy="0"/>
+          <a:chOff x="0" y="0"/>
+          <a:chExt cx="0" cy="0"/>
+        </a:xfrm>
+      </p:grpSpPr>
+      <p:sp>
+        <p:nvSpPr>
+          <p:cNvPr id="2" name="Right Triangle 1">
+            <a:extLst>
+              <a:ext uri="{FF2B5EF4-FFF2-40B4-BE49-F238E27FC236}">
+                <a16:creationId xmlns:a16="http://schemas.microsoft.com/office/drawing/2014/main" id="{4C67EF86-B18F-E817-FD44-AFBA0823FD9B}"/>
+              </a:ext>
+            </a:extLst>
+          </p:cNvPr>
+          <p:cNvSpPr/>
+          <p:nvPr/>
+        </p:nvSpPr>
+        <p:spPr>
+          <a:xfrm flipH="1">
+            <a:off x="9991724" y="4657725"/>
+            <a:ext cx="2325623" cy="2276475"/>
+          </a:xfrm>
+          <a:prstGeom prst="rtTriangle">
+            <a:avLst/>
+          </a:prstGeom>
+          <a:solidFill>
+            <a:schemeClr val="bg2">
+              <a:lumMod val="75000"/>
+            </a:schemeClr>
+          </a:solidFill>
+          <a:ln>
+            <a:noFill/>
+          </a:ln>
+          <a:effectLst>
+            <a:outerShdw blurRad="177800" dist="152400" dir="13500000" algn="br" rotWithShape="0">
+              <a:prstClr val="black">
+                <a:alpha val="68000"/>
+              </a:prstClr>
+            </a:outerShdw>
+          </a:effectLst>
+        </p:spPr>
+        <p:style>
+          <a:lnRef idx="2">
+            <a:schemeClr val="accent3">
+              <a:shade val="15000"/>
+            </a:schemeClr>
+          </a:lnRef>
+          <a:fillRef idx="1">
+            <a:schemeClr val="accent3"/>
+          </a:fillRef>
+          <a:effectRef idx="0">
+            <a:schemeClr val="accent3"/>
+          </a:effectRef>
+          <a:fontRef idx="minor">
+            <a:schemeClr val="lt1"/>
+          </a:fontRef>
+        </p:style>
+        <p:txBody>
+          <a:bodyPr rtlCol="0" anchor="ctr"/>
+          <a:lstStyle/>
+          <a:p>
+            <a:pPr algn="ctr"/>
+            <a:endParaRPr lang="en-US"/>
+          </a:p>
+        </p:txBody>
+      </p:sp>
+      <p:sp>
+        <p:nvSpPr>
+          <p:cNvPr id="3" name="Right Triangle 2">
+            <a:extLst>
+              <a:ext uri="{FF2B5EF4-FFF2-40B4-BE49-F238E27FC236}">
+                <a16:creationId xmlns:a16="http://schemas.microsoft.com/office/drawing/2014/main" id="{33BE603B-28BD-8C0D-81FB-F1B538C1B13A}"/>
+              </a:ext>
+            </a:extLst>
+          </p:cNvPr>
+          <p:cNvSpPr/>
+          <p:nvPr/>
+        </p:nvSpPr>
+        <p:spPr>
+          <a:xfrm flipH="1">
+            <a:off x="10352789" y="4514851"/>
+            <a:ext cx="1943985" cy="2419350"/>
+          </a:xfrm>
+          <a:prstGeom prst="rtTriangle">
+            <a:avLst/>
+          </a:prstGeom>
+          <a:solidFill>
+            <a:schemeClr val="tx1">
+              <a:lumMod val="85000"/>
+              <a:lumOff val="15000"/>
+            </a:schemeClr>
+          </a:solidFill>
+          <a:ln>
+            <a:noFill/>
+          </a:ln>
+          <a:effectLst>
+            <a:outerShdw blurRad="50800" dist="50800" dir="13500000" algn="br" rotWithShape="0">
+              <a:prstClr val="black">
+                <a:alpha val="73000"/>
+              </a:prstClr>
+            </a:outerShdw>
+          </a:effectLst>
+        </p:spPr>
+        <p:style>
+          <a:lnRef idx="2">
+            <a:schemeClr val="accent3">
+              <a:shade val="15000"/>
+            </a:schemeClr>
+          </a:lnRef>
+          <a:fillRef idx="1">
+            <a:schemeClr val="accent3"/>
+          </a:fillRef>
+          <a:effectRef idx="0">
+            <a:schemeClr val="accent3"/>
+          </a:effectRef>
+          <a:fontRef idx="minor">
+            <a:schemeClr val="lt1"/>
+          </a:fontRef>
+        </p:style>
+        <p:txBody>
+          <a:bodyPr rtlCol="0" anchor="ctr"/>
+          <a:lstStyle/>
+          <a:p>
+            <a:pPr algn="ctr"/>
+            <a:endParaRPr lang="en-US"/>
+          </a:p>
+        </p:txBody>
+      </p:sp>
+      <p:sp>
+        <p:nvSpPr>
+          <p:cNvPr id="4" name="Right Triangle 3">
+            <a:extLst>
+              <a:ext uri="{FF2B5EF4-FFF2-40B4-BE49-F238E27FC236}">
+                <a16:creationId xmlns:a16="http://schemas.microsoft.com/office/drawing/2014/main" id="{4460EAC0-9EB9-1AD9-5F9F-663F0D9D7374}"/>
+              </a:ext>
+            </a:extLst>
+          </p:cNvPr>
+          <p:cNvSpPr/>
+          <p:nvPr/>
+        </p:nvSpPr>
+        <p:spPr>
+          <a:xfrm flipH="1">
+            <a:off x="10352792" y="4962525"/>
+            <a:ext cx="1943982" cy="1971675"/>
+          </a:xfrm>
+          <a:prstGeom prst="rtTriangle">
+            <a:avLst/>
+          </a:prstGeom>
+          <a:solidFill>
+            <a:schemeClr val="bg2">
+              <a:lumMod val="25000"/>
+            </a:schemeClr>
+          </a:solidFill>
+          <a:ln>
+            <a:noFill/>
+          </a:ln>
+          <a:effectLst>
+            <a:outerShdw blurRad="50800" dist="50800" dir="13500000" algn="br" rotWithShape="0">
+              <a:prstClr val="black">
+                <a:alpha val="73000"/>
+              </a:prstClr>
+            </a:outerShdw>
+          </a:effectLst>
+        </p:spPr>
+        <p:style>
+          <a:lnRef idx="2">
+            <a:schemeClr val="accent3">
+              <a:shade val="15000"/>
+            </a:schemeClr>
+          </a:lnRef>
+          <a:fillRef idx="1">
+            <a:schemeClr val="accent3"/>
+          </a:fillRef>
+          <a:effectRef idx="0">
+            <a:schemeClr val="accent3"/>
+          </a:effectRef>
+          <a:fontRef idx="minor">
+            <a:schemeClr val="lt1"/>
+          </a:fontRef>
+        </p:style>
+        <p:txBody>
+          <a:bodyPr rtlCol="0" anchor="ctr"/>
+          <a:lstStyle/>
+          <a:p>
+            <a:pPr algn="ctr"/>
+            <a:endParaRPr lang="en-US"/>
+          </a:p>
+        </p:txBody>
+      </p:sp>
+      <p:sp>
+        <p:nvSpPr>
+          <p:cNvPr id="6" name="Right Triangle 5">
+            <a:extLst>
+              <a:ext uri="{FF2B5EF4-FFF2-40B4-BE49-F238E27FC236}">
+                <a16:creationId xmlns:a16="http://schemas.microsoft.com/office/drawing/2014/main" id="{F2D753C0-E080-AC70-6CE7-5B995FDBE490}"/>
+              </a:ext>
+            </a:extLst>
+          </p:cNvPr>
+          <p:cNvSpPr/>
+          <p:nvPr/>
+        </p:nvSpPr>
+        <p:spPr>
+          <a:xfrm rot="5400000" flipH="1">
+            <a:off x="-110933" y="5752227"/>
+            <a:ext cx="1146749" cy="1123389"/>
+          </a:xfrm>
+          <a:prstGeom prst="rtTriangle">
+            <a:avLst/>
+          </a:prstGeom>
+          <a:solidFill>
+            <a:schemeClr val="bg2">
+              <a:lumMod val="75000"/>
+            </a:schemeClr>
+          </a:solidFill>
+          <a:ln>
+            <a:noFill/>
+          </a:ln>
+          <a:effectLst>
+            <a:outerShdw blurRad="177800" dist="152400" dir="13500000" algn="br" rotWithShape="0">
+              <a:prstClr val="black">
+                <a:alpha val="68000"/>
+              </a:prstClr>
+            </a:outerShdw>
+          </a:effectLst>
+        </p:spPr>
+        <p:style>
+          <a:lnRef idx="2">
+            <a:schemeClr val="accent3">
+              <a:shade val="15000"/>
+            </a:schemeClr>
+          </a:lnRef>
+          <a:fillRef idx="1">
+            <a:schemeClr val="accent3"/>
+          </a:fillRef>
+          <a:effectRef idx="0">
+            <a:schemeClr val="accent3"/>
+          </a:effectRef>
+          <a:fontRef idx="minor">
+            <a:schemeClr val="lt1"/>
+          </a:fontRef>
+        </p:style>
+        <p:txBody>
+          <a:bodyPr rtlCol="0" anchor="ctr"/>
+          <a:lstStyle/>
+          <a:p>
+            <a:pPr algn="ctr"/>
+            <a:endParaRPr lang="en-US"/>
+          </a:p>
+        </p:txBody>
+      </p:sp>
+      <p:sp>
+        <p:nvSpPr>
+          <p:cNvPr id="7" name="Right Triangle 6">
+            <a:extLst>
+              <a:ext uri="{FF2B5EF4-FFF2-40B4-BE49-F238E27FC236}">
+                <a16:creationId xmlns:a16="http://schemas.microsoft.com/office/drawing/2014/main" id="{D295EC11-40CA-8A11-9274-DA87ED966BAB}"/>
+              </a:ext>
+            </a:extLst>
+          </p:cNvPr>
+          <p:cNvSpPr/>
+          <p:nvPr/>
+        </p:nvSpPr>
+        <p:spPr>
+          <a:xfrm rot="5400000" flipH="1">
+            <a:off x="135671" y="5851551"/>
+            <a:ext cx="820031" cy="1289877"/>
+          </a:xfrm>
+          <a:prstGeom prst="rtTriangle">
+            <a:avLst/>
+          </a:prstGeom>
+          <a:solidFill>
+            <a:schemeClr val="tx1">
+              <a:lumMod val="85000"/>
+              <a:lumOff val="15000"/>
+            </a:schemeClr>
+          </a:solidFill>
+          <a:ln>
+            <a:noFill/>
+          </a:ln>
+          <a:effectLst>
+            <a:outerShdw blurRad="50800" dist="50800" dir="13500000" algn="br" rotWithShape="0">
+              <a:prstClr val="black">
+                <a:alpha val="73000"/>
+              </a:prstClr>
+            </a:outerShdw>
+          </a:effectLst>
+        </p:spPr>
+        <p:style>
+          <a:lnRef idx="2">
+            <a:schemeClr val="accent3">
+              <a:shade val="15000"/>
+            </a:schemeClr>
+          </a:lnRef>
+          <a:fillRef idx="1">
+            <a:schemeClr val="accent3"/>
+          </a:fillRef>
+          <a:effectRef idx="0">
+            <a:schemeClr val="accent3"/>
+          </a:effectRef>
+          <a:fontRef idx="minor">
+            <a:schemeClr val="lt1"/>
+          </a:fontRef>
+        </p:style>
+        <p:txBody>
+          <a:bodyPr rtlCol="0" anchor="ctr"/>
+          <a:lstStyle/>
+          <a:p>
+            <a:pPr algn="ctr"/>
+            <a:endParaRPr lang="en-US"/>
+          </a:p>
+        </p:txBody>
+      </p:sp>
+      <p:sp>
+        <p:nvSpPr>
+          <p:cNvPr id="8" name="Right Triangle 7">
+            <a:extLst>
+              <a:ext uri="{FF2B5EF4-FFF2-40B4-BE49-F238E27FC236}">
+                <a16:creationId xmlns:a16="http://schemas.microsoft.com/office/drawing/2014/main" id="{5A8BE987-4071-BFE7-0EB8-72C2E9BD4767}"/>
+              </a:ext>
+            </a:extLst>
+          </p:cNvPr>
+          <p:cNvSpPr/>
+          <p:nvPr/>
+        </p:nvSpPr>
+        <p:spPr>
+          <a:xfrm rot="5400000" flipH="1">
+            <a:off x="-92050" y="5940736"/>
+            <a:ext cx="958565" cy="972975"/>
+          </a:xfrm>
+          <a:prstGeom prst="rtTriangle">
+            <a:avLst/>
+          </a:prstGeom>
+          <a:solidFill>
+            <a:schemeClr val="bg2">
+              <a:lumMod val="25000"/>
+            </a:schemeClr>
+          </a:solidFill>
+          <a:ln>
+            <a:noFill/>
+          </a:ln>
+          <a:effectLst>
+            <a:outerShdw blurRad="50800" dist="50800" dir="13500000" algn="br" rotWithShape="0">
+              <a:prstClr val="black">
+                <a:alpha val="73000"/>
+              </a:prstClr>
+            </a:outerShdw>
+          </a:effectLst>
+        </p:spPr>
+        <p:style>
+          <a:lnRef idx="2">
+            <a:schemeClr val="accent3">
+              <a:shade val="15000"/>
+            </a:schemeClr>
+          </a:lnRef>
+          <a:fillRef idx="1">
+            <a:schemeClr val="accent3"/>
+          </a:fillRef>
+          <a:effectRef idx="0">
+            <a:schemeClr val="accent3"/>
+          </a:effectRef>
+          <a:fontRef idx="minor">
+            <a:schemeClr val="lt1"/>
+          </a:fontRef>
+        </p:style>
+        <p:txBody>
+          <a:bodyPr rtlCol="0" anchor="ctr"/>
+          <a:lstStyle/>
+          <a:p>
+            <a:pPr algn="ctr"/>
+            <a:endParaRPr lang="en-US"/>
+          </a:p>
+        </p:txBody>
+      </p:sp>
+      <p:sp>
+        <p:nvSpPr>
+          <p:cNvPr id="9" name="Rectangle: Rounded Corners 8">
+            <a:extLst>
+              <a:ext uri="{FF2B5EF4-FFF2-40B4-BE49-F238E27FC236}">
+                <a16:creationId xmlns:a16="http://schemas.microsoft.com/office/drawing/2014/main" id="{9B2B0A02-49CB-8E15-EFC3-3EC88616D252}"/>
+              </a:ext>
+            </a:extLst>
+          </p:cNvPr>
+          <p:cNvSpPr/>
+          <p:nvPr/>
+        </p:nvSpPr>
+        <p:spPr>
+          <a:xfrm>
+            <a:off x="-99256" y="161926"/>
+            <a:ext cx="3490155" cy="820032"/>
+          </a:xfrm>
+          <a:prstGeom prst="roundRect">
+            <a:avLst/>
+          </a:prstGeom>
+          <a:solidFill>
+            <a:schemeClr val="tx1">
+              <a:lumMod val="85000"/>
+              <a:lumOff val="15000"/>
+            </a:schemeClr>
+          </a:solidFill>
+          <a:ln>
+            <a:noFill/>
+          </a:ln>
+          <a:effectLst>
+            <a:outerShdw blurRad="241300" dist="304800" dir="1800000" sx="98000" sy="98000" algn="tl" rotWithShape="0">
+              <a:prstClr val="black">
+                <a:alpha val="73000"/>
+              </a:prstClr>
+            </a:outerShdw>
+          </a:effectLst>
+        </p:spPr>
+        <p:style>
+          <a:lnRef idx="0">
+            <a:scrgbClr r="0" g="0" b="0"/>
+          </a:lnRef>
+          <a:fillRef idx="0">
+            <a:scrgbClr r="0" g="0" b="0"/>
+          </a:fillRef>
+          <a:effectRef idx="0">
+            <a:scrgbClr r="0" g="0" b="0"/>
+          </a:effectRef>
+          <a:fontRef idx="minor">
+            <a:schemeClr val="lt1"/>
+          </a:fontRef>
+        </p:style>
+        <p:txBody>
+          <a:bodyPr rtlCol="0" anchor="ctr"/>
+          <a:lstStyle/>
+          <a:p>
+            <a:pPr algn="ctr"/>
+            <a:r>
+              <a:rPr lang="en-US" sz="2800" dirty="0"/>
+              <a:t>Future Enhancement</a:t>
+            </a:r>
+            <a:endParaRPr lang="en-US" sz="200" dirty="0">
+              <a:latin typeface="Aptos" panose="020B0004020202020204" pitchFamily="34" charset="0"/>
+            </a:endParaRPr>
+          </a:p>
+        </p:txBody>
+      </p:sp>
+      <p:sp>
+        <p:nvSpPr>
+          <p:cNvPr id="5" name="Content Placeholder 2">
+            <a:extLst>
+              <a:ext uri="{FF2B5EF4-FFF2-40B4-BE49-F238E27FC236}">
+                <a16:creationId xmlns:a16="http://schemas.microsoft.com/office/drawing/2014/main" id="{6B5E8060-75D9-809C-D589-1DC68DC72AFD}"/>
+              </a:ext>
+            </a:extLst>
+          </p:cNvPr>
+          <p:cNvSpPr txBox="1">
+            <a:spLocks/>
+          </p:cNvSpPr>
+          <p:nvPr/>
+        </p:nvSpPr>
+        <p:spPr>
+          <a:xfrm>
+            <a:off x="1581592" y="1421978"/>
+            <a:ext cx="8229600" cy="4525963"/>
+          </a:xfrm>
+          <a:prstGeom prst="rect">
+            <a:avLst/>
+          </a:prstGeom>
+        </p:spPr>
+        <p:txBody>
+          <a:bodyPr>
+            <a:normAutofit/>
+          </a:bodyPr>
+          <a:lstStyle>
+            <a:lvl1pPr marL="228600" indent="-228600" algn="l" defTabSz="914400" rtl="0" eaLnBrk="1" latinLnBrk="0" hangingPunct="1">
+              <a:lnSpc>
+                <a:spcPct val="90000"/>
+              </a:lnSpc>
+              <a:spcBef>
+                <a:spcPts val="1000"/>
+              </a:spcBef>
+              <a:buFont typeface="Arial" panose="020B0604020202020204" pitchFamily="34" charset="0"/>
+              <a:buChar char="•"/>
+              <a:defRPr sz="2800" kern="1200">
+                <a:solidFill>
+                  <a:schemeClr val="tx1"/>
+                </a:solidFill>
+                <a:latin typeface="+mn-lt"/>
+                <a:ea typeface="+mn-ea"/>
+                <a:cs typeface="+mn-cs"/>
+              </a:defRPr>
+            </a:lvl1pPr>
+            <a:lvl2pPr marL="685800" indent="-228600" algn="l" defTabSz="914400" rtl="0" eaLnBrk="1" latinLnBrk="0" hangingPunct="1">
+              <a:lnSpc>
+                <a:spcPct val="90000"/>
+              </a:lnSpc>
+              <a:spcBef>
+                <a:spcPts val="500"/>
+              </a:spcBef>
+              <a:buFont typeface="Arial" panose="020B0604020202020204" pitchFamily="34" charset="0"/>
+              <a:buChar char="•"/>
+              <a:defRPr sz="2400" kern="1200">
+                <a:solidFill>
+                  <a:schemeClr val="tx1"/>
+                </a:solidFill>
+                <a:latin typeface="+mn-lt"/>
+                <a:ea typeface="+mn-ea"/>
+                <a:cs typeface="+mn-cs"/>
+              </a:defRPr>
+            </a:lvl2pPr>
+            <a:lvl3pPr marL="1143000" indent="-228600" algn="l" defTabSz="914400" rtl="0" eaLnBrk="1" latinLnBrk="0" hangingPunct="1">
+              <a:lnSpc>
+                <a:spcPct val="90000"/>
+              </a:lnSpc>
+              <a:spcBef>
+                <a:spcPts val="500"/>
+              </a:spcBef>
+              <a:buFont typeface="Arial" panose="020B0604020202020204" pitchFamily="34" charset="0"/>
+              <a:buChar char="•"/>
+              <a:defRPr sz="2000" kern="1200">
+                <a:solidFill>
+                  <a:schemeClr val="tx1"/>
+                </a:solidFill>
+                <a:latin typeface="+mn-lt"/>
+                <a:ea typeface="+mn-ea"/>
+                <a:cs typeface="+mn-cs"/>
+              </a:defRPr>
+            </a:lvl3pPr>
+            <a:lvl4pPr marL="1600200" indent="-228600" algn="l" defTabSz="914400" rtl="0" eaLnBrk="1" latinLnBrk="0" hangingPunct="1">
+              <a:lnSpc>
+                <a:spcPct val="90000"/>
+              </a:lnSpc>
+              <a:spcBef>
+                <a:spcPts val="500"/>
+              </a:spcBef>
+              <a:buFont typeface="Arial" panose="020B0604020202020204" pitchFamily="34" charset="0"/>
+              <a:buChar char="•"/>
+              <a:defRPr sz="1800" kern="1200">
+                <a:solidFill>
+                  <a:schemeClr val="tx1"/>
+                </a:solidFill>
+                <a:latin typeface="+mn-lt"/>
+                <a:ea typeface="+mn-ea"/>
+                <a:cs typeface="+mn-cs"/>
+              </a:defRPr>
+            </a:lvl4pPr>
+            <a:lvl5pPr marL="2057400" indent="-228600" algn="l" defTabSz="914400" rtl="0" eaLnBrk="1" latinLnBrk="0" hangingPunct="1">
+              <a:lnSpc>
+                <a:spcPct val="90000"/>
+              </a:lnSpc>
+              <a:spcBef>
+                <a:spcPts val="500"/>
+              </a:spcBef>
+              <a:buFont typeface="Arial" panose="020B0604020202020204" pitchFamily="34" charset="0"/>
+              <a:buChar char="•"/>
+              <a:defRPr sz="1800" kern="1200">
+                <a:solidFill>
+                  <a:schemeClr val="tx1"/>
+                </a:solidFill>
+                <a:latin typeface="+mn-lt"/>
+                <a:ea typeface="+mn-ea"/>
+                <a:cs typeface="+mn-cs"/>
+              </a:defRPr>
+            </a:lvl5pPr>
+            <a:lvl6pPr marL="2514600" indent="-228600" algn="l" defTabSz="914400" rtl="0" eaLnBrk="1" latinLnBrk="0" hangingPunct="1">
+              <a:lnSpc>
+                <a:spcPct val="90000"/>
+              </a:lnSpc>
+              <a:spcBef>
+                <a:spcPts val="500"/>
+              </a:spcBef>
+              <a:buFont typeface="Arial" panose="020B0604020202020204" pitchFamily="34" charset="0"/>
+              <a:buChar char="•"/>
+              <a:defRPr sz="1800" kern="1200">
+                <a:solidFill>
+                  <a:schemeClr val="tx1"/>
+                </a:solidFill>
+                <a:latin typeface="+mn-lt"/>
+                <a:ea typeface="+mn-ea"/>
+                <a:cs typeface="+mn-cs"/>
+              </a:defRPr>
+            </a:lvl6pPr>
+            <a:lvl7pPr marL="2971800" indent="-228600" algn="l" defTabSz="914400" rtl="0" eaLnBrk="1" latinLnBrk="0" hangingPunct="1">
+              <a:lnSpc>
+                <a:spcPct val="90000"/>
+              </a:lnSpc>
+              <a:spcBef>
+                <a:spcPts val="500"/>
+              </a:spcBef>
+              <a:buFont typeface="Arial" panose="020B0604020202020204" pitchFamily="34" charset="0"/>
+              <a:buChar char="•"/>
+              <a:defRPr sz="1800" kern="1200">
+                <a:solidFill>
+                  <a:schemeClr val="tx1"/>
+                </a:solidFill>
+                <a:latin typeface="+mn-lt"/>
+                <a:ea typeface="+mn-ea"/>
+                <a:cs typeface="+mn-cs"/>
+              </a:defRPr>
+            </a:lvl7pPr>
+            <a:lvl8pPr marL="3429000" indent="-228600" algn="l" defTabSz="914400" rtl="0" eaLnBrk="1" latinLnBrk="0" hangingPunct="1">
+              <a:lnSpc>
+                <a:spcPct val="90000"/>
+              </a:lnSpc>
+              <a:spcBef>
+                <a:spcPts val="500"/>
+              </a:spcBef>
+              <a:buFont typeface="Arial" panose="020B0604020202020204" pitchFamily="34" charset="0"/>
+              <a:buChar char="•"/>
+              <a:defRPr sz="1800" kern="1200">
+                <a:solidFill>
+                  <a:schemeClr val="tx1"/>
+                </a:solidFill>
+                <a:latin typeface="+mn-lt"/>
+                <a:ea typeface="+mn-ea"/>
+                <a:cs typeface="+mn-cs"/>
+              </a:defRPr>
+            </a:lvl8pPr>
+            <a:lvl9pPr marL="3886200" indent="-228600" algn="l" defTabSz="914400" rtl="0" eaLnBrk="1" latinLnBrk="0" hangingPunct="1">
+              <a:lnSpc>
+                <a:spcPct val="90000"/>
+              </a:lnSpc>
+              <a:spcBef>
+                <a:spcPts val="500"/>
+              </a:spcBef>
+              <a:buFont typeface="Arial" panose="020B0604020202020204" pitchFamily="34" charset="0"/>
+              <a:buChar char="•"/>
+              <a:defRPr sz="1800" kern="1200">
+                <a:solidFill>
+                  <a:schemeClr val="tx1"/>
+                </a:solidFill>
+                <a:latin typeface="+mn-lt"/>
+                <a:ea typeface="+mn-ea"/>
+                <a:cs typeface="+mn-cs"/>
+              </a:defRPr>
+            </a:lvl9pPr>
+          </a:lstStyle>
+          <a:p>
+            <a:endParaRPr lang="en-US" sz="2400" dirty="0"/>
+          </a:p>
+        </p:txBody>
+      </p:sp>
+      <p:sp>
+        <p:nvSpPr>
+          <p:cNvPr id="11" name="Rectangle 2">
+            <a:extLst>
+              <a:ext uri="{FF2B5EF4-FFF2-40B4-BE49-F238E27FC236}">
+                <a16:creationId xmlns:a16="http://schemas.microsoft.com/office/drawing/2014/main" id="{A9EA5FE1-8562-0D59-6C96-6073EB97A40C}"/>
+              </a:ext>
+            </a:extLst>
+          </p:cNvPr>
+          <p:cNvSpPr>
+            <a:spLocks noChangeArrowheads="1"/>
+          </p:cNvSpPr>
+          <p:nvPr/>
+        </p:nvSpPr>
+        <p:spPr bwMode="auto">
+          <a:xfrm>
+            <a:off x="900061" y="1331956"/>
+            <a:ext cx="8720189" cy="4801314"/>
+          </a:xfrm>
+          <a:prstGeom prst="rect">
+            <a:avLst/>
+          </a:prstGeom>
+          <a:noFill/>
+          <a:ln>
+            <a:noFill/>
+          </a:ln>
+          <a:effectLst/>
+          <a:extLst>
+            <a:ext uri="{909E8E84-426E-40DD-AFC4-6F175D3DCCD1}">
+              <a14:hiddenFill xmlns:a14="http://schemas.microsoft.com/office/drawing/2010/main">
+                <a:solidFill>
+                  <a:schemeClr val="accent1"/>
+                </a:solidFill>
+              </a14:hiddenFill>
+            </a:ext>
+            <a:ext uri="{91240B29-F687-4F45-9708-019B960494DF}">
+              <a14:hiddenLine xmlns:a14="http://schemas.microsoft.com/office/drawing/2010/main" w="9525">
+                <a:solidFill>
+                  <a:schemeClr val="tx1"/>
+                </a:solidFill>
+                <a:miter lim="800000"/>
+                <a:headEnd/>
+                <a:tailEnd/>
+              </a14:hiddenLine>
+            </a:ext>
+            <a:ext uri="{AF507438-7753-43E0-B8FC-AC1667EBCBE1}">
+              <a14:hiddenEffects xmlns:a14="http://schemas.microsoft.com/office/drawing/2010/main">
+                <a:effectLst>
+                  <a:outerShdw dist="35921" dir="2700000" algn="ctr" rotWithShape="0">
+                    <a:schemeClr val="bg2"/>
+                  </a:outerShdw>
+                </a:effectLst>
+              </a14:hiddenEffects>
+            </a:ext>
+          </a:extLst>
+        </p:spPr>
+        <p:txBody>
+          <a:bodyPr vert="horz" wrap="square" lIns="91440" tIns="45720" rIns="91440" bIns="45720" numCol="1" anchor="ctr" anchorCtr="0" compatLnSpc="1">
+            <a:prstTxWarp prst="textNoShape">
+              <a:avLst/>
+            </a:prstTxWarp>
+            <a:spAutoFit/>
+          </a:bodyPr>
+          <a:lstStyle/>
+          <a:p>
+            <a:pPr marL="0" marR="0" lvl="0" indent="0" algn="l" defTabSz="914400" rtl="0" eaLnBrk="0" fontAlgn="base" latinLnBrk="0" hangingPunct="0">
+              <a:lnSpc>
+                <a:spcPct val="100000"/>
+              </a:lnSpc>
+              <a:spcBef>
+                <a:spcPct val="0"/>
+              </a:spcBef>
+              <a:spcAft>
+                <a:spcPct val="0"/>
+              </a:spcAft>
+              <a:buClrTx/>
+              <a:buSzTx/>
+              <a:tabLst/>
+            </a:pPr>
+            <a:r>
+              <a:rPr kumimoji="0" lang="en-US" altLang="en-US" i="0" u="none" strike="noStrike" cap="none" normalizeH="0" baseline="0" dirty="0">
+                <a:ln>
+                  <a:noFill/>
+                </a:ln>
+                <a:solidFill>
+                  <a:schemeClr val="tx1"/>
+                </a:solidFill>
+                <a:effectLst/>
+                <a:latin typeface="Aptos" panose="020B0004020202020204" pitchFamily="34" charset="0"/>
+              </a:rPr>
+              <a:t>Social Features:     User Reviews and Ratings help others discover good movies. Movie Sharing lets users share lists with friends. Watch Parties allow users to watch movies together in real-time.</a:t>
+            </a:r>
+          </a:p>
+          <a:p>
+            <a:pPr marL="0" marR="0" lvl="0" indent="0" algn="l" defTabSz="914400" rtl="0" eaLnBrk="0" fontAlgn="base" latinLnBrk="0" hangingPunct="0">
+              <a:lnSpc>
+                <a:spcPct val="100000"/>
+              </a:lnSpc>
+              <a:spcBef>
+                <a:spcPct val="0"/>
+              </a:spcBef>
+              <a:spcAft>
+                <a:spcPct val="0"/>
+              </a:spcAft>
+              <a:buClrTx/>
+              <a:buSzTx/>
+              <a:buFontTx/>
+              <a:buChar char="•"/>
+              <a:tabLst/>
+            </a:pPr>
+            <a:endParaRPr kumimoji="0" lang="en-US" altLang="en-US" i="0" u="none" strike="noStrike" cap="none" normalizeH="0" baseline="0" dirty="0">
+              <a:ln>
+                <a:noFill/>
+              </a:ln>
+              <a:solidFill>
+                <a:schemeClr val="tx1"/>
+              </a:solidFill>
+              <a:effectLst/>
+              <a:latin typeface="Aptos" panose="020B0004020202020204" pitchFamily="34" charset="0"/>
+            </a:endParaRPr>
+          </a:p>
+          <a:p>
+            <a:pPr marL="0" marR="0" lvl="0" indent="0" algn="l" defTabSz="914400" rtl="0" eaLnBrk="0" fontAlgn="base" latinLnBrk="0" hangingPunct="0">
+              <a:lnSpc>
+                <a:spcPct val="100000"/>
+              </a:lnSpc>
+              <a:spcBef>
+                <a:spcPct val="0"/>
+              </a:spcBef>
+              <a:spcAft>
+                <a:spcPct val="0"/>
+              </a:spcAft>
+              <a:buClrTx/>
+              <a:buSzTx/>
+              <a:tabLst/>
+            </a:pPr>
+            <a:r>
+              <a:rPr kumimoji="0" lang="en-US" altLang="en-US" i="0" u="none" strike="noStrike" cap="none" normalizeH="0" baseline="0" dirty="0">
+                <a:ln>
+                  <a:noFill/>
+                </a:ln>
+                <a:solidFill>
+                  <a:schemeClr val="tx1"/>
+                </a:solidFill>
+                <a:effectLst/>
+                <a:latin typeface="Aptos" panose="020B0004020202020204" pitchFamily="34" charset="0"/>
+              </a:rPr>
+              <a:t>Enhanced Security and Privacy:     2FA adds an extra layer of security. End-to-End Encryption ensures the privacy of user data. Audit Logs help monitor user activity for security purposes.</a:t>
+            </a:r>
+          </a:p>
+          <a:p>
+            <a:pPr marL="0" marR="0" lvl="0" indent="0" algn="l" defTabSz="914400" rtl="0" eaLnBrk="0" fontAlgn="base" latinLnBrk="0" hangingPunct="0">
+              <a:lnSpc>
+                <a:spcPct val="100000"/>
+              </a:lnSpc>
+              <a:spcBef>
+                <a:spcPct val="0"/>
+              </a:spcBef>
+              <a:spcAft>
+                <a:spcPct val="0"/>
+              </a:spcAft>
+              <a:buClrTx/>
+              <a:buSzTx/>
+              <a:buFontTx/>
+              <a:buChar char="•"/>
+              <a:tabLst/>
+            </a:pPr>
+            <a:endParaRPr kumimoji="0" lang="en-US" altLang="en-US" i="0" u="none" strike="noStrike" cap="none" normalizeH="0" baseline="0" dirty="0">
+              <a:ln>
+                <a:noFill/>
+              </a:ln>
+              <a:solidFill>
+                <a:schemeClr val="tx1"/>
+              </a:solidFill>
+              <a:effectLst/>
+              <a:latin typeface="Aptos" panose="020B0004020202020204" pitchFamily="34" charset="0"/>
+            </a:endParaRPr>
+          </a:p>
+          <a:p>
+            <a:pPr marL="0" marR="0" lvl="0" indent="0" algn="l" defTabSz="914400" rtl="0" eaLnBrk="0" fontAlgn="base" latinLnBrk="0" hangingPunct="0">
+              <a:lnSpc>
+                <a:spcPct val="100000"/>
+              </a:lnSpc>
+              <a:spcBef>
+                <a:spcPct val="0"/>
+              </a:spcBef>
+              <a:spcAft>
+                <a:spcPct val="0"/>
+              </a:spcAft>
+              <a:buClrTx/>
+              <a:buSzTx/>
+              <a:tabLst/>
+            </a:pPr>
+            <a:r>
+              <a:rPr kumimoji="0" lang="en-US" altLang="en-US" i="0" u="none" strike="noStrike" cap="none" normalizeH="0" baseline="0" dirty="0">
+                <a:ln>
+                  <a:noFill/>
+                </a:ln>
+                <a:solidFill>
+                  <a:schemeClr val="tx1"/>
+                </a:solidFill>
+                <a:effectLst/>
+                <a:latin typeface="Aptos" panose="020B0004020202020204" pitchFamily="34" charset="0"/>
+              </a:rPr>
+              <a:t>Multi-File Type Support:     Supports game downloads, video uploads, music streaming, and ISO file management, making it a versatile platform for various media types.</a:t>
+            </a:r>
+          </a:p>
+          <a:p>
+            <a:pPr marL="0" marR="0" lvl="0" indent="0" algn="l" defTabSz="914400" rtl="0" eaLnBrk="0" fontAlgn="base" latinLnBrk="0" hangingPunct="0">
+              <a:lnSpc>
+                <a:spcPct val="100000"/>
+              </a:lnSpc>
+              <a:spcBef>
+                <a:spcPct val="0"/>
+              </a:spcBef>
+              <a:spcAft>
+                <a:spcPct val="0"/>
+              </a:spcAft>
+              <a:buClrTx/>
+              <a:buSzTx/>
+              <a:buFontTx/>
+              <a:buChar char="•"/>
+              <a:tabLst/>
+            </a:pPr>
+            <a:endParaRPr kumimoji="0" lang="en-US" altLang="en-US" i="0" u="none" strike="noStrike" cap="none" normalizeH="0" baseline="0" dirty="0">
+              <a:ln>
+                <a:noFill/>
+              </a:ln>
+              <a:solidFill>
+                <a:schemeClr val="tx1"/>
+              </a:solidFill>
+              <a:effectLst/>
+              <a:latin typeface="Aptos" panose="020B0004020202020204" pitchFamily="34" charset="0"/>
+            </a:endParaRPr>
+          </a:p>
+          <a:p>
+            <a:pPr marL="0" marR="0" lvl="0" indent="0" algn="l" defTabSz="914400" rtl="0" eaLnBrk="0" fontAlgn="base" latinLnBrk="0" hangingPunct="0">
+              <a:lnSpc>
+                <a:spcPct val="100000"/>
+              </a:lnSpc>
+              <a:spcBef>
+                <a:spcPct val="0"/>
+              </a:spcBef>
+              <a:spcAft>
+                <a:spcPct val="0"/>
+              </a:spcAft>
+              <a:buClrTx/>
+              <a:buSzTx/>
+              <a:tabLst/>
+            </a:pPr>
+            <a:r>
+              <a:rPr kumimoji="0" lang="en-US" altLang="en-US" i="0" u="none" strike="noStrike" cap="none" normalizeH="0" baseline="0" dirty="0">
+                <a:ln>
+                  <a:noFill/>
+                </a:ln>
+                <a:solidFill>
+                  <a:schemeClr val="tx1"/>
+                </a:solidFill>
+                <a:effectLst/>
+                <a:latin typeface="Aptos" panose="020B0004020202020204" pitchFamily="34" charset="0"/>
+              </a:rPr>
+              <a:t>Content Sharing and Collaboration:     Users can share files securely and collaborate in shared spaces for projects, documents, or gaming communities.</a:t>
+            </a:r>
+          </a:p>
+          <a:p>
+            <a:pPr marL="0" marR="0" lvl="0" indent="0" algn="l" defTabSz="914400" rtl="0" eaLnBrk="0" fontAlgn="base" latinLnBrk="0" hangingPunct="0">
+              <a:lnSpc>
+                <a:spcPct val="100000"/>
+              </a:lnSpc>
+              <a:spcBef>
+                <a:spcPct val="0"/>
+              </a:spcBef>
+              <a:spcAft>
+                <a:spcPct val="0"/>
+              </a:spcAft>
+              <a:buClrTx/>
+              <a:buSzTx/>
+              <a:buFontTx/>
+              <a:buChar char="•"/>
+              <a:tabLst/>
+            </a:pPr>
+            <a:endParaRPr kumimoji="0" lang="en-US" altLang="en-US" i="0" u="none" strike="noStrike" cap="none" normalizeH="0" baseline="0" dirty="0">
+              <a:ln>
+                <a:noFill/>
+              </a:ln>
+              <a:solidFill>
+                <a:schemeClr val="tx1"/>
+              </a:solidFill>
+              <a:effectLst/>
+              <a:latin typeface="Aptos" panose="020B0004020202020204" pitchFamily="34" charset="0"/>
+            </a:endParaRPr>
+          </a:p>
+          <a:p>
+            <a:pPr marL="0" marR="0" lvl="0" indent="0" algn="l" defTabSz="914400" rtl="0" eaLnBrk="0" fontAlgn="base" latinLnBrk="0" hangingPunct="0">
+              <a:lnSpc>
+                <a:spcPct val="100000"/>
+              </a:lnSpc>
+              <a:spcBef>
+                <a:spcPct val="0"/>
+              </a:spcBef>
+              <a:spcAft>
+                <a:spcPct val="0"/>
+              </a:spcAft>
+              <a:buClrTx/>
+              <a:buSzTx/>
+              <a:tabLst/>
+            </a:pPr>
+            <a:r>
+              <a:rPr kumimoji="0" lang="en-US" altLang="en-US" i="0" u="none" strike="noStrike" cap="none" normalizeH="0" baseline="0" dirty="0">
+                <a:ln>
+                  <a:noFill/>
+                </a:ln>
+                <a:solidFill>
+                  <a:schemeClr val="tx1"/>
+                </a:solidFill>
+                <a:effectLst/>
+                <a:latin typeface="Aptos" panose="020B0004020202020204" pitchFamily="34" charset="0"/>
+              </a:rPr>
+              <a:t>Content Streaming &amp; Playback:     Live Streaming for real-time video or music streaming is also supported.</a:t>
+            </a:r>
+          </a:p>
+          <a:p>
+            <a:pPr marL="0" marR="0" lvl="0" indent="0" algn="l" defTabSz="914400" rtl="0" eaLnBrk="0" fontAlgn="base" latinLnBrk="0" hangingPunct="0">
+              <a:lnSpc>
+                <a:spcPct val="100000"/>
+              </a:lnSpc>
+              <a:spcBef>
+                <a:spcPct val="0"/>
+              </a:spcBef>
+              <a:spcAft>
+                <a:spcPct val="0"/>
+              </a:spcAft>
+              <a:buClrTx/>
+              <a:buSzTx/>
+              <a:buFontTx/>
+              <a:buNone/>
+              <a:tabLst/>
+            </a:pPr>
+            <a:endParaRPr kumimoji="0" lang="en-US" altLang="en-US" i="0" u="none" strike="noStrike" cap="none" normalizeH="0" baseline="0" dirty="0">
+              <a:ln>
+                <a:noFill/>
+              </a:ln>
+              <a:solidFill>
+                <a:schemeClr val="tx1"/>
+              </a:solidFill>
+              <a:effectLst/>
+              <a:latin typeface="Aptos" panose="020B0004020202020204" pitchFamily="34" charset="0"/>
+            </a:endParaRPr>
+          </a:p>
+        </p:txBody>
+      </p:sp>
+    </p:spTree>
+    <p:extLst>
+      <p:ext uri="{BB962C8B-B14F-4D97-AF65-F5344CB8AC3E}">
+        <p14:creationId xmlns:p14="http://schemas.microsoft.com/office/powerpoint/2010/main" val="4260845025"/>
+      </p:ext>
+    </p:extLst>
+  </p:cSld>
+  <p:clrMapOvr>
+    <a:masterClrMapping/>
+  </p:clrMapOvr>
+</p:sld>
+</file>
+
+<file path=ppt/slides/slide11.xml><?xml version="1.0" encoding="utf-8"?>
+<p:sld xmlns:a="http://schemas.openxmlformats.org/drawingml/2006/main" xmlns:r="http://schemas.openxmlformats.org/officeDocument/2006/relationships" xmlns:p="http://schemas.openxmlformats.org/presentationml/2006/main">
+  <p:cSld>
+    <p:bg>
+      <p:bgPr>
+        <a:gradFill flip="none" rotWithShape="1">
+          <a:gsLst>
+            <a:gs pos="0">
+              <a:schemeClr val="accent3">
+                <a:lumMod val="5000"/>
+                <a:lumOff val="95000"/>
+              </a:schemeClr>
+            </a:gs>
+            <a:gs pos="74000">
+              <a:schemeClr val="accent3">
+                <a:lumMod val="45000"/>
+                <a:lumOff val="55000"/>
+              </a:schemeClr>
+            </a:gs>
+            <a:gs pos="83000">
+              <a:schemeClr val="accent3">
+                <a:lumMod val="45000"/>
+                <a:lumOff val="55000"/>
+              </a:schemeClr>
+            </a:gs>
+            <a:gs pos="100000">
+              <a:schemeClr val="accent3">
+                <a:lumMod val="30000"/>
+                <a:lumOff val="70000"/>
+              </a:schemeClr>
+            </a:gs>
+          </a:gsLst>
+          <a:lin ang="5400000" scaled="1"/>
+          <a:tileRect/>
+        </a:gradFill>
+        <a:effectLst/>
+      </p:bgPr>
+    </p:bg>
+    <p:spTree>
+      <p:nvGrpSpPr>
+        <p:cNvPr id="1" name="">
+          <a:extLst>
+            <a:ext uri="{FF2B5EF4-FFF2-40B4-BE49-F238E27FC236}">
+              <a16:creationId xmlns:a16="http://schemas.microsoft.com/office/drawing/2014/main" id="{108B8C62-A67F-9017-BD83-B3D520E12253}"/>
+            </a:ext>
+          </a:extLst>
+        </p:cNvPr>
+        <p:cNvGrpSpPr/>
+        <p:nvPr/>
+      </p:nvGrpSpPr>
+      <p:grpSpPr>
+        <a:xfrm>
+          <a:off x="0" y="0"/>
+          <a:ext cx="0" cy="0"/>
+          <a:chOff x="0" y="0"/>
+          <a:chExt cx="0" cy="0"/>
+        </a:xfrm>
+      </p:grpSpPr>
+      <p:sp>
+        <p:nvSpPr>
+          <p:cNvPr id="2" name="Right Triangle 1">
+            <a:extLst>
+              <a:ext uri="{FF2B5EF4-FFF2-40B4-BE49-F238E27FC236}">
+                <a16:creationId xmlns:a16="http://schemas.microsoft.com/office/drawing/2014/main" id="{5053D3E0-3460-B664-FE51-0AEE64692A06}"/>
+              </a:ext>
+            </a:extLst>
+          </p:cNvPr>
+          <p:cNvSpPr/>
+          <p:nvPr/>
+        </p:nvSpPr>
+        <p:spPr>
+          <a:xfrm flipH="1">
+            <a:off x="9991724" y="4657725"/>
+            <a:ext cx="2325623" cy="2276475"/>
+          </a:xfrm>
+          <a:prstGeom prst="rtTriangle">
+            <a:avLst/>
+          </a:prstGeom>
+          <a:solidFill>
+            <a:schemeClr val="bg2">
+              <a:lumMod val="75000"/>
+            </a:schemeClr>
+          </a:solidFill>
+          <a:ln>
+            <a:noFill/>
+          </a:ln>
+          <a:effectLst>
+            <a:outerShdw blurRad="177800" dist="152400" dir="13500000" algn="br" rotWithShape="0">
+              <a:prstClr val="black">
+                <a:alpha val="68000"/>
+              </a:prstClr>
+            </a:outerShdw>
+          </a:effectLst>
+        </p:spPr>
+        <p:style>
+          <a:lnRef idx="2">
+            <a:schemeClr val="accent3">
+              <a:shade val="15000"/>
+            </a:schemeClr>
+          </a:lnRef>
+          <a:fillRef idx="1">
+            <a:schemeClr val="accent3"/>
+          </a:fillRef>
+          <a:effectRef idx="0">
+            <a:schemeClr val="accent3"/>
+          </a:effectRef>
+          <a:fontRef idx="minor">
+            <a:schemeClr val="lt1"/>
+          </a:fontRef>
+        </p:style>
+        <p:txBody>
+          <a:bodyPr rtlCol="0" anchor="ctr"/>
+          <a:lstStyle/>
+          <a:p>
+            <a:pPr algn="ctr"/>
+            <a:endParaRPr lang="en-US"/>
+          </a:p>
+        </p:txBody>
+      </p:sp>
+      <p:sp>
+        <p:nvSpPr>
+          <p:cNvPr id="3" name="Right Triangle 2">
+            <a:extLst>
+              <a:ext uri="{FF2B5EF4-FFF2-40B4-BE49-F238E27FC236}">
+                <a16:creationId xmlns:a16="http://schemas.microsoft.com/office/drawing/2014/main" id="{2B8189F7-2594-CCAB-0A4B-685310B11D5C}"/>
+              </a:ext>
+            </a:extLst>
+          </p:cNvPr>
+          <p:cNvSpPr/>
+          <p:nvPr/>
+        </p:nvSpPr>
+        <p:spPr>
+          <a:xfrm flipH="1">
+            <a:off x="10352789" y="4514851"/>
+            <a:ext cx="1943985" cy="2419350"/>
+          </a:xfrm>
+          <a:prstGeom prst="rtTriangle">
+            <a:avLst/>
+          </a:prstGeom>
+          <a:solidFill>
+            <a:schemeClr val="tx1">
+              <a:lumMod val="85000"/>
+              <a:lumOff val="15000"/>
+            </a:schemeClr>
+          </a:solidFill>
+          <a:ln>
+            <a:noFill/>
+          </a:ln>
+          <a:effectLst>
+            <a:outerShdw blurRad="50800" dist="50800" dir="13500000" algn="br" rotWithShape="0">
+              <a:prstClr val="black">
+                <a:alpha val="73000"/>
+              </a:prstClr>
+            </a:outerShdw>
+          </a:effectLst>
+        </p:spPr>
+        <p:style>
+          <a:lnRef idx="2">
+            <a:schemeClr val="accent3">
+              <a:shade val="15000"/>
+            </a:schemeClr>
+          </a:lnRef>
+          <a:fillRef idx="1">
+            <a:schemeClr val="accent3"/>
+          </a:fillRef>
+          <a:effectRef idx="0">
+            <a:schemeClr val="accent3"/>
+          </a:effectRef>
+          <a:fontRef idx="minor">
+            <a:schemeClr val="lt1"/>
+          </a:fontRef>
+        </p:style>
+        <p:txBody>
+          <a:bodyPr rtlCol="0" anchor="ctr"/>
+          <a:lstStyle/>
+          <a:p>
+            <a:pPr algn="ctr"/>
+            <a:endParaRPr lang="en-US"/>
+          </a:p>
+        </p:txBody>
+      </p:sp>
+      <p:sp>
+        <p:nvSpPr>
+          <p:cNvPr id="4" name="Right Triangle 3">
+            <a:extLst>
+              <a:ext uri="{FF2B5EF4-FFF2-40B4-BE49-F238E27FC236}">
+                <a16:creationId xmlns:a16="http://schemas.microsoft.com/office/drawing/2014/main" id="{911BF315-66B0-C298-768F-B52BBC70FD03}"/>
+              </a:ext>
+            </a:extLst>
+          </p:cNvPr>
+          <p:cNvSpPr/>
+          <p:nvPr/>
+        </p:nvSpPr>
+        <p:spPr>
+          <a:xfrm flipH="1">
+            <a:off x="10352792" y="4962525"/>
+            <a:ext cx="1943982" cy="1971675"/>
+          </a:xfrm>
+          <a:prstGeom prst="rtTriangle">
+            <a:avLst/>
+          </a:prstGeom>
+          <a:solidFill>
+            <a:schemeClr val="bg2">
+              <a:lumMod val="25000"/>
+            </a:schemeClr>
+          </a:solidFill>
+          <a:ln>
+            <a:noFill/>
+          </a:ln>
+          <a:effectLst>
+            <a:outerShdw blurRad="50800" dist="50800" dir="13500000" algn="br" rotWithShape="0">
+              <a:prstClr val="black">
+                <a:alpha val="73000"/>
+              </a:prstClr>
+            </a:outerShdw>
+          </a:effectLst>
+        </p:spPr>
+        <p:style>
+          <a:lnRef idx="2">
+            <a:schemeClr val="accent3">
+              <a:shade val="15000"/>
+            </a:schemeClr>
+          </a:lnRef>
+          <a:fillRef idx="1">
+            <a:schemeClr val="accent3"/>
+          </a:fillRef>
+          <a:effectRef idx="0">
+            <a:schemeClr val="accent3"/>
+          </a:effectRef>
+          <a:fontRef idx="minor">
+            <a:schemeClr val="lt1"/>
+          </a:fontRef>
+        </p:style>
+        <p:txBody>
+          <a:bodyPr rtlCol="0" anchor="ctr"/>
+          <a:lstStyle/>
+          <a:p>
+            <a:pPr algn="ctr"/>
+            <a:endParaRPr lang="en-US"/>
+          </a:p>
+        </p:txBody>
+      </p:sp>
+      <p:sp>
+        <p:nvSpPr>
+          <p:cNvPr id="6" name="Right Triangle 5">
+            <a:extLst>
+              <a:ext uri="{FF2B5EF4-FFF2-40B4-BE49-F238E27FC236}">
+                <a16:creationId xmlns:a16="http://schemas.microsoft.com/office/drawing/2014/main" id="{43419FF0-8D9B-0681-4726-A17CDCC7E5AD}"/>
+              </a:ext>
+            </a:extLst>
+          </p:cNvPr>
+          <p:cNvSpPr/>
+          <p:nvPr/>
+        </p:nvSpPr>
+        <p:spPr>
+          <a:xfrm rot="5400000" flipH="1">
+            <a:off x="-110933" y="5752227"/>
+            <a:ext cx="1146749" cy="1123389"/>
+          </a:xfrm>
+          <a:prstGeom prst="rtTriangle">
+            <a:avLst/>
+          </a:prstGeom>
+          <a:solidFill>
+            <a:schemeClr val="bg2">
+              <a:lumMod val="75000"/>
+            </a:schemeClr>
+          </a:solidFill>
+          <a:ln>
+            <a:noFill/>
+          </a:ln>
+          <a:effectLst>
+            <a:outerShdw blurRad="177800" dist="152400" dir="13500000" algn="br" rotWithShape="0">
+              <a:prstClr val="black">
+                <a:alpha val="68000"/>
+              </a:prstClr>
+            </a:outerShdw>
+          </a:effectLst>
+        </p:spPr>
+        <p:style>
+          <a:lnRef idx="2">
+            <a:schemeClr val="accent3">
+              <a:shade val="15000"/>
+            </a:schemeClr>
+          </a:lnRef>
+          <a:fillRef idx="1">
+            <a:schemeClr val="accent3"/>
+          </a:fillRef>
+          <a:effectRef idx="0">
+            <a:schemeClr val="accent3"/>
+          </a:effectRef>
+          <a:fontRef idx="minor">
+            <a:schemeClr val="lt1"/>
+          </a:fontRef>
+        </p:style>
+        <p:txBody>
+          <a:bodyPr rtlCol="0" anchor="ctr"/>
+          <a:lstStyle/>
+          <a:p>
+            <a:pPr algn="ctr"/>
+            <a:endParaRPr lang="en-US"/>
+          </a:p>
+        </p:txBody>
+      </p:sp>
+      <p:sp>
+        <p:nvSpPr>
+          <p:cNvPr id="7" name="Right Triangle 6">
+            <a:extLst>
+              <a:ext uri="{FF2B5EF4-FFF2-40B4-BE49-F238E27FC236}">
+                <a16:creationId xmlns:a16="http://schemas.microsoft.com/office/drawing/2014/main" id="{3AB2A1D5-18F5-E1AC-693E-ECF6AC596CE9}"/>
+              </a:ext>
+            </a:extLst>
+          </p:cNvPr>
+          <p:cNvSpPr/>
+          <p:nvPr/>
+        </p:nvSpPr>
+        <p:spPr>
+          <a:xfrm rot="5400000" flipH="1">
+            <a:off x="135671" y="5851551"/>
+            <a:ext cx="820031" cy="1289877"/>
+          </a:xfrm>
+          <a:prstGeom prst="rtTriangle">
+            <a:avLst/>
+          </a:prstGeom>
+          <a:solidFill>
+            <a:schemeClr val="tx1">
+              <a:lumMod val="85000"/>
+              <a:lumOff val="15000"/>
+            </a:schemeClr>
+          </a:solidFill>
+          <a:ln>
+            <a:noFill/>
+          </a:ln>
+          <a:effectLst>
+            <a:outerShdw blurRad="50800" dist="50800" dir="13500000" algn="br" rotWithShape="0">
+              <a:prstClr val="black">
+                <a:alpha val="73000"/>
+              </a:prstClr>
+            </a:outerShdw>
+          </a:effectLst>
+        </p:spPr>
+        <p:style>
+          <a:lnRef idx="2">
+            <a:schemeClr val="accent3">
+              <a:shade val="15000"/>
+            </a:schemeClr>
+          </a:lnRef>
+          <a:fillRef idx="1">
+            <a:schemeClr val="accent3"/>
+          </a:fillRef>
+          <a:effectRef idx="0">
+            <a:schemeClr val="accent3"/>
+          </a:effectRef>
+          <a:fontRef idx="minor">
+            <a:schemeClr val="lt1"/>
+          </a:fontRef>
+        </p:style>
+        <p:txBody>
+          <a:bodyPr rtlCol="0" anchor="ctr"/>
+          <a:lstStyle/>
+          <a:p>
+            <a:pPr algn="ctr"/>
+            <a:endParaRPr lang="en-US"/>
+          </a:p>
+        </p:txBody>
+      </p:sp>
+      <p:sp>
+        <p:nvSpPr>
+          <p:cNvPr id="8" name="Right Triangle 7">
+            <a:extLst>
+              <a:ext uri="{FF2B5EF4-FFF2-40B4-BE49-F238E27FC236}">
+                <a16:creationId xmlns:a16="http://schemas.microsoft.com/office/drawing/2014/main" id="{118A534E-8B6D-5D37-BFEB-68894638D22E}"/>
+              </a:ext>
+            </a:extLst>
+          </p:cNvPr>
+          <p:cNvSpPr/>
+          <p:nvPr/>
+        </p:nvSpPr>
+        <p:spPr>
+          <a:xfrm rot="5400000" flipH="1">
+            <a:off x="-92050" y="5940736"/>
+            <a:ext cx="958565" cy="972975"/>
+          </a:xfrm>
+          <a:prstGeom prst="rtTriangle">
+            <a:avLst/>
+          </a:prstGeom>
+          <a:solidFill>
+            <a:schemeClr val="bg2">
+              <a:lumMod val="25000"/>
+            </a:schemeClr>
+          </a:solidFill>
+          <a:ln>
+            <a:noFill/>
+          </a:ln>
+          <a:effectLst>
+            <a:outerShdw blurRad="50800" dist="50800" dir="13500000" algn="br" rotWithShape="0">
+              <a:prstClr val="black">
+                <a:alpha val="73000"/>
+              </a:prstClr>
+            </a:outerShdw>
+          </a:effectLst>
+        </p:spPr>
+        <p:style>
+          <a:lnRef idx="2">
+            <a:schemeClr val="accent3">
+              <a:shade val="15000"/>
+            </a:schemeClr>
+          </a:lnRef>
+          <a:fillRef idx="1">
+            <a:schemeClr val="accent3"/>
+          </a:fillRef>
+          <a:effectRef idx="0">
+            <a:schemeClr val="accent3"/>
+          </a:effectRef>
+          <a:fontRef idx="minor">
+            <a:schemeClr val="lt1"/>
+          </a:fontRef>
+        </p:style>
+        <p:txBody>
+          <a:bodyPr rtlCol="0" anchor="ctr"/>
+          <a:lstStyle/>
+          <a:p>
+            <a:pPr algn="ctr"/>
+            <a:endParaRPr lang="en-US"/>
+          </a:p>
+        </p:txBody>
+      </p:sp>
+      <p:sp>
+        <p:nvSpPr>
+          <p:cNvPr id="9" name="Rectangle: Rounded Corners 8">
+            <a:extLst>
+              <a:ext uri="{FF2B5EF4-FFF2-40B4-BE49-F238E27FC236}">
+                <a16:creationId xmlns:a16="http://schemas.microsoft.com/office/drawing/2014/main" id="{2E5358E0-A097-3D62-6934-5323251E90C3}"/>
+              </a:ext>
+            </a:extLst>
+          </p:cNvPr>
+          <p:cNvSpPr/>
+          <p:nvPr/>
+        </p:nvSpPr>
+        <p:spPr>
+          <a:xfrm>
+            <a:off x="-99256" y="161926"/>
+            <a:ext cx="3490155" cy="820032"/>
+          </a:xfrm>
+          <a:prstGeom prst="roundRect">
+            <a:avLst/>
+          </a:prstGeom>
+          <a:solidFill>
+            <a:schemeClr val="tx1">
+              <a:lumMod val="85000"/>
+              <a:lumOff val="15000"/>
+            </a:schemeClr>
+          </a:solidFill>
+          <a:ln>
+            <a:noFill/>
+          </a:ln>
+          <a:effectLst>
+            <a:outerShdw blurRad="241300" dist="304800" dir="1800000" sx="98000" sy="98000" algn="tl" rotWithShape="0">
+              <a:prstClr val="black">
+                <a:alpha val="73000"/>
+              </a:prstClr>
+            </a:outerShdw>
+          </a:effectLst>
+        </p:spPr>
+        <p:style>
+          <a:lnRef idx="0">
+            <a:scrgbClr r="0" g="0" b="0"/>
+          </a:lnRef>
+          <a:fillRef idx="0">
+            <a:scrgbClr r="0" g="0" b="0"/>
+          </a:fillRef>
+          <a:effectRef idx="0">
+            <a:scrgbClr r="0" g="0" b="0"/>
+          </a:effectRef>
+          <a:fontRef idx="minor">
+            <a:schemeClr val="lt1"/>
+          </a:fontRef>
+        </p:style>
+        <p:txBody>
+          <a:bodyPr rtlCol="0" anchor="ctr"/>
+          <a:lstStyle/>
+          <a:p>
+            <a:pPr algn="ctr"/>
+            <a:r>
+              <a:rPr lang="en-US" sz="2800" dirty="0"/>
+              <a:t>Advantages</a:t>
+            </a:r>
+            <a:endParaRPr lang="en-US" sz="200" dirty="0">
+              <a:latin typeface="Aptos" panose="020B0004020202020204" pitchFamily="34" charset="0"/>
+            </a:endParaRPr>
+          </a:p>
+        </p:txBody>
+      </p:sp>
+      <p:sp>
+        <p:nvSpPr>
+          <p:cNvPr id="5" name="Content Placeholder 2">
+            <a:extLst>
+              <a:ext uri="{FF2B5EF4-FFF2-40B4-BE49-F238E27FC236}">
+                <a16:creationId xmlns:a16="http://schemas.microsoft.com/office/drawing/2014/main" id="{E12D6188-7232-A4B4-AF89-F87DE6519EA7}"/>
+              </a:ext>
+            </a:extLst>
+          </p:cNvPr>
+          <p:cNvSpPr txBox="1">
+            <a:spLocks/>
+          </p:cNvSpPr>
+          <p:nvPr/>
+        </p:nvSpPr>
+        <p:spPr>
+          <a:xfrm>
+            <a:off x="1581592" y="1421978"/>
+            <a:ext cx="8229600" cy="4525963"/>
+          </a:xfrm>
+          <a:prstGeom prst="rect">
+            <a:avLst/>
+          </a:prstGeom>
+        </p:spPr>
+        <p:txBody>
+          <a:bodyPr>
+            <a:normAutofit/>
+          </a:bodyPr>
+          <a:lstStyle>
+            <a:lvl1pPr marL="228600" indent="-228600" algn="l" defTabSz="914400" rtl="0" eaLnBrk="1" latinLnBrk="0" hangingPunct="1">
+              <a:lnSpc>
+                <a:spcPct val="90000"/>
+              </a:lnSpc>
+              <a:spcBef>
+                <a:spcPts val="1000"/>
+              </a:spcBef>
+              <a:buFont typeface="Arial" panose="020B0604020202020204" pitchFamily="34" charset="0"/>
+              <a:buChar char="•"/>
+              <a:defRPr sz="2800" kern="1200">
+                <a:solidFill>
+                  <a:schemeClr val="tx1"/>
+                </a:solidFill>
+                <a:latin typeface="+mn-lt"/>
+                <a:ea typeface="+mn-ea"/>
+                <a:cs typeface="+mn-cs"/>
+              </a:defRPr>
+            </a:lvl1pPr>
+            <a:lvl2pPr marL="685800" indent="-228600" algn="l" defTabSz="914400" rtl="0" eaLnBrk="1" latinLnBrk="0" hangingPunct="1">
+              <a:lnSpc>
+                <a:spcPct val="90000"/>
+              </a:lnSpc>
+              <a:spcBef>
+                <a:spcPts val="500"/>
+              </a:spcBef>
+              <a:buFont typeface="Arial" panose="020B0604020202020204" pitchFamily="34" charset="0"/>
+              <a:buChar char="•"/>
+              <a:defRPr sz="2400" kern="1200">
+                <a:solidFill>
+                  <a:schemeClr val="tx1"/>
+                </a:solidFill>
+                <a:latin typeface="+mn-lt"/>
+                <a:ea typeface="+mn-ea"/>
+                <a:cs typeface="+mn-cs"/>
+              </a:defRPr>
+            </a:lvl2pPr>
+            <a:lvl3pPr marL="1143000" indent="-228600" algn="l" defTabSz="914400" rtl="0" eaLnBrk="1" latinLnBrk="0" hangingPunct="1">
+              <a:lnSpc>
+                <a:spcPct val="90000"/>
+              </a:lnSpc>
+              <a:spcBef>
+                <a:spcPts val="500"/>
+              </a:spcBef>
+              <a:buFont typeface="Arial" panose="020B0604020202020204" pitchFamily="34" charset="0"/>
+              <a:buChar char="•"/>
+              <a:defRPr sz="2000" kern="1200">
+                <a:solidFill>
+                  <a:schemeClr val="tx1"/>
+                </a:solidFill>
+                <a:latin typeface="+mn-lt"/>
+                <a:ea typeface="+mn-ea"/>
+                <a:cs typeface="+mn-cs"/>
+              </a:defRPr>
+            </a:lvl3pPr>
+            <a:lvl4pPr marL="1600200" indent="-228600" algn="l" defTabSz="914400" rtl="0" eaLnBrk="1" latinLnBrk="0" hangingPunct="1">
+              <a:lnSpc>
+                <a:spcPct val="90000"/>
+              </a:lnSpc>
+              <a:spcBef>
+                <a:spcPts val="500"/>
+              </a:spcBef>
+              <a:buFont typeface="Arial" panose="020B0604020202020204" pitchFamily="34" charset="0"/>
+              <a:buChar char="•"/>
+              <a:defRPr sz="1800" kern="1200">
+                <a:solidFill>
+                  <a:schemeClr val="tx1"/>
+                </a:solidFill>
+                <a:latin typeface="+mn-lt"/>
+                <a:ea typeface="+mn-ea"/>
+                <a:cs typeface="+mn-cs"/>
+              </a:defRPr>
+            </a:lvl4pPr>
+            <a:lvl5pPr marL="2057400" indent="-228600" algn="l" defTabSz="914400" rtl="0" eaLnBrk="1" latinLnBrk="0" hangingPunct="1">
+              <a:lnSpc>
+                <a:spcPct val="90000"/>
+              </a:lnSpc>
+              <a:spcBef>
+                <a:spcPts val="500"/>
+              </a:spcBef>
+              <a:buFont typeface="Arial" panose="020B0604020202020204" pitchFamily="34" charset="0"/>
+              <a:buChar char="•"/>
+              <a:defRPr sz="1800" kern="1200">
+                <a:solidFill>
+                  <a:schemeClr val="tx1"/>
+                </a:solidFill>
+                <a:latin typeface="+mn-lt"/>
+                <a:ea typeface="+mn-ea"/>
+                <a:cs typeface="+mn-cs"/>
+              </a:defRPr>
+            </a:lvl5pPr>
+            <a:lvl6pPr marL="2514600" indent="-228600" algn="l" defTabSz="914400" rtl="0" eaLnBrk="1" latinLnBrk="0" hangingPunct="1">
+              <a:lnSpc>
+                <a:spcPct val="90000"/>
+              </a:lnSpc>
+              <a:spcBef>
+                <a:spcPts val="500"/>
+              </a:spcBef>
+              <a:buFont typeface="Arial" panose="020B0604020202020204" pitchFamily="34" charset="0"/>
+              <a:buChar char="•"/>
+              <a:defRPr sz="1800" kern="1200">
+                <a:solidFill>
+                  <a:schemeClr val="tx1"/>
+                </a:solidFill>
+                <a:latin typeface="+mn-lt"/>
+                <a:ea typeface="+mn-ea"/>
+                <a:cs typeface="+mn-cs"/>
+              </a:defRPr>
+            </a:lvl6pPr>
+            <a:lvl7pPr marL="2971800" indent="-228600" algn="l" defTabSz="914400" rtl="0" eaLnBrk="1" latinLnBrk="0" hangingPunct="1">
+              <a:lnSpc>
+                <a:spcPct val="90000"/>
+              </a:lnSpc>
+              <a:spcBef>
+                <a:spcPts val="500"/>
+              </a:spcBef>
+              <a:buFont typeface="Arial" panose="020B0604020202020204" pitchFamily="34" charset="0"/>
+              <a:buChar char="•"/>
+              <a:defRPr sz="1800" kern="1200">
+                <a:solidFill>
+                  <a:schemeClr val="tx1"/>
+                </a:solidFill>
+                <a:latin typeface="+mn-lt"/>
+                <a:ea typeface="+mn-ea"/>
+                <a:cs typeface="+mn-cs"/>
+              </a:defRPr>
+            </a:lvl7pPr>
+            <a:lvl8pPr marL="3429000" indent="-228600" algn="l" defTabSz="914400" rtl="0" eaLnBrk="1" latinLnBrk="0" hangingPunct="1">
+              <a:lnSpc>
+                <a:spcPct val="90000"/>
+              </a:lnSpc>
+              <a:spcBef>
+                <a:spcPts val="500"/>
+              </a:spcBef>
+              <a:buFont typeface="Arial" panose="020B0604020202020204" pitchFamily="34" charset="0"/>
+              <a:buChar char="•"/>
+              <a:defRPr sz="1800" kern="1200">
+                <a:solidFill>
+                  <a:schemeClr val="tx1"/>
+                </a:solidFill>
+                <a:latin typeface="+mn-lt"/>
+                <a:ea typeface="+mn-ea"/>
+                <a:cs typeface="+mn-cs"/>
+              </a:defRPr>
+            </a:lvl8pPr>
+            <a:lvl9pPr marL="3886200" indent="-228600" algn="l" defTabSz="914400" rtl="0" eaLnBrk="1" latinLnBrk="0" hangingPunct="1">
+              <a:lnSpc>
+                <a:spcPct val="90000"/>
+              </a:lnSpc>
+              <a:spcBef>
+                <a:spcPts val="500"/>
+              </a:spcBef>
+              <a:buFont typeface="Arial" panose="020B0604020202020204" pitchFamily="34" charset="0"/>
+              <a:buChar char="•"/>
+              <a:defRPr sz="1800" kern="1200">
+                <a:solidFill>
+                  <a:schemeClr val="tx1"/>
+                </a:solidFill>
+                <a:latin typeface="+mn-lt"/>
+                <a:ea typeface="+mn-ea"/>
+                <a:cs typeface="+mn-cs"/>
+              </a:defRPr>
+            </a:lvl9pPr>
+          </a:lstStyle>
+          <a:p>
+            <a:endParaRPr lang="en-US" sz="2400" dirty="0"/>
+          </a:p>
+        </p:txBody>
+      </p:sp>
+      <p:sp>
+        <p:nvSpPr>
+          <p:cNvPr id="11" name="Rectangle 2">
+            <a:extLst>
+              <a:ext uri="{FF2B5EF4-FFF2-40B4-BE49-F238E27FC236}">
+                <a16:creationId xmlns:a16="http://schemas.microsoft.com/office/drawing/2014/main" id="{D92E9E4F-9AB8-0AF2-6A2E-B4DB974609CE}"/>
+              </a:ext>
+            </a:extLst>
+          </p:cNvPr>
+          <p:cNvSpPr>
+            <a:spLocks noChangeArrowheads="1"/>
+          </p:cNvSpPr>
+          <p:nvPr/>
+        </p:nvSpPr>
+        <p:spPr bwMode="auto">
+          <a:xfrm>
+            <a:off x="900061" y="1116469"/>
+            <a:ext cx="10120364" cy="5746638"/>
+          </a:xfrm>
+          <a:prstGeom prst="rect">
+            <a:avLst/>
+          </a:prstGeom>
+          <a:noFill/>
+          <a:ln>
+            <a:noFill/>
+          </a:ln>
+          <a:effectLst/>
+          <a:extLst>
+            <a:ext uri="{909E8E84-426E-40DD-AFC4-6F175D3DCCD1}">
+              <a14:hiddenFill xmlns:a14="http://schemas.microsoft.com/office/drawing/2010/main">
+                <a:solidFill>
+                  <a:schemeClr val="accent1"/>
+                </a:solidFill>
+              </a14:hiddenFill>
+            </a:ext>
+            <a:ext uri="{91240B29-F687-4F45-9708-019B960494DF}">
+              <a14:hiddenLine xmlns:a14="http://schemas.microsoft.com/office/drawing/2010/main" w="9525">
+                <a:solidFill>
+                  <a:schemeClr val="tx1"/>
+                </a:solidFill>
+                <a:miter lim="800000"/>
+                <a:headEnd/>
+                <a:tailEnd/>
+              </a14:hiddenLine>
+            </a:ext>
+            <a:ext uri="{AF507438-7753-43E0-B8FC-AC1667EBCBE1}">
+              <a14:hiddenEffects xmlns:a14="http://schemas.microsoft.com/office/drawing/2010/main">
+                <a:effectLst>
+                  <a:outerShdw dist="35921" dir="2700000" algn="ctr" rotWithShape="0">
+                    <a:schemeClr val="bg2"/>
+                  </a:outerShdw>
+                </a:effectLst>
+              </a14:hiddenEffects>
+            </a:ext>
+          </a:extLst>
+        </p:spPr>
+        <p:txBody>
+          <a:bodyPr vert="horz" wrap="square" lIns="91440" tIns="45720" rIns="91440" bIns="45720" numCol="1" anchor="ctr" anchorCtr="0" compatLnSpc="1">
+            <a:prstTxWarp prst="textNoShape">
+              <a:avLst/>
+            </a:prstTxWarp>
+            <a:spAutoFit/>
+          </a:bodyPr>
+          <a:lstStyle/>
+          <a:p>
+            <a:pPr>
+              <a:lnSpc>
+                <a:spcPct val="107000"/>
+              </a:lnSpc>
+              <a:spcAft>
+                <a:spcPts val="800"/>
+              </a:spcAft>
+            </a:pPr>
+            <a:r>
+              <a:rPr lang="en-US" sz="1800" kern="100" dirty="0">
+                <a:effectLst/>
+                <a:latin typeface="Aptos" panose="020B0004020202020204" pitchFamily="34" charset="0"/>
+                <a:ea typeface="Calibri" panose="020F0502020204030204" pitchFamily="34" charset="0"/>
+                <a:cs typeface="Shruti" panose="020B0502040204020203" pitchFamily="34" charset="0"/>
+              </a:rPr>
+              <a:t>1. Scalability:</a:t>
+            </a:r>
+            <a:endParaRPr lang="en-US" sz="1800" kern="100" dirty="0">
+              <a:effectLst/>
+              <a:latin typeface="Calibri" panose="020F0502020204030204" pitchFamily="34" charset="0"/>
+              <a:ea typeface="Calibri" panose="020F0502020204030204" pitchFamily="34" charset="0"/>
+              <a:cs typeface="Shruti" panose="020B0502040204020203" pitchFamily="34" charset="0"/>
+            </a:endParaRPr>
+          </a:p>
+          <a:p>
+            <a:pPr indent="457200">
+              <a:lnSpc>
+                <a:spcPct val="107000"/>
+              </a:lnSpc>
+              <a:spcAft>
+                <a:spcPts val="800"/>
+              </a:spcAft>
+            </a:pPr>
+            <a:r>
+              <a:rPr lang="en-US" sz="1800" kern="100" dirty="0">
+                <a:effectLst/>
+                <a:latin typeface="Aptos" panose="020B0004020202020204" pitchFamily="34" charset="0"/>
+                <a:ea typeface="Calibri" panose="020F0502020204030204" pitchFamily="34" charset="0"/>
+                <a:cs typeface="Shruti" panose="020B0502040204020203" pitchFamily="34" charset="0"/>
+              </a:rPr>
+              <a:t>The system is designed for future expansion, with the ability to add new file types (games, music, applications) and services (live streaming, cloud gaming).  Seamless addition of new features without disrupting the core functionality.</a:t>
+            </a:r>
+            <a:endParaRPr lang="en-US" sz="1800" kern="100" dirty="0">
+              <a:effectLst/>
+              <a:latin typeface="Calibri" panose="020F0502020204030204" pitchFamily="34" charset="0"/>
+              <a:ea typeface="Calibri" panose="020F0502020204030204" pitchFamily="34" charset="0"/>
+              <a:cs typeface="Shruti" panose="020B0502040204020203" pitchFamily="34" charset="0"/>
+            </a:endParaRPr>
+          </a:p>
+          <a:p>
+            <a:pPr>
+              <a:lnSpc>
+                <a:spcPct val="107000"/>
+              </a:lnSpc>
+              <a:spcAft>
+                <a:spcPts val="800"/>
+              </a:spcAft>
+            </a:pPr>
+            <a:r>
+              <a:rPr lang="en-US" sz="1800" kern="100" dirty="0">
+                <a:effectLst/>
+                <a:latin typeface="Aptos" panose="020B0004020202020204" pitchFamily="34" charset="0"/>
+                <a:ea typeface="Calibri" panose="020F0502020204030204" pitchFamily="34" charset="0"/>
+                <a:cs typeface="Shruti" panose="020B0502040204020203" pitchFamily="34" charset="0"/>
+              </a:rPr>
+              <a:t> 2. User-Centric: </a:t>
+            </a:r>
+            <a:endParaRPr lang="en-US" sz="1800" kern="100" dirty="0">
+              <a:effectLst/>
+              <a:latin typeface="Calibri" panose="020F0502020204030204" pitchFamily="34" charset="0"/>
+              <a:ea typeface="Calibri" panose="020F0502020204030204" pitchFamily="34" charset="0"/>
+              <a:cs typeface="Shruti" panose="020B0502040204020203" pitchFamily="34" charset="0"/>
+            </a:endParaRPr>
+          </a:p>
+          <a:p>
+            <a:pPr indent="457200">
+              <a:lnSpc>
+                <a:spcPct val="107000"/>
+              </a:lnSpc>
+              <a:spcAft>
+                <a:spcPts val="800"/>
+              </a:spcAft>
+            </a:pPr>
+            <a:r>
+              <a:rPr lang="en-US" sz="1800" kern="100" dirty="0">
+                <a:effectLst/>
+                <a:latin typeface="Aptos" panose="020B0004020202020204" pitchFamily="34" charset="0"/>
+                <a:ea typeface="Calibri" panose="020F0502020204030204" pitchFamily="34" charset="0"/>
+                <a:cs typeface="Shruti" panose="020B0502040204020203" pitchFamily="34" charset="0"/>
+              </a:rPr>
+              <a:t>Personalized experiences based on user behavior (file types, preferences, etc.), improving engagement. Easy-to-use interface that allows users to manage a variety of media (movies, music, games) in one platform.</a:t>
+            </a:r>
+            <a:endParaRPr lang="en-US" sz="1800" kern="100" dirty="0">
+              <a:effectLst/>
+              <a:latin typeface="Calibri" panose="020F0502020204030204" pitchFamily="34" charset="0"/>
+              <a:ea typeface="Calibri" panose="020F0502020204030204" pitchFamily="34" charset="0"/>
+              <a:cs typeface="Shruti" panose="020B0502040204020203" pitchFamily="34" charset="0"/>
+            </a:endParaRPr>
+          </a:p>
+          <a:p>
+            <a:pPr>
+              <a:lnSpc>
+                <a:spcPct val="107000"/>
+              </a:lnSpc>
+              <a:spcAft>
+                <a:spcPts val="800"/>
+              </a:spcAft>
+            </a:pPr>
+            <a:r>
+              <a:rPr lang="en-US" sz="1800" kern="100" dirty="0">
+                <a:effectLst/>
+                <a:latin typeface="Aptos" panose="020B0004020202020204" pitchFamily="34" charset="0"/>
+                <a:ea typeface="Calibri" panose="020F0502020204030204" pitchFamily="34" charset="0"/>
+                <a:cs typeface="Shruti" panose="020B0502040204020203" pitchFamily="34" charset="0"/>
+              </a:rPr>
+              <a:t> 3. Multi-Platform Support:</a:t>
+            </a:r>
+            <a:endParaRPr lang="en-US" sz="1800" kern="100" dirty="0">
+              <a:effectLst/>
+              <a:latin typeface="Calibri" panose="020F0502020204030204" pitchFamily="34" charset="0"/>
+              <a:ea typeface="Calibri" panose="020F0502020204030204" pitchFamily="34" charset="0"/>
+              <a:cs typeface="Shruti" panose="020B0502040204020203" pitchFamily="34" charset="0"/>
+            </a:endParaRPr>
+          </a:p>
+          <a:p>
+            <a:pPr indent="457200">
+              <a:lnSpc>
+                <a:spcPct val="107000"/>
+              </a:lnSpc>
+              <a:spcAft>
+                <a:spcPts val="800"/>
+              </a:spcAft>
+            </a:pPr>
+            <a:r>
+              <a:rPr lang="en-US" sz="1800" kern="100" dirty="0">
+                <a:effectLst/>
+                <a:latin typeface="Aptos" panose="020B0004020202020204" pitchFamily="34" charset="0"/>
+                <a:ea typeface="Calibri" panose="020F0502020204030204" pitchFamily="34" charset="0"/>
+                <a:cs typeface="Shruti" panose="020B0502040204020203" pitchFamily="34" charset="0"/>
+              </a:rPr>
+              <a:t>Accessible via desktop and mobile apps, making it flexible for users who want to access their content anywhere. Future compatibility with smart devices (IoT), enhancing usability</a:t>
+            </a:r>
+            <a:endParaRPr lang="en-US" sz="1800" kern="100" dirty="0">
+              <a:effectLst/>
+              <a:latin typeface="Calibri" panose="020F0502020204030204" pitchFamily="34" charset="0"/>
+              <a:ea typeface="Calibri" panose="020F0502020204030204" pitchFamily="34" charset="0"/>
+              <a:cs typeface="Shruti" panose="020B0502040204020203" pitchFamily="34" charset="0"/>
+            </a:endParaRPr>
+          </a:p>
+          <a:p>
+            <a:pPr>
+              <a:lnSpc>
+                <a:spcPct val="107000"/>
+              </a:lnSpc>
+              <a:spcAft>
+                <a:spcPts val="800"/>
+              </a:spcAft>
+            </a:pPr>
+            <a:r>
+              <a:rPr lang="en-US" sz="1800" kern="100" dirty="0">
+                <a:effectLst/>
+                <a:latin typeface="Aptos" panose="020B0004020202020204" pitchFamily="34" charset="0"/>
+                <a:ea typeface="Calibri" panose="020F0502020204030204" pitchFamily="34" charset="0"/>
+                <a:cs typeface="Shruti" panose="020B0502040204020203" pitchFamily="34" charset="0"/>
+              </a:rPr>
+              <a:t>4. Convenience:</a:t>
+            </a:r>
+            <a:endParaRPr lang="en-US" sz="1800" kern="100" dirty="0">
+              <a:effectLst/>
+              <a:latin typeface="Calibri" panose="020F0502020204030204" pitchFamily="34" charset="0"/>
+              <a:ea typeface="Calibri" panose="020F0502020204030204" pitchFamily="34" charset="0"/>
+              <a:cs typeface="Shruti" panose="020B0502040204020203" pitchFamily="34" charset="0"/>
+            </a:endParaRPr>
+          </a:p>
+          <a:p>
+            <a:pPr indent="457200">
+              <a:lnSpc>
+                <a:spcPct val="107000"/>
+              </a:lnSpc>
+              <a:spcAft>
+                <a:spcPts val="800"/>
+              </a:spcAft>
+            </a:pPr>
+            <a:r>
+              <a:rPr lang="en-US" sz="1800" kern="100" dirty="0">
+                <a:effectLst/>
+                <a:latin typeface="Aptos" panose="020B0004020202020204" pitchFamily="34" charset="0"/>
+                <a:ea typeface="Calibri" panose="020F0502020204030204" pitchFamily="34" charset="0"/>
+                <a:cs typeface="Shruti" panose="020B0502040204020203" pitchFamily="34" charset="0"/>
+              </a:rPr>
+              <a:t>Centralized platform to manage multiple types of media (movies, music, games, software, etc.), removing the need for different apps or services.</a:t>
+            </a:r>
+            <a:endParaRPr lang="en-US" sz="1800" kern="100" dirty="0">
+              <a:effectLst/>
+              <a:latin typeface="Calibri" panose="020F0502020204030204" pitchFamily="34" charset="0"/>
+              <a:ea typeface="Calibri" panose="020F0502020204030204" pitchFamily="34" charset="0"/>
+              <a:cs typeface="Shruti" panose="020B0502040204020203" pitchFamily="34" charset="0"/>
+            </a:endParaRPr>
+          </a:p>
+          <a:p>
+            <a:pPr>
+              <a:lnSpc>
+                <a:spcPct val="107000"/>
+              </a:lnSpc>
+              <a:spcAft>
+                <a:spcPts val="800"/>
+              </a:spcAft>
+            </a:pPr>
+            <a:r>
+              <a:rPr lang="en-US" sz="1800" kern="100" dirty="0">
+                <a:effectLst/>
+                <a:latin typeface="Aptos" panose="020B0004020202020204" pitchFamily="34" charset="0"/>
+                <a:ea typeface="Calibri" panose="020F0502020204030204" pitchFamily="34" charset="0"/>
+                <a:cs typeface="Shruti" panose="020B0502040204020203" pitchFamily="34" charset="0"/>
+              </a:rPr>
+              <a:t>5. Streaming:</a:t>
+            </a:r>
+            <a:endParaRPr lang="en-US" sz="1800" kern="100" dirty="0">
+              <a:effectLst/>
+              <a:latin typeface="Calibri" panose="020F0502020204030204" pitchFamily="34" charset="0"/>
+              <a:ea typeface="Calibri" panose="020F0502020204030204" pitchFamily="34" charset="0"/>
+              <a:cs typeface="Shruti" panose="020B0502040204020203" pitchFamily="34" charset="0"/>
+            </a:endParaRPr>
+          </a:p>
+          <a:p>
+            <a:pPr indent="457200">
+              <a:lnSpc>
+                <a:spcPct val="107000"/>
+              </a:lnSpc>
+              <a:spcAft>
+                <a:spcPts val="800"/>
+              </a:spcAft>
+            </a:pPr>
+            <a:r>
+              <a:rPr lang="en-US" sz="1800" kern="100" dirty="0">
+                <a:effectLst/>
+                <a:latin typeface="Aptos" panose="020B0004020202020204" pitchFamily="34" charset="0"/>
+                <a:ea typeface="Calibri" panose="020F0502020204030204" pitchFamily="34" charset="0"/>
+                <a:cs typeface="Shruti" panose="020B0502040204020203" pitchFamily="34" charset="0"/>
+              </a:rPr>
+              <a:t>User can stream movies and videos and image on website.</a:t>
+            </a:r>
+            <a:endParaRPr lang="en-US" sz="1800" kern="100" dirty="0">
+              <a:effectLst/>
+              <a:latin typeface="Calibri" panose="020F0502020204030204" pitchFamily="34" charset="0"/>
+              <a:ea typeface="Calibri" panose="020F0502020204030204" pitchFamily="34" charset="0"/>
+              <a:cs typeface="Shruti" panose="020B0502040204020203" pitchFamily="34" charset="0"/>
+            </a:endParaRPr>
+          </a:p>
+        </p:txBody>
+      </p:sp>
+    </p:spTree>
+    <p:extLst>
+      <p:ext uri="{BB962C8B-B14F-4D97-AF65-F5344CB8AC3E}">
+        <p14:creationId xmlns:p14="http://schemas.microsoft.com/office/powerpoint/2010/main" val="2182476007"/>
       </p:ext>
     </p:extLst>
   </p:cSld>
@@ -6093,8 +8205,8 @@
         </p:nvSpPr>
         <p:spPr>
           <a:xfrm>
-            <a:off x="1660821" y="1041133"/>
-            <a:ext cx="7860705" cy="2554545"/>
+            <a:off x="1660821" y="1662925"/>
+            <a:ext cx="8330903" cy="1323439"/>
           </a:xfrm>
           <a:prstGeom prst="rect">
             <a:avLst/>
@@ -6107,55 +8219,31 @@
           </a:bodyPr>
           <a:lstStyle/>
           <a:p>
+            <a:pPr algn="just"/>
             <a:r>
               <a:rPr lang="en-US" sz="2000" dirty="0"/>
-              <a:t>Architecture:</a:t>
-            </a:r>
-          </a:p>
-          <a:p>
-            <a:pPr marL="342900" indent="-342900">
-              <a:buFont typeface="Arial" panose="020B0604020202020204" pitchFamily="34" charset="0"/>
-              <a:buChar char="•"/>
-            </a:pPr>
-            <a:r>
-              <a:rPr lang="en-US" sz="2000" dirty="0"/>
-              <a:t>Client Side: Built with HTML, CSS, and EJS for dynamic pages.</a:t>
-            </a:r>
-          </a:p>
-          <a:p>
-            <a:pPr marL="342900" indent="-342900">
-              <a:buFont typeface="Arial" panose="020B0604020202020204" pitchFamily="34" charset="0"/>
-              <a:buChar char="•"/>
-            </a:pPr>
+              <a:t>Architecture:   Client Side: Built with HTML, CSS, and EJS for dynamic pages.</a:t>
+            </a:r>
+          </a:p>
+          <a:p>
+            <a:pPr algn="just"/>
             <a:r>
               <a:rPr lang="en-US" sz="2000" dirty="0"/>
               <a:t>Server Side: Node.js with Express for routing and HTTP request handling.</a:t>
             </a:r>
           </a:p>
           <a:p>
-            <a:pPr marL="342900" indent="-342900">
-              <a:buFont typeface="Arial" panose="020B0604020202020204" pitchFamily="34" charset="0"/>
-              <a:buChar char="•"/>
-            </a:pPr>
+            <a:pPr algn="just"/>
             <a:r>
               <a:rPr lang="en-US" sz="2000" dirty="0"/>
-              <a:t>Database: MongoDB for data storage with schemas for users and movies.</a:t>
-            </a:r>
-          </a:p>
-          <a:p>
+              <a:t>Database:   MongoDB for data storage with schemas for users and movies.</a:t>
+            </a:r>
+          </a:p>
+          <a:p>
+            <a:pPr algn="just"/>
             <a:r>
               <a:rPr lang="en-US" sz="2000" dirty="0"/>
-              <a:t>Authentication:</a:t>
-            </a:r>
-          </a:p>
-          <a:p>
-            <a:pPr marL="342900" indent="-342900">
-              <a:buFont typeface="Arial" panose="020B0604020202020204" pitchFamily="34" charset="0"/>
-              <a:buChar char="•"/>
-            </a:pPr>
-            <a:r>
-              <a:rPr lang="en-US" sz="2000" dirty="0"/>
-              <a:t>JWT is used to secure user sessions with tokens.</a:t>
+              <a:t>Authentication:   JWT is used to secure user sessions with tokens.</a:t>
             </a:r>
           </a:p>
         </p:txBody>
@@ -6175,7 +8263,7 @@
         <p:spPr>
           <a:xfrm>
             <a:off x="1577578" y="3851008"/>
-            <a:ext cx="8414146" cy="1815882"/>
+            <a:ext cx="8910590" cy="1815882"/>
           </a:xfrm>
           <a:prstGeom prst="rect">
             <a:avLst/>
@@ -6188,13 +8276,14 @@
           </a:bodyPr>
           <a:lstStyle/>
           <a:p>
+            <a:pPr algn="just"/>
             <a:r>
               <a:rPr lang="en-US" sz="2000" dirty="0"/>
               <a:t>MongoDB Collections:</a:t>
             </a:r>
           </a:p>
           <a:p>
-            <a:pPr marL="342900" indent="-342900">
+            <a:pPr marL="342900" indent="-342900" algn="just">
               <a:buFont typeface="Arial" panose="020B0604020202020204" pitchFamily="34" charset="0"/>
               <a:buChar char="•"/>
             </a:pPr>
@@ -6204,7 +8293,7 @@
             </a:r>
           </a:p>
           <a:p>
-            <a:pPr marL="342900" indent="-342900">
+            <a:pPr marL="342900" indent="-342900" algn="just">
               <a:buFont typeface="Arial" panose="020B0604020202020204" pitchFamily="34" charset="0"/>
               <a:buChar char="•"/>
             </a:pPr>
@@ -6214,7 +8303,7 @@
             </a:r>
           </a:p>
           <a:p>
-            <a:pPr marL="342900" indent="-342900">
+            <a:pPr marL="342900" indent="-342900" algn="just">
               <a:buFont typeface="Arial" panose="020B0604020202020204" pitchFamily="34" charset="0"/>
               <a:buChar char="•"/>
             </a:pPr>
@@ -6224,7 +8313,7 @@
             </a:r>
           </a:p>
           <a:p>
-            <a:pPr marL="342900" indent="-342900">
+            <a:pPr marL="342900" indent="-342900" algn="just">
               <a:buFont typeface="Arial" panose="020B0604020202020204" pitchFamily="34" charset="0"/>
               <a:buChar char="•"/>
             </a:pPr>
@@ -6234,6 +8323,7 @@
             </a:r>
           </a:p>
           <a:p>
+            <a:pPr algn="just"/>
             <a:endParaRPr lang="en-US" sz="1200" dirty="0"/>
           </a:p>
         </p:txBody>
@@ -6760,767 +8850,7 @@
         <p:spPr>
           <a:xfrm>
             <a:off x="1581592" y="1421978"/>
-            <a:ext cx="8229600" cy="4525963"/>
-          </a:xfrm>
-          <a:prstGeom prst="rect">
-            <a:avLst/>
-          </a:prstGeom>
-        </p:spPr>
-        <p:txBody>
-          <a:bodyPr>
-            <a:normAutofit lnSpcReduction="10000"/>
-          </a:bodyPr>
-          <a:lstStyle>
-            <a:lvl1pPr marL="228600" indent="-228600" algn="l" defTabSz="914400" rtl="0" eaLnBrk="1" latinLnBrk="0" hangingPunct="1">
-              <a:lnSpc>
-                <a:spcPct val="90000"/>
-              </a:lnSpc>
-              <a:spcBef>
-                <a:spcPts val="1000"/>
-              </a:spcBef>
-              <a:buFont typeface="Arial" panose="020B0604020202020204" pitchFamily="34" charset="0"/>
-              <a:buChar char="•"/>
-              <a:defRPr sz="2800" kern="1200">
-                <a:solidFill>
-                  <a:schemeClr val="tx1"/>
-                </a:solidFill>
-                <a:latin typeface="+mn-lt"/>
-                <a:ea typeface="+mn-ea"/>
-                <a:cs typeface="+mn-cs"/>
-              </a:defRPr>
-            </a:lvl1pPr>
-            <a:lvl2pPr marL="685800" indent="-228600" algn="l" defTabSz="914400" rtl="0" eaLnBrk="1" latinLnBrk="0" hangingPunct="1">
-              <a:lnSpc>
-                <a:spcPct val="90000"/>
-              </a:lnSpc>
-              <a:spcBef>
-                <a:spcPts val="500"/>
-              </a:spcBef>
-              <a:buFont typeface="Arial" panose="020B0604020202020204" pitchFamily="34" charset="0"/>
-              <a:buChar char="•"/>
-              <a:defRPr sz="2400" kern="1200">
-                <a:solidFill>
-                  <a:schemeClr val="tx1"/>
-                </a:solidFill>
-                <a:latin typeface="+mn-lt"/>
-                <a:ea typeface="+mn-ea"/>
-                <a:cs typeface="+mn-cs"/>
-              </a:defRPr>
-            </a:lvl2pPr>
-            <a:lvl3pPr marL="1143000" indent="-228600" algn="l" defTabSz="914400" rtl="0" eaLnBrk="1" latinLnBrk="0" hangingPunct="1">
-              <a:lnSpc>
-                <a:spcPct val="90000"/>
-              </a:lnSpc>
-              <a:spcBef>
-                <a:spcPts val="500"/>
-              </a:spcBef>
-              <a:buFont typeface="Arial" panose="020B0604020202020204" pitchFamily="34" charset="0"/>
-              <a:buChar char="•"/>
-              <a:defRPr sz="2000" kern="1200">
-                <a:solidFill>
-                  <a:schemeClr val="tx1"/>
-                </a:solidFill>
-                <a:latin typeface="+mn-lt"/>
-                <a:ea typeface="+mn-ea"/>
-                <a:cs typeface="+mn-cs"/>
-              </a:defRPr>
-            </a:lvl3pPr>
-            <a:lvl4pPr marL="1600200" indent="-228600" algn="l" defTabSz="914400" rtl="0" eaLnBrk="1" latinLnBrk="0" hangingPunct="1">
-              <a:lnSpc>
-                <a:spcPct val="90000"/>
-              </a:lnSpc>
-              <a:spcBef>
-                <a:spcPts val="500"/>
-              </a:spcBef>
-              <a:buFont typeface="Arial" panose="020B0604020202020204" pitchFamily="34" charset="0"/>
-              <a:buChar char="•"/>
-              <a:defRPr sz="1800" kern="1200">
-                <a:solidFill>
-                  <a:schemeClr val="tx1"/>
-                </a:solidFill>
-                <a:latin typeface="+mn-lt"/>
-                <a:ea typeface="+mn-ea"/>
-                <a:cs typeface="+mn-cs"/>
-              </a:defRPr>
-            </a:lvl4pPr>
-            <a:lvl5pPr marL="2057400" indent="-228600" algn="l" defTabSz="914400" rtl="0" eaLnBrk="1" latinLnBrk="0" hangingPunct="1">
-              <a:lnSpc>
-                <a:spcPct val="90000"/>
-              </a:lnSpc>
-              <a:spcBef>
-                <a:spcPts val="500"/>
-              </a:spcBef>
-              <a:buFont typeface="Arial" panose="020B0604020202020204" pitchFamily="34" charset="0"/>
-              <a:buChar char="•"/>
-              <a:defRPr sz="1800" kern="1200">
-                <a:solidFill>
-                  <a:schemeClr val="tx1"/>
-                </a:solidFill>
-                <a:latin typeface="+mn-lt"/>
-                <a:ea typeface="+mn-ea"/>
-                <a:cs typeface="+mn-cs"/>
-              </a:defRPr>
-            </a:lvl5pPr>
-            <a:lvl6pPr marL="2514600" indent="-228600" algn="l" defTabSz="914400" rtl="0" eaLnBrk="1" latinLnBrk="0" hangingPunct="1">
-              <a:lnSpc>
-                <a:spcPct val="90000"/>
-              </a:lnSpc>
-              <a:spcBef>
-                <a:spcPts val="500"/>
-              </a:spcBef>
-              <a:buFont typeface="Arial" panose="020B0604020202020204" pitchFamily="34" charset="0"/>
-              <a:buChar char="•"/>
-              <a:defRPr sz="1800" kern="1200">
-                <a:solidFill>
-                  <a:schemeClr val="tx1"/>
-                </a:solidFill>
-                <a:latin typeface="+mn-lt"/>
-                <a:ea typeface="+mn-ea"/>
-                <a:cs typeface="+mn-cs"/>
-              </a:defRPr>
-            </a:lvl6pPr>
-            <a:lvl7pPr marL="2971800" indent="-228600" algn="l" defTabSz="914400" rtl="0" eaLnBrk="1" latinLnBrk="0" hangingPunct="1">
-              <a:lnSpc>
-                <a:spcPct val="90000"/>
-              </a:lnSpc>
-              <a:spcBef>
-                <a:spcPts val="500"/>
-              </a:spcBef>
-              <a:buFont typeface="Arial" panose="020B0604020202020204" pitchFamily="34" charset="0"/>
-              <a:buChar char="•"/>
-              <a:defRPr sz="1800" kern="1200">
-                <a:solidFill>
-                  <a:schemeClr val="tx1"/>
-                </a:solidFill>
-                <a:latin typeface="+mn-lt"/>
-                <a:ea typeface="+mn-ea"/>
-                <a:cs typeface="+mn-cs"/>
-              </a:defRPr>
-            </a:lvl7pPr>
-            <a:lvl8pPr marL="3429000" indent="-228600" algn="l" defTabSz="914400" rtl="0" eaLnBrk="1" latinLnBrk="0" hangingPunct="1">
-              <a:lnSpc>
-                <a:spcPct val="90000"/>
-              </a:lnSpc>
-              <a:spcBef>
-                <a:spcPts val="500"/>
-              </a:spcBef>
-              <a:buFont typeface="Arial" panose="020B0604020202020204" pitchFamily="34" charset="0"/>
-              <a:buChar char="•"/>
-              <a:defRPr sz="1800" kern="1200">
-                <a:solidFill>
-                  <a:schemeClr val="tx1"/>
-                </a:solidFill>
-                <a:latin typeface="+mn-lt"/>
-                <a:ea typeface="+mn-ea"/>
-                <a:cs typeface="+mn-cs"/>
-              </a:defRPr>
-            </a:lvl8pPr>
-            <a:lvl9pPr marL="3886200" indent="-228600" algn="l" defTabSz="914400" rtl="0" eaLnBrk="1" latinLnBrk="0" hangingPunct="1">
-              <a:lnSpc>
-                <a:spcPct val="90000"/>
-              </a:lnSpc>
-              <a:spcBef>
-                <a:spcPts val="500"/>
-              </a:spcBef>
-              <a:buFont typeface="Arial" panose="020B0604020202020204" pitchFamily="34" charset="0"/>
-              <a:buChar char="•"/>
-              <a:defRPr sz="1800" kern="1200">
-                <a:solidFill>
-                  <a:schemeClr val="tx1"/>
-                </a:solidFill>
-                <a:latin typeface="+mn-lt"/>
-                <a:ea typeface="+mn-ea"/>
-                <a:cs typeface="+mn-cs"/>
-              </a:defRPr>
-            </a:lvl9pPr>
-          </a:lstStyle>
-          <a:p>
-            <a:r>
-              <a:rPr lang="en-US" dirty="0"/>
-              <a:t>User Signup Process:</a:t>
-            </a:r>
-          </a:p>
-          <a:p>
-            <a:pPr lvl="1"/>
-            <a:r>
-              <a:rPr lang="en-US" dirty="0"/>
-              <a:t>Validate input and create user documents in MongoDB.</a:t>
-            </a:r>
-          </a:p>
-          <a:p>
-            <a:pPr lvl="1"/>
-            <a:r>
-              <a:rPr lang="en-US" dirty="0"/>
-              <a:t>Capture device details for added security.</a:t>
-            </a:r>
-          </a:p>
-          <a:p>
-            <a:pPr marL="0" indent="0">
-              <a:buNone/>
-            </a:pPr>
-            <a:endParaRPr lang="en-US" dirty="0"/>
-          </a:p>
-          <a:p>
-            <a:r>
-              <a:rPr lang="en-US" dirty="0"/>
-              <a:t>User Login Process:</a:t>
-            </a:r>
-          </a:p>
-          <a:p>
-            <a:pPr lvl="1"/>
-            <a:r>
-              <a:rPr lang="en-US" dirty="0"/>
-              <a:t>Validate credentials and generate JWT tokens.</a:t>
-            </a:r>
-          </a:p>
-          <a:p>
-            <a:pPr lvl="1"/>
-            <a:r>
-              <a:rPr lang="en-US" dirty="0"/>
-              <a:t>Use cookies for session management.</a:t>
-            </a:r>
-          </a:p>
-          <a:p>
-            <a:endParaRPr lang="en-US" dirty="0"/>
-          </a:p>
-          <a:p>
-            <a:r>
-              <a:rPr lang="en-US" dirty="0"/>
-              <a:t>Movie Upload:</a:t>
-            </a:r>
-          </a:p>
-          <a:p>
-            <a:pPr lvl="1"/>
-            <a:r>
-              <a:rPr lang="en-US" dirty="0"/>
-              <a:t>Use Multer for file uploads and MongoDB for storing metadata.</a:t>
-            </a:r>
-          </a:p>
-        </p:txBody>
-      </p:sp>
-    </p:spTree>
-    <p:extLst>
-      <p:ext uri="{BB962C8B-B14F-4D97-AF65-F5344CB8AC3E}">
-        <p14:creationId xmlns:p14="http://schemas.microsoft.com/office/powerpoint/2010/main" val="2801626876"/>
-      </p:ext>
-    </p:extLst>
-  </p:cSld>
-  <p:clrMapOvr>
-    <a:masterClrMapping/>
-  </p:clrMapOvr>
-</p:sld>
-</file>
-
-<file path=ppt/slides/slide7.xml><?xml version="1.0" encoding="utf-8"?>
-<p:sld xmlns:a="http://schemas.openxmlformats.org/drawingml/2006/main" xmlns:r="http://schemas.openxmlformats.org/officeDocument/2006/relationships" xmlns:p="http://schemas.openxmlformats.org/presentationml/2006/main">
-  <p:cSld>
-    <p:bg>
-      <p:bgPr>
-        <a:gradFill flip="none" rotWithShape="1">
-          <a:gsLst>
-            <a:gs pos="0">
-              <a:schemeClr val="accent3">
-                <a:lumMod val="5000"/>
-                <a:lumOff val="95000"/>
-              </a:schemeClr>
-            </a:gs>
-            <a:gs pos="74000">
-              <a:schemeClr val="accent3">
-                <a:lumMod val="45000"/>
-                <a:lumOff val="55000"/>
-              </a:schemeClr>
-            </a:gs>
-            <a:gs pos="83000">
-              <a:schemeClr val="accent3">
-                <a:lumMod val="45000"/>
-                <a:lumOff val="55000"/>
-              </a:schemeClr>
-            </a:gs>
-            <a:gs pos="100000">
-              <a:schemeClr val="accent3">
-                <a:lumMod val="30000"/>
-                <a:lumOff val="70000"/>
-              </a:schemeClr>
-            </a:gs>
-          </a:gsLst>
-          <a:lin ang="5400000" scaled="1"/>
-          <a:tileRect/>
-        </a:gradFill>
-        <a:effectLst/>
-      </p:bgPr>
-    </p:bg>
-    <p:spTree>
-      <p:nvGrpSpPr>
-        <p:cNvPr id="1" name="">
-          <a:extLst>
-            <a:ext uri="{FF2B5EF4-FFF2-40B4-BE49-F238E27FC236}">
-              <a16:creationId xmlns:a16="http://schemas.microsoft.com/office/drawing/2014/main" id="{9C716FAF-72CC-3944-4CB2-83E42D438476}"/>
-            </a:ext>
-          </a:extLst>
-        </p:cNvPr>
-        <p:cNvGrpSpPr/>
-        <p:nvPr/>
-      </p:nvGrpSpPr>
-      <p:grpSpPr>
-        <a:xfrm>
-          <a:off x="0" y="0"/>
-          <a:ext cx="0" cy="0"/>
-          <a:chOff x="0" y="0"/>
-          <a:chExt cx="0" cy="0"/>
-        </a:xfrm>
-      </p:grpSpPr>
-      <p:sp>
-        <p:nvSpPr>
-          <p:cNvPr id="2" name="Right Triangle 1">
-            <a:extLst>
-              <a:ext uri="{FF2B5EF4-FFF2-40B4-BE49-F238E27FC236}">
-                <a16:creationId xmlns:a16="http://schemas.microsoft.com/office/drawing/2014/main" id="{53E22B9D-468C-4A7C-69ED-2E0B3C9890CF}"/>
-              </a:ext>
-            </a:extLst>
-          </p:cNvPr>
-          <p:cNvSpPr/>
-          <p:nvPr/>
-        </p:nvSpPr>
-        <p:spPr>
-          <a:xfrm flipH="1">
-            <a:off x="9991724" y="4657725"/>
-            <a:ext cx="2325623" cy="2276475"/>
-          </a:xfrm>
-          <a:prstGeom prst="rtTriangle">
-            <a:avLst/>
-          </a:prstGeom>
-          <a:solidFill>
-            <a:schemeClr val="bg2">
-              <a:lumMod val="75000"/>
-            </a:schemeClr>
-          </a:solidFill>
-          <a:ln>
-            <a:noFill/>
-          </a:ln>
-          <a:effectLst>
-            <a:outerShdw blurRad="177800" dist="152400" dir="13500000" algn="br" rotWithShape="0">
-              <a:prstClr val="black">
-                <a:alpha val="68000"/>
-              </a:prstClr>
-            </a:outerShdw>
-          </a:effectLst>
-        </p:spPr>
-        <p:style>
-          <a:lnRef idx="2">
-            <a:schemeClr val="accent3">
-              <a:shade val="15000"/>
-            </a:schemeClr>
-          </a:lnRef>
-          <a:fillRef idx="1">
-            <a:schemeClr val="accent3"/>
-          </a:fillRef>
-          <a:effectRef idx="0">
-            <a:schemeClr val="accent3"/>
-          </a:effectRef>
-          <a:fontRef idx="minor">
-            <a:schemeClr val="lt1"/>
-          </a:fontRef>
-        </p:style>
-        <p:txBody>
-          <a:bodyPr rtlCol="0" anchor="ctr"/>
-          <a:lstStyle/>
-          <a:p>
-            <a:pPr algn="ctr"/>
-            <a:endParaRPr lang="en-US"/>
-          </a:p>
-        </p:txBody>
-      </p:sp>
-      <p:sp>
-        <p:nvSpPr>
-          <p:cNvPr id="3" name="Right Triangle 2">
-            <a:extLst>
-              <a:ext uri="{FF2B5EF4-FFF2-40B4-BE49-F238E27FC236}">
-                <a16:creationId xmlns:a16="http://schemas.microsoft.com/office/drawing/2014/main" id="{7E66C90D-D220-057D-03F6-D16B5121363F}"/>
-              </a:ext>
-            </a:extLst>
-          </p:cNvPr>
-          <p:cNvSpPr/>
-          <p:nvPr/>
-        </p:nvSpPr>
-        <p:spPr>
-          <a:xfrm flipH="1">
-            <a:off x="10352789" y="4514851"/>
-            <a:ext cx="1943985" cy="2419350"/>
-          </a:xfrm>
-          <a:prstGeom prst="rtTriangle">
-            <a:avLst/>
-          </a:prstGeom>
-          <a:solidFill>
-            <a:schemeClr val="tx1">
-              <a:lumMod val="85000"/>
-              <a:lumOff val="15000"/>
-            </a:schemeClr>
-          </a:solidFill>
-          <a:ln>
-            <a:noFill/>
-          </a:ln>
-          <a:effectLst>
-            <a:outerShdw blurRad="50800" dist="50800" dir="13500000" algn="br" rotWithShape="0">
-              <a:prstClr val="black">
-                <a:alpha val="73000"/>
-              </a:prstClr>
-            </a:outerShdw>
-          </a:effectLst>
-        </p:spPr>
-        <p:style>
-          <a:lnRef idx="2">
-            <a:schemeClr val="accent3">
-              <a:shade val="15000"/>
-            </a:schemeClr>
-          </a:lnRef>
-          <a:fillRef idx="1">
-            <a:schemeClr val="accent3"/>
-          </a:fillRef>
-          <a:effectRef idx="0">
-            <a:schemeClr val="accent3"/>
-          </a:effectRef>
-          <a:fontRef idx="minor">
-            <a:schemeClr val="lt1"/>
-          </a:fontRef>
-        </p:style>
-        <p:txBody>
-          <a:bodyPr rtlCol="0" anchor="ctr"/>
-          <a:lstStyle/>
-          <a:p>
-            <a:pPr algn="ctr"/>
-            <a:endParaRPr lang="en-US"/>
-          </a:p>
-        </p:txBody>
-      </p:sp>
-      <p:sp>
-        <p:nvSpPr>
-          <p:cNvPr id="4" name="Right Triangle 3">
-            <a:extLst>
-              <a:ext uri="{FF2B5EF4-FFF2-40B4-BE49-F238E27FC236}">
-                <a16:creationId xmlns:a16="http://schemas.microsoft.com/office/drawing/2014/main" id="{011E01C9-66F8-FCD9-2D1C-127766B5F4AB}"/>
-              </a:ext>
-            </a:extLst>
-          </p:cNvPr>
-          <p:cNvSpPr/>
-          <p:nvPr/>
-        </p:nvSpPr>
-        <p:spPr>
-          <a:xfrm flipH="1">
-            <a:off x="10352792" y="4962525"/>
-            <a:ext cx="1943982" cy="1971675"/>
-          </a:xfrm>
-          <a:prstGeom prst="rtTriangle">
-            <a:avLst/>
-          </a:prstGeom>
-          <a:solidFill>
-            <a:schemeClr val="bg2">
-              <a:lumMod val="25000"/>
-            </a:schemeClr>
-          </a:solidFill>
-          <a:ln>
-            <a:noFill/>
-          </a:ln>
-          <a:effectLst>
-            <a:outerShdw blurRad="50800" dist="50800" dir="13500000" algn="br" rotWithShape="0">
-              <a:prstClr val="black">
-                <a:alpha val="73000"/>
-              </a:prstClr>
-            </a:outerShdw>
-          </a:effectLst>
-        </p:spPr>
-        <p:style>
-          <a:lnRef idx="2">
-            <a:schemeClr val="accent3">
-              <a:shade val="15000"/>
-            </a:schemeClr>
-          </a:lnRef>
-          <a:fillRef idx="1">
-            <a:schemeClr val="accent3"/>
-          </a:fillRef>
-          <a:effectRef idx="0">
-            <a:schemeClr val="accent3"/>
-          </a:effectRef>
-          <a:fontRef idx="minor">
-            <a:schemeClr val="lt1"/>
-          </a:fontRef>
-        </p:style>
-        <p:txBody>
-          <a:bodyPr rtlCol="0" anchor="ctr"/>
-          <a:lstStyle/>
-          <a:p>
-            <a:pPr algn="ctr"/>
-            <a:endParaRPr lang="en-US"/>
-          </a:p>
-        </p:txBody>
-      </p:sp>
-      <p:sp>
-        <p:nvSpPr>
-          <p:cNvPr id="6" name="Right Triangle 5">
-            <a:extLst>
-              <a:ext uri="{FF2B5EF4-FFF2-40B4-BE49-F238E27FC236}">
-                <a16:creationId xmlns:a16="http://schemas.microsoft.com/office/drawing/2014/main" id="{2BB5EB3C-6306-382D-7FA9-D95C95415EBE}"/>
-              </a:ext>
-            </a:extLst>
-          </p:cNvPr>
-          <p:cNvSpPr/>
-          <p:nvPr/>
-        </p:nvSpPr>
-        <p:spPr>
-          <a:xfrm rot="5400000" flipH="1">
-            <a:off x="-110933" y="5752227"/>
-            <a:ext cx="1146749" cy="1123389"/>
-          </a:xfrm>
-          <a:prstGeom prst="rtTriangle">
-            <a:avLst/>
-          </a:prstGeom>
-          <a:solidFill>
-            <a:schemeClr val="bg2">
-              <a:lumMod val="75000"/>
-            </a:schemeClr>
-          </a:solidFill>
-          <a:ln>
-            <a:noFill/>
-          </a:ln>
-          <a:effectLst>
-            <a:outerShdw blurRad="177800" dist="152400" dir="13500000" algn="br" rotWithShape="0">
-              <a:prstClr val="black">
-                <a:alpha val="68000"/>
-              </a:prstClr>
-            </a:outerShdw>
-          </a:effectLst>
-        </p:spPr>
-        <p:style>
-          <a:lnRef idx="2">
-            <a:schemeClr val="accent3">
-              <a:shade val="15000"/>
-            </a:schemeClr>
-          </a:lnRef>
-          <a:fillRef idx="1">
-            <a:schemeClr val="accent3"/>
-          </a:fillRef>
-          <a:effectRef idx="0">
-            <a:schemeClr val="accent3"/>
-          </a:effectRef>
-          <a:fontRef idx="minor">
-            <a:schemeClr val="lt1"/>
-          </a:fontRef>
-        </p:style>
-        <p:txBody>
-          <a:bodyPr rtlCol="0" anchor="ctr"/>
-          <a:lstStyle/>
-          <a:p>
-            <a:pPr algn="ctr"/>
-            <a:endParaRPr lang="en-US"/>
-          </a:p>
-        </p:txBody>
-      </p:sp>
-      <p:sp>
-        <p:nvSpPr>
-          <p:cNvPr id="7" name="Right Triangle 6">
-            <a:extLst>
-              <a:ext uri="{FF2B5EF4-FFF2-40B4-BE49-F238E27FC236}">
-                <a16:creationId xmlns:a16="http://schemas.microsoft.com/office/drawing/2014/main" id="{A861476A-8011-02A2-156F-A7ED3F9E3BDC}"/>
-              </a:ext>
-            </a:extLst>
-          </p:cNvPr>
-          <p:cNvSpPr/>
-          <p:nvPr/>
-        </p:nvSpPr>
-        <p:spPr>
-          <a:xfrm rot="5400000" flipH="1">
-            <a:off x="135671" y="5851551"/>
-            <a:ext cx="820031" cy="1289877"/>
-          </a:xfrm>
-          <a:prstGeom prst="rtTriangle">
-            <a:avLst/>
-          </a:prstGeom>
-          <a:solidFill>
-            <a:schemeClr val="tx1">
-              <a:lumMod val="85000"/>
-              <a:lumOff val="15000"/>
-            </a:schemeClr>
-          </a:solidFill>
-          <a:ln>
-            <a:noFill/>
-          </a:ln>
-          <a:effectLst>
-            <a:outerShdw blurRad="50800" dist="50800" dir="13500000" algn="br" rotWithShape="0">
-              <a:prstClr val="black">
-                <a:alpha val="73000"/>
-              </a:prstClr>
-            </a:outerShdw>
-          </a:effectLst>
-        </p:spPr>
-        <p:style>
-          <a:lnRef idx="2">
-            <a:schemeClr val="accent3">
-              <a:shade val="15000"/>
-            </a:schemeClr>
-          </a:lnRef>
-          <a:fillRef idx="1">
-            <a:schemeClr val="accent3"/>
-          </a:fillRef>
-          <a:effectRef idx="0">
-            <a:schemeClr val="accent3"/>
-          </a:effectRef>
-          <a:fontRef idx="minor">
-            <a:schemeClr val="lt1"/>
-          </a:fontRef>
-        </p:style>
-        <p:txBody>
-          <a:bodyPr rtlCol="0" anchor="ctr"/>
-          <a:lstStyle/>
-          <a:p>
-            <a:pPr algn="ctr"/>
-            <a:endParaRPr lang="en-US"/>
-          </a:p>
-        </p:txBody>
-      </p:sp>
-      <p:sp>
-        <p:nvSpPr>
-          <p:cNvPr id="8" name="Right Triangle 7">
-            <a:extLst>
-              <a:ext uri="{FF2B5EF4-FFF2-40B4-BE49-F238E27FC236}">
-                <a16:creationId xmlns:a16="http://schemas.microsoft.com/office/drawing/2014/main" id="{1388539C-99A5-1D9F-5798-120905C50E14}"/>
-              </a:ext>
-            </a:extLst>
-          </p:cNvPr>
-          <p:cNvSpPr/>
-          <p:nvPr/>
-        </p:nvSpPr>
-        <p:spPr>
-          <a:xfrm rot="5400000" flipH="1">
-            <a:off x="-92050" y="5940736"/>
-            <a:ext cx="958565" cy="972975"/>
-          </a:xfrm>
-          <a:prstGeom prst="rtTriangle">
-            <a:avLst/>
-          </a:prstGeom>
-          <a:solidFill>
-            <a:schemeClr val="bg2">
-              <a:lumMod val="25000"/>
-            </a:schemeClr>
-          </a:solidFill>
-          <a:ln>
-            <a:noFill/>
-          </a:ln>
-          <a:effectLst>
-            <a:outerShdw blurRad="50800" dist="50800" dir="13500000" algn="br" rotWithShape="0">
-              <a:prstClr val="black">
-                <a:alpha val="73000"/>
-              </a:prstClr>
-            </a:outerShdw>
-          </a:effectLst>
-        </p:spPr>
-        <p:style>
-          <a:lnRef idx="2">
-            <a:schemeClr val="accent3">
-              <a:shade val="15000"/>
-            </a:schemeClr>
-          </a:lnRef>
-          <a:fillRef idx="1">
-            <a:schemeClr val="accent3"/>
-          </a:fillRef>
-          <a:effectRef idx="0">
-            <a:schemeClr val="accent3"/>
-          </a:effectRef>
-          <a:fontRef idx="minor">
-            <a:schemeClr val="lt1"/>
-          </a:fontRef>
-        </p:style>
-        <p:txBody>
-          <a:bodyPr rtlCol="0" anchor="ctr"/>
-          <a:lstStyle/>
-          <a:p>
-            <a:pPr algn="ctr"/>
-            <a:endParaRPr lang="en-US"/>
-          </a:p>
-        </p:txBody>
-      </p:sp>
-      <p:sp>
-        <p:nvSpPr>
-          <p:cNvPr id="9" name="Rectangle: Rounded Corners 8">
-            <a:extLst>
-              <a:ext uri="{FF2B5EF4-FFF2-40B4-BE49-F238E27FC236}">
-                <a16:creationId xmlns:a16="http://schemas.microsoft.com/office/drawing/2014/main" id="{E91234C9-D82A-B6EF-97CA-5E7F607B87FF}"/>
-              </a:ext>
-            </a:extLst>
-          </p:cNvPr>
-          <p:cNvSpPr/>
-          <p:nvPr/>
-        </p:nvSpPr>
-        <p:spPr>
-          <a:xfrm>
-            <a:off x="-99255" y="161926"/>
-            <a:ext cx="3013906" cy="820032"/>
-          </a:xfrm>
-          <a:prstGeom prst="roundRect">
-            <a:avLst/>
-          </a:prstGeom>
-          <a:solidFill>
-            <a:schemeClr val="tx1">
-              <a:lumMod val="85000"/>
-              <a:lumOff val="15000"/>
-            </a:schemeClr>
-          </a:solidFill>
-          <a:ln>
-            <a:noFill/>
-          </a:ln>
-          <a:effectLst>
-            <a:outerShdw blurRad="241300" dist="304800" dir="1800000" sx="98000" sy="98000" algn="tl" rotWithShape="0">
-              <a:prstClr val="black">
-                <a:alpha val="73000"/>
-              </a:prstClr>
-            </a:outerShdw>
-          </a:effectLst>
-        </p:spPr>
-        <p:style>
-          <a:lnRef idx="0">
-            <a:scrgbClr r="0" g="0" b="0"/>
-          </a:lnRef>
-          <a:fillRef idx="0">
-            <a:scrgbClr r="0" g="0" b="0"/>
-          </a:fillRef>
-          <a:effectRef idx="0">
-            <a:scrgbClr r="0" g="0" b="0"/>
-          </a:effectRef>
-          <a:fontRef idx="minor">
-            <a:schemeClr val="lt1"/>
-          </a:fontRef>
-        </p:style>
-        <p:txBody>
-          <a:bodyPr rtlCol="0" anchor="ctr"/>
-          <a:lstStyle/>
-          <a:p>
-            <a:pPr algn="ctr"/>
-            <a:r>
-              <a:rPr lang="en-US" sz="2800" dirty="0"/>
-              <a:t>Challenges Faced</a:t>
-            </a:r>
-            <a:endParaRPr lang="en-US" sz="100" dirty="0">
-              <a:latin typeface="Aptos" panose="020B0004020202020204" pitchFamily="34" charset="0"/>
-            </a:endParaRPr>
-          </a:p>
-        </p:txBody>
-      </p:sp>
-      <p:sp>
-        <p:nvSpPr>
-          <p:cNvPr id="5" name="Content Placeholder 2">
-            <a:extLst>
-              <a:ext uri="{FF2B5EF4-FFF2-40B4-BE49-F238E27FC236}">
-                <a16:creationId xmlns:a16="http://schemas.microsoft.com/office/drawing/2014/main" id="{2AB5EFE6-83D8-B420-2CA7-CBEBD4DE6DE9}"/>
-              </a:ext>
-            </a:extLst>
-          </p:cNvPr>
-          <p:cNvSpPr txBox="1">
-            <a:spLocks/>
-          </p:cNvSpPr>
-          <p:nvPr/>
-        </p:nvSpPr>
-        <p:spPr>
-          <a:xfrm>
-            <a:off x="1581592" y="1421978"/>
-            <a:ext cx="8229600" cy="4525963"/>
+            <a:ext cx="10715182" cy="5512222"/>
           </a:xfrm>
           <a:prstGeom prst="rect">
             <a:avLst/>
@@ -7695,50 +9025,550 @@
             </a:lvl9pPr>
           </a:lstStyle>
           <a:p>
-            <a:r>
-              <a:rPr lang="en-US" dirty="0"/>
-              <a:t>Large File Handling</a:t>
-            </a:r>
-          </a:p>
-          <a:p>
-            <a:pPr lvl="1"/>
-            <a:r>
-              <a:rPr lang="en-US" dirty="0"/>
-              <a:t>Multer was used to handle large uploads efficiently.</a:t>
-            </a:r>
-          </a:p>
-          <a:p>
-            <a:r>
-              <a:rPr lang="en-US" dirty="0"/>
-              <a:t>Secure JWT Management</a:t>
-            </a:r>
-          </a:p>
-          <a:p>
-            <a:pPr lvl="1"/>
-            <a:r>
-              <a:rPr lang="en-US" dirty="0"/>
-              <a:t>Tokens expire after a set period; HTTPS ensures secure transmission.</a:t>
-            </a:r>
-          </a:p>
-          <a:p>
-            <a:r>
-              <a:rPr lang="en-US" dirty="0"/>
-              <a:t>User Data Validation</a:t>
-            </a:r>
-          </a:p>
-          <a:p>
-            <a:pPr lvl="1"/>
-            <a:r>
-              <a:rPr lang="en-US" dirty="0"/>
-              <a:t>Ensuring all input data is valid and secure.</a:t>
-            </a:r>
+            <a:endParaRPr lang="en-US" dirty="0"/>
+          </a:p>
+        </p:txBody>
+      </p:sp>
+      <p:sp>
+        <p:nvSpPr>
+          <p:cNvPr id="20" name="Rectangle 10">
+            <a:extLst>
+              <a:ext uri="{FF2B5EF4-FFF2-40B4-BE49-F238E27FC236}">
+                <a16:creationId xmlns:a16="http://schemas.microsoft.com/office/drawing/2014/main" id="{B6C9B445-790F-B7C6-A22B-99C08E54D87F}"/>
+              </a:ext>
+            </a:extLst>
+          </p:cNvPr>
+          <p:cNvSpPr>
+            <a:spLocks noChangeArrowheads="1"/>
+          </p:cNvSpPr>
+          <p:nvPr/>
+        </p:nvSpPr>
+        <p:spPr bwMode="auto">
+          <a:xfrm>
+            <a:off x="876300" y="839142"/>
+            <a:ext cx="9779766" cy="6001643"/>
+          </a:xfrm>
+          <a:prstGeom prst="rect">
+            <a:avLst/>
+          </a:prstGeom>
+          <a:noFill/>
+          <a:ln>
+            <a:noFill/>
+          </a:ln>
+          <a:effectLst/>
+          <a:extLst>
+            <a:ext uri="{909E8E84-426E-40DD-AFC4-6F175D3DCCD1}">
+              <a14:hiddenFill xmlns:a14="http://schemas.microsoft.com/office/drawing/2010/main">
+                <a:solidFill>
+                  <a:schemeClr val="accent1"/>
+                </a:solidFill>
+              </a14:hiddenFill>
+            </a:ext>
+            <a:ext uri="{91240B29-F687-4F45-9708-019B960494DF}">
+              <a14:hiddenLine xmlns:a14="http://schemas.microsoft.com/office/drawing/2010/main" w="9525">
+                <a:solidFill>
+                  <a:schemeClr val="tx1"/>
+                </a:solidFill>
+                <a:miter lim="800000"/>
+                <a:headEnd/>
+                <a:tailEnd/>
+              </a14:hiddenLine>
+            </a:ext>
+            <a:ext uri="{AF507438-7753-43E0-B8FC-AC1667EBCBE1}">
+              <a14:hiddenEffects xmlns:a14="http://schemas.microsoft.com/office/drawing/2010/main">
+                <a:effectLst>
+                  <a:outerShdw dist="35921" dir="2700000" algn="ctr" rotWithShape="0">
+                    <a:schemeClr val="bg2"/>
+                  </a:outerShdw>
+                </a:effectLst>
+              </a14:hiddenEffects>
+            </a:ext>
+          </a:extLst>
+        </p:spPr>
+        <p:txBody>
+          <a:bodyPr vert="horz" wrap="square" lIns="91440" tIns="45720" rIns="91440" bIns="45720" numCol="1" anchor="ctr" anchorCtr="0" compatLnSpc="1">
+            <a:prstTxWarp prst="textNoShape">
+              <a:avLst/>
+            </a:prstTxWarp>
+            <a:spAutoFit/>
+          </a:bodyPr>
+          <a:lstStyle/>
+          <a:p>
+            <a:pPr marL="0" marR="0" lvl="0" indent="0" algn="l" defTabSz="914400" rtl="0" eaLnBrk="0" fontAlgn="base" latinLnBrk="0" hangingPunct="0">
+              <a:lnSpc>
+                <a:spcPct val="100000"/>
+              </a:lnSpc>
+              <a:spcBef>
+                <a:spcPct val="0"/>
+              </a:spcBef>
+              <a:spcAft>
+                <a:spcPct val="0"/>
+              </a:spcAft>
+              <a:buClrTx/>
+              <a:buSzTx/>
+              <a:buFontTx/>
+              <a:buNone/>
+              <a:tabLst/>
+            </a:pPr>
+            <a:endParaRPr kumimoji="0" lang="en-US" altLang="en-US" sz="1600" b="0" i="0" u="none" strike="noStrike" cap="none" normalizeH="0" baseline="0" dirty="0">
+              <a:ln>
+                <a:noFill/>
+              </a:ln>
+              <a:solidFill>
+                <a:schemeClr val="tx1"/>
+              </a:solidFill>
+              <a:effectLst/>
+              <a:latin typeface="Arial" panose="020B0604020202020204" pitchFamily="34" charset="0"/>
+            </a:endParaRPr>
+          </a:p>
+          <a:p>
+            <a:pPr marL="0" marR="0" lvl="0" indent="0" algn="l" defTabSz="914400" rtl="0" eaLnBrk="0" fontAlgn="base" latinLnBrk="0" hangingPunct="0">
+              <a:lnSpc>
+                <a:spcPct val="100000"/>
+              </a:lnSpc>
+              <a:spcBef>
+                <a:spcPct val="0"/>
+              </a:spcBef>
+              <a:spcAft>
+                <a:spcPct val="0"/>
+              </a:spcAft>
+              <a:buClrTx/>
+              <a:buSzTx/>
+              <a:buFontTx/>
+              <a:buAutoNum type="arabicPeriod"/>
+              <a:tabLst/>
+            </a:pPr>
+            <a:r>
+              <a:rPr kumimoji="0" lang="en-US" altLang="en-US" sz="1600" b="1" i="0" u="none" strike="noStrike" cap="none" normalizeH="0" baseline="0" dirty="0">
+                <a:ln>
+                  <a:noFill/>
+                </a:ln>
+                <a:solidFill>
+                  <a:schemeClr val="tx1"/>
+                </a:solidFill>
+                <a:effectLst/>
+                <a:latin typeface="Arial" panose="020B0604020202020204" pitchFamily="34" charset="0"/>
+              </a:rPr>
+              <a:t>User Signup Process</a:t>
+            </a:r>
+            <a:r>
+              <a:rPr kumimoji="0" lang="en-US" altLang="en-US" sz="1600" b="0" i="0" u="none" strike="noStrike" cap="none" normalizeH="0" baseline="0" dirty="0">
+                <a:ln>
+                  <a:noFill/>
+                </a:ln>
+                <a:solidFill>
+                  <a:schemeClr val="tx1"/>
+                </a:solidFill>
+                <a:effectLst/>
+                <a:latin typeface="Arial" panose="020B0604020202020204" pitchFamily="34" charset="0"/>
+              </a:rPr>
+              <a:t>:</a:t>
+            </a:r>
+            <a:br>
+              <a:rPr kumimoji="0" lang="en-US" altLang="en-US" sz="1600" b="0" i="0" u="none" strike="noStrike" cap="none" normalizeH="0" baseline="0" dirty="0">
+                <a:ln>
+                  <a:noFill/>
+                </a:ln>
+                <a:solidFill>
+                  <a:schemeClr val="tx1"/>
+                </a:solidFill>
+                <a:effectLst/>
+                <a:latin typeface="Arial" panose="020B0604020202020204" pitchFamily="34" charset="0"/>
+              </a:rPr>
+            </a:br>
+            <a:r>
+              <a:rPr kumimoji="0" lang="en-US" altLang="en-US" sz="1600" b="0" i="0" u="none" strike="noStrike" cap="none" normalizeH="0" baseline="0" dirty="0">
+                <a:ln>
+                  <a:noFill/>
+                </a:ln>
+                <a:solidFill>
+                  <a:schemeClr val="tx1"/>
+                </a:solidFill>
+                <a:effectLst/>
+                <a:latin typeface="Arial" panose="020B0604020202020204" pitchFamily="34" charset="0"/>
+              </a:rPr>
+              <a:t>	Users fill out a signup form with personal details. The server checks if the email, username, and phone number are unique before storing the data in MongoDB. Device details like OS and browser information are also captured. Once validated, the user's data is saved, and they are redirected to the login page.</a:t>
+            </a:r>
+          </a:p>
+          <a:p>
+            <a:pPr marL="0" marR="0" lvl="0" indent="0" algn="l" defTabSz="914400" rtl="0" eaLnBrk="0" fontAlgn="base" latinLnBrk="0" hangingPunct="0">
+              <a:lnSpc>
+                <a:spcPct val="100000"/>
+              </a:lnSpc>
+              <a:spcBef>
+                <a:spcPct val="0"/>
+              </a:spcBef>
+              <a:spcAft>
+                <a:spcPct val="0"/>
+              </a:spcAft>
+              <a:buClrTx/>
+              <a:buSzTx/>
+              <a:buFontTx/>
+              <a:buAutoNum type="arabicPeriod" startAt="2"/>
+              <a:tabLst/>
+            </a:pPr>
+            <a:r>
+              <a:rPr kumimoji="0" lang="en-US" altLang="en-US" sz="1600" b="1" i="0" u="none" strike="noStrike" cap="none" normalizeH="0" baseline="0" dirty="0">
+                <a:ln>
+                  <a:noFill/>
+                </a:ln>
+                <a:solidFill>
+                  <a:schemeClr val="tx1"/>
+                </a:solidFill>
+                <a:effectLst/>
+                <a:latin typeface="Arial" panose="020B0604020202020204" pitchFamily="34" charset="0"/>
+              </a:rPr>
+              <a:t>User Login Process (JWT Authentication)</a:t>
+            </a:r>
+            <a:r>
+              <a:rPr kumimoji="0" lang="en-US" altLang="en-US" sz="1600" b="0" i="0" u="none" strike="noStrike" cap="none" normalizeH="0" baseline="0" dirty="0">
+                <a:ln>
+                  <a:noFill/>
+                </a:ln>
+                <a:solidFill>
+                  <a:schemeClr val="tx1"/>
+                </a:solidFill>
+                <a:effectLst/>
+                <a:latin typeface="Arial" panose="020B0604020202020204" pitchFamily="34" charset="0"/>
+              </a:rPr>
+              <a:t>:</a:t>
+            </a:r>
+            <a:br>
+              <a:rPr kumimoji="0" lang="en-US" altLang="en-US" sz="1600" b="0" i="0" u="none" strike="noStrike" cap="none" normalizeH="0" baseline="0" dirty="0">
+                <a:ln>
+                  <a:noFill/>
+                </a:ln>
+                <a:solidFill>
+                  <a:schemeClr val="tx1"/>
+                </a:solidFill>
+                <a:effectLst/>
+                <a:latin typeface="Arial" panose="020B0604020202020204" pitchFamily="34" charset="0"/>
+              </a:rPr>
+            </a:br>
+            <a:r>
+              <a:rPr kumimoji="0" lang="en-US" altLang="en-US" sz="1600" b="0" i="0" u="none" strike="noStrike" cap="none" normalizeH="0" baseline="0" dirty="0">
+                <a:ln>
+                  <a:noFill/>
+                </a:ln>
+                <a:solidFill>
+                  <a:schemeClr val="tx1"/>
+                </a:solidFill>
+                <a:effectLst/>
+                <a:latin typeface="Arial" panose="020B0604020202020204" pitchFamily="34" charset="0"/>
+              </a:rPr>
+              <a:t>	Users log in with their email and password. The server validates credentials and generates a JWT token, which contains the user's email and username. The token expires after 1 hour, and it is stored as a cookie for session management. If the token is expired or not present, users will be logged out.</a:t>
+            </a:r>
+          </a:p>
+          <a:p>
+            <a:pPr marL="0" marR="0" lvl="0" indent="0" algn="l" defTabSz="914400" rtl="0" eaLnBrk="0" fontAlgn="base" latinLnBrk="0" hangingPunct="0">
+              <a:lnSpc>
+                <a:spcPct val="100000"/>
+              </a:lnSpc>
+              <a:spcBef>
+                <a:spcPct val="0"/>
+              </a:spcBef>
+              <a:spcAft>
+                <a:spcPct val="0"/>
+              </a:spcAft>
+              <a:buClrTx/>
+              <a:buSzTx/>
+              <a:buFontTx/>
+              <a:buAutoNum type="arabicPeriod" startAt="3"/>
+              <a:tabLst/>
+            </a:pPr>
+            <a:r>
+              <a:rPr kumimoji="0" lang="en-US" altLang="en-US" sz="1600" b="1" i="0" u="none" strike="noStrike" cap="none" normalizeH="0" baseline="0" dirty="0">
+                <a:ln>
+                  <a:noFill/>
+                </a:ln>
+                <a:solidFill>
+                  <a:schemeClr val="tx1"/>
+                </a:solidFill>
+                <a:effectLst/>
+                <a:latin typeface="Arial" panose="020B0604020202020204" pitchFamily="34" charset="0"/>
+              </a:rPr>
+              <a:t>User Logout Process</a:t>
+            </a:r>
+            <a:r>
+              <a:rPr kumimoji="0" lang="en-US" altLang="en-US" sz="1600" b="0" i="0" u="none" strike="noStrike" cap="none" normalizeH="0" baseline="0" dirty="0">
+                <a:ln>
+                  <a:noFill/>
+                </a:ln>
+                <a:solidFill>
+                  <a:schemeClr val="tx1"/>
+                </a:solidFill>
+                <a:effectLst/>
+                <a:latin typeface="Arial" panose="020B0604020202020204" pitchFamily="34" charset="0"/>
+              </a:rPr>
+              <a:t>:</a:t>
+            </a:r>
+            <a:br>
+              <a:rPr kumimoji="0" lang="en-US" altLang="en-US" sz="1600" b="0" i="0" u="none" strike="noStrike" cap="none" normalizeH="0" baseline="0" dirty="0">
+                <a:ln>
+                  <a:noFill/>
+                </a:ln>
+                <a:solidFill>
+                  <a:schemeClr val="tx1"/>
+                </a:solidFill>
+                <a:effectLst/>
+                <a:latin typeface="Arial" panose="020B0604020202020204" pitchFamily="34" charset="0"/>
+              </a:rPr>
+            </a:br>
+            <a:r>
+              <a:rPr kumimoji="0" lang="en-US" altLang="en-US" sz="1600" b="0" i="0" u="none" strike="noStrike" cap="none" normalizeH="0" baseline="0" dirty="0">
+                <a:ln>
+                  <a:noFill/>
+                </a:ln>
+                <a:solidFill>
+                  <a:schemeClr val="tx1"/>
+                </a:solidFill>
+                <a:effectLst/>
+                <a:latin typeface="Arial" panose="020B0604020202020204" pitchFamily="34" charset="0"/>
+              </a:rPr>
+              <a:t>	Users can log out by visiting their profile page and clicking the logout button. The server clears the login cookies, logging the user out.</a:t>
+            </a:r>
+          </a:p>
+          <a:p>
+            <a:pPr marL="0" marR="0" lvl="0" indent="0" algn="l" defTabSz="914400" rtl="0" eaLnBrk="0" fontAlgn="base" latinLnBrk="0" hangingPunct="0">
+              <a:lnSpc>
+                <a:spcPct val="100000"/>
+              </a:lnSpc>
+              <a:spcBef>
+                <a:spcPct val="0"/>
+              </a:spcBef>
+              <a:spcAft>
+                <a:spcPct val="0"/>
+              </a:spcAft>
+              <a:buClrTx/>
+              <a:buSzTx/>
+              <a:buFontTx/>
+              <a:buAutoNum type="arabicPeriod" startAt="4"/>
+              <a:tabLst/>
+            </a:pPr>
+            <a:r>
+              <a:rPr kumimoji="0" lang="en-US" altLang="en-US" sz="1600" b="1" i="0" u="none" strike="noStrike" cap="none" normalizeH="0" baseline="0" dirty="0">
+                <a:ln>
+                  <a:noFill/>
+                </a:ln>
+                <a:solidFill>
+                  <a:schemeClr val="tx1"/>
+                </a:solidFill>
+                <a:effectLst/>
+                <a:latin typeface="Arial" panose="020B0604020202020204" pitchFamily="34" charset="0"/>
+              </a:rPr>
+              <a:t>User Delete Process</a:t>
+            </a:r>
+            <a:r>
+              <a:rPr kumimoji="0" lang="en-US" altLang="en-US" sz="1600" b="0" i="0" u="none" strike="noStrike" cap="none" normalizeH="0" baseline="0" dirty="0">
+                <a:ln>
+                  <a:noFill/>
+                </a:ln>
+                <a:solidFill>
+                  <a:schemeClr val="tx1"/>
+                </a:solidFill>
+                <a:effectLst/>
+                <a:latin typeface="Arial" panose="020B0604020202020204" pitchFamily="34" charset="0"/>
+              </a:rPr>
+              <a:t>:</a:t>
+            </a:r>
+            <a:br>
+              <a:rPr kumimoji="0" lang="en-US" altLang="en-US" sz="1600" b="0" i="0" u="none" strike="noStrike" cap="none" normalizeH="0" baseline="0" dirty="0">
+                <a:ln>
+                  <a:noFill/>
+                </a:ln>
+                <a:solidFill>
+                  <a:schemeClr val="tx1"/>
+                </a:solidFill>
+                <a:effectLst/>
+                <a:latin typeface="Arial" panose="020B0604020202020204" pitchFamily="34" charset="0"/>
+              </a:rPr>
+            </a:br>
+            <a:r>
+              <a:rPr kumimoji="0" lang="en-US" altLang="en-US" sz="1600" b="0" i="0" u="none" strike="noStrike" cap="none" normalizeH="0" baseline="0" dirty="0">
+                <a:ln>
+                  <a:noFill/>
+                </a:ln>
+                <a:solidFill>
+                  <a:schemeClr val="tx1"/>
+                </a:solidFill>
+                <a:effectLst/>
+                <a:latin typeface="Arial" panose="020B0604020202020204" pitchFamily="34" charset="0"/>
+              </a:rPr>
+              <a:t>	Users can delete their account by filling out a form on their profile page. After verifying the account password, the server marks the account as "deleted" in the database.</a:t>
+            </a:r>
+          </a:p>
+          <a:p>
+            <a:pPr marL="0" marR="0" lvl="0" indent="0" algn="l" defTabSz="914400" rtl="0" eaLnBrk="0" fontAlgn="base" latinLnBrk="0" hangingPunct="0">
+              <a:lnSpc>
+                <a:spcPct val="100000"/>
+              </a:lnSpc>
+              <a:spcBef>
+                <a:spcPct val="0"/>
+              </a:spcBef>
+              <a:spcAft>
+                <a:spcPct val="0"/>
+              </a:spcAft>
+              <a:buClrTx/>
+              <a:buSzTx/>
+              <a:buFontTx/>
+              <a:buAutoNum type="arabicPeriod" startAt="5"/>
+              <a:tabLst/>
+            </a:pPr>
+            <a:r>
+              <a:rPr kumimoji="0" lang="en-US" altLang="en-US" sz="1600" b="1" i="0" u="none" strike="noStrike" cap="none" normalizeH="0" baseline="0" dirty="0">
+                <a:ln>
+                  <a:noFill/>
+                </a:ln>
+                <a:solidFill>
+                  <a:schemeClr val="tx1"/>
+                </a:solidFill>
+                <a:effectLst/>
+                <a:latin typeface="Arial" panose="020B0604020202020204" pitchFamily="34" charset="0"/>
+              </a:rPr>
+              <a:t>User/Profile Update Process</a:t>
+            </a:r>
+            <a:r>
+              <a:rPr kumimoji="0" lang="en-US" altLang="en-US" sz="1600" b="0" i="0" u="none" strike="noStrike" cap="none" normalizeH="0" baseline="0" dirty="0">
+                <a:ln>
+                  <a:noFill/>
+                </a:ln>
+                <a:solidFill>
+                  <a:schemeClr val="tx1"/>
+                </a:solidFill>
+                <a:effectLst/>
+                <a:latin typeface="Arial" panose="020B0604020202020204" pitchFamily="34" charset="0"/>
+              </a:rPr>
+              <a:t>:</a:t>
+            </a:r>
+            <a:br>
+              <a:rPr kumimoji="0" lang="en-US" altLang="en-US" sz="1600" b="0" i="0" u="none" strike="noStrike" cap="none" normalizeH="0" baseline="0" dirty="0">
+                <a:ln>
+                  <a:noFill/>
+                </a:ln>
+                <a:solidFill>
+                  <a:schemeClr val="tx1"/>
+                </a:solidFill>
+                <a:effectLst/>
+                <a:latin typeface="Arial" panose="020B0604020202020204" pitchFamily="34" charset="0"/>
+              </a:rPr>
+            </a:br>
+            <a:r>
+              <a:rPr kumimoji="0" lang="en-US" altLang="en-US" sz="1600" b="0" i="0" u="none" strike="noStrike" cap="none" normalizeH="0" baseline="0" dirty="0">
+                <a:ln>
+                  <a:noFill/>
+                </a:ln>
+                <a:solidFill>
+                  <a:schemeClr val="tx1"/>
+                </a:solidFill>
+                <a:effectLst/>
+                <a:latin typeface="Arial" panose="020B0604020202020204" pitchFamily="34" charset="0"/>
+              </a:rPr>
+              <a:t>	Users can update their profile details via the "manage account" page. The server updates the user’s details (like email, phone number, and profile picture) based on the submitted form data.</a:t>
+            </a:r>
+          </a:p>
+          <a:p>
+            <a:pPr marL="0" marR="0" lvl="0" indent="0" algn="l" defTabSz="914400" rtl="0" eaLnBrk="0" fontAlgn="base" latinLnBrk="0" hangingPunct="0">
+              <a:lnSpc>
+                <a:spcPct val="100000"/>
+              </a:lnSpc>
+              <a:spcBef>
+                <a:spcPct val="0"/>
+              </a:spcBef>
+              <a:spcAft>
+                <a:spcPct val="0"/>
+              </a:spcAft>
+              <a:buClrTx/>
+              <a:buSzTx/>
+              <a:buFontTx/>
+              <a:buAutoNum type="arabicPeriod" startAt="6"/>
+              <a:tabLst/>
+            </a:pPr>
+            <a:r>
+              <a:rPr kumimoji="0" lang="en-US" altLang="en-US" sz="1600" b="1" i="0" u="none" strike="noStrike" cap="none" normalizeH="0" baseline="0" dirty="0">
+                <a:ln>
+                  <a:noFill/>
+                </a:ln>
+                <a:solidFill>
+                  <a:schemeClr val="tx1"/>
+                </a:solidFill>
+                <a:effectLst/>
+                <a:latin typeface="Arial" panose="020B0604020202020204" pitchFamily="34" charset="0"/>
+              </a:rPr>
+              <a:t>Movie Upload Process</a:t>
+            </a:r>
+            <a:r>
+              <a:rPr kumimoji="0" lang="en-US" altLang="en-US" sz="1600" b="0" i="0" u="none" strike="noStrike" cap="none" normalizeH="0" baseline="0" dirty="0">
+                <a:ln>
+                  <a:noFill/>
+                </a:ln>
+                <a:solidFill>
+                  <a:schemeClr val="tx1"/>
+                </a:solidFill>
+                <a:effectLst/>
+                <a:latin typeface="Arial" panose="020B0604020202020204" pitchFamily="34" charset="0"/>
+              </a:rPr>
+              <a:t>:</a:t>
+            </a:r>
+            <a:br>
+              <a:rPr kumimoji="0" lang="en-US" altLang="en-US" sz="1600" b="0" i="0" u="none" strike="noStrike" cap="none" normalizeH="0" baseline="0" dirty="0">
+                <a:ln>
+                  <a:noFill/>
+                </a:ln>
+                <a:solidFill>
+                  <a:schemeClr val="tx1"/>
+                </a:solidFill>
+                <a:effectLst/>
+                <a:latin typeface="Arial" panose="020B0604020202020204" pitchFamily="34" charset="0"/>
+              </a:rPr>
+            </a:br>
+            <a:r>
+              <a:rPr kumimoji="0" lang="en-US" altLang="en-US" sz="1600" b="0" i="0" u="none" strike="noStrike" cap="none" normalizeH="0" baseline="0" dirty="0">
+                <a:ln>
+                  <a:noFill/>
+                </a:ln>
+                <a:solidFill>
+                  <a:schemeClr val="tx1"/>
+                </a:solidFill>
+                <a:effectLst/>
+                <a:latin typeface="Arial" panose="020B0604020202020204" pitchFamily="34" charset="0"/>
+              </a:rPr>
+              <a:t>	Users upload movie details and files (movie and poster) via a form. The server stores movie data in MongoDB and uploads the files using Multer. The movie metadata and file paths are saved, and the user receives a success message upon completion.</a:t>
+            </a:r>
+          </a:p>
+          <a:p>
+            <a:pPr marL="0" marR="0" lvl="0" indent="0" algn="l" defTabSz="914400" rtl="0" eaLnBrk="0" fontAlgn="base" latinLnBrk="0" hangingPunct="0">
+              <a:lnSpc>
+                <a:spcPct val="100000"/>
+              </a:lnSpc>
+              <a:spcBef>
+                <a:spcPct val="0"/>
+              </a:spcBef>
+              <a:spcAft>
+                <a:spcPct val="0"/>
+              </a:spcAft>
+              <a:buClrTx/>
+              <a:buSzTx/>
+              <a:buFontTx/>
+              <a:buNone/>
+              <a:tabLst/>
+            </a:pPr>
+            <a:endParaRPr kumimoji="0" lang="en-US" altLang="en-US" sz="1600" b="0" i="0" u="none" strike="noStrike" cap="none" normalizeH="0" baseline="0" dirty="0">
+              <a:ln>
+                <a:noFill/>
+              </a:ln>
+              <a:solidFill>
+                <a:schemeClr val="tx1"/>
+              </a:solidFill>
+              <a:effectLst/>
+              <a:latin typeface="Arial" panose="020B0604020202020204" pitchFamily="34" charset="0"/>
+            </a:endParaRPr>
           </a:p>
         </p:txBody>
       </p:sp>
     </p:spTree>
     <p:extLst>
       <p:ext uri="{BB962C8B-B14F-4D97-AF65-F5344CB8AC3E}">
-        <p14:creationId xmlns:p14="http://schemas.microsoft.com/office/powerpoint/2010/main" val="3103906439"/>
+        <p14:creationId xmlns:p14="http://schemas.microsoft.com/office/powerpoint/2010/main" val="2801626876"/>
       </p:ext>
     </p:extLst>
   </p:cSld>
@@ -7748,7 +9578,7 @@
 </p:sld>
 </file>
 
-<file path=ppt/slides/slide8.xml><?xml version="1.0" encoding="utf-8"?>
+<file path=ppt/slides/slide7.xml><?xml version="1.0" encoding="utf-8"?>
 <p:sld xmlns:a="http://schemas.openxmlformats.org/drawingml/2006/main" xmlns:r="http://schemas.openxmlformats.org/officeDocument/2006/relationships" xmlns:p="http://schemas.openxmlformats.org/presentationml/2006/main">
   <p:cSld>
     <p:bg>
@@ -7791,7 +9621,7 @@
         <p:cNvPr id="1" name="">
           <a:extLst>
             <a:ext uri="{FF2B5EF4-FFF2-40B4-BE49-F238E27FC236}">
-              <a16:creationId xmlns:a16="http://schemas.microsoft.com/office/drawing/2014/main" id="{20CBBE9F-6D61-D651-E2F5-266CD50F8FD4}"/>
+              <a16:creationId xmlns:a16="http://schemas.microsoft.com/office/drawing/2014/main" id="{9C716FAF-72CC-3944-4CB2-83E42D438476}"/>
             </a:ext>
           </a:extLst>
         </p:cNvPr>
@@ -7811,7 +9641,7 @@
           <p:cNvPr id="2" name="Right Triangle 1">
             <a:extLst>
               <a:ext uri="{FF2B5EF4-FFF2-40B4-BE49-F238E27FC236}">
-                <a16:creationId xmlns:a16="http://schemas.microsoft.com/office/drawing/2014/main" id="{88926C8B-B94D-5452-7FFB-589028B95FC7}"/>
+                <a16:creationId xmlns:a16="http://schemas.microsoft.com/office/drawing/2014/main" id="{53E22B9D-468C-4A7C-69ED-2E0B3C9890CF}"/>
               </a:ext>
             </a:extLst>
           </p:cNvPr>
@@ -7872,7 +9702,7 @@
           <p:cNvPr id="3" name="Right Triangle 2">
             <a:extLst>
               <a:ext uri="{FF2B5EF4-FFF2-40B4-BE49-F238E27FC236}">
-                <a16:creationId xmlns:a16="http://schemas.microsoft.com/office/drawing/2014/main" id="{207370F5-2747-1F2C-D9FA-B46998D0FAC9}"/>
+                <a16:creationId xmlns:a16="http://schemas.microsoft.com/office/drawing/2014/main" id="{7E66C90D-D220-057D-03F6-D16B5121363F}"/>
               </a:ext>
             </a:extLst>
           </p:cNvPr>
@@ -7934,7 +9764,7 @@
           <p:cNvPr id="4" name="Right Triangle 3">
             <a:extLst>
               <a:ext uri="{FF2B5EF4-FFF2-40B4-BE49-F238E27FC236}">
-                <a16:creationId xmlns:a16="http://schemas.microsoft.com/office/drawing/2014/main" id="{D5458E8B-55F9-84C8-F0BD-D80E2228DC20}"/>
+                <a16:creationId xmlns:a16="http://schemas.microsoft.com/office/drawing/2014/main" id="{011E01C9-66F8-FCD9-2D1C-127766B5F4AB}"/>
               </a:ext>
             </a:extLst>
           </p:cNvPr>
@@ -7995,7 +9825,7 @@
           <p:cNvPr id="6" name="Right Triangle 5">
             <a:extLst>
               <a:ext uri="{FF2B5EF4-FFF2-40B4-BE49-F238E27FC236}">
-                <a16:creationId xmlns:a16="http://schemas.microsoft.com/office/drawing/2014/main" id="{83F8DDE1-874B-EBFA-BC48-C923CE9E6E4D}"/>
+                <a16:creationId xmlns:a16="http://schemas.microsoft.com/office/drawing/2014/main" id="{2BB5EB3C-6306-382D-7FA9-D95C95415EBE}"/>
               </a:ext>
             </a:extLst>
           </p:cNvPr>
@@ -8056,7 +9886,7 @@
           <p:cNvPr id="7" name="Right Triangle 6">
             <a:extLst>
               <a:ext uri="{FF2B5EF4-FFF2-40B4-BE49-F238E27FC236}">
-                <a16:creationId xmlns:a16="http://schemas.microsoft.com/office/drawing/2014/main" id="{C6D4CD3A-11BF-763B-326B-069255E9A523}"/>
+                <a16:creationId xmlns:a16="http://schemas.microsoft.com/office/drawing/2014/main" id="{A861476A-8011-02A2-156F-A7ED3F9E3BDC}"/>
               </a:ext>
             </a:extLst>
           </p:cNvPr>
@@ -8118,7 +9948,7 @@
           <p:cNvPr id="8" name="Right Triangle 7">
             <a:extLst>
               <a:ext uri="{FF2B5EF4-FFF2-40B4-BE49-F238E27FC236}">
-                <a16:creationId xmlns:a16="http://schemas.microsoft.com/office/drawing/2014/main" id="{434D92B3-9778-09A9-4511-4B2A14FEC652}"/>
+                <a16:creationId xmlns:a16="http://schemas.microsoft.com/office/drawing/2014/main" id="{1388539C-99A5-1D9F-5798-120905C50E14}"/>
               </a:ext>
             </a:extLst>
           </p:cNvPr>
@@ -8179,7 +10009,7 @@
           <p:cNvPr id="9" name="Rectangle: Rounded Corners 8">
             <a:extLst>
               <a:ext uri="{FF2B5EF4-FFF2-40B4-BE49-F238E27FC236}">
-                <a16:creationId xmlns:a16="http://schemas.microsoft.com/office/drawing/2014/main" id="{ABC5CD53-614B-66C3-CAEF-602E8F9FAAB2}"/>
+                <a16:creationId xmlns:a16="http://schemas.microsoft.com/office/drawing/2014/main" id="{E91234C9-D82A-B6EF-97CA-5E7F607B87FF}"/>
               </a:ext>
             </a:extLst>
           </p:cNvPr>
@@ -8189,7 +10019,7 @@
         <p:spPr>
           <a:xfrm>
             <a:off x="-99255" y="161926"/>
-            <a:ext cx="3356806" cy="820032"/>
+            <a:ext cx="3013906" cy="820032"/>
           </a:xfrm>
           <a:prstGeom prst="roundRect">
             <a:avLst/>
@@ -8232,9 +10062,9 @@
             <a:pPr algn="ctr"/>
             <a:r>
               <a:rPr lang="en-US" sz="2800" dirty="0"/>
-              <a:t>Tools and Libraries</a:t>
-            </a:r>
-            <a:endParaRPr lang="en-US" sz="200" dirty="0">
+              <a:t>Challenges Faced</a:t>
+            </a:r>
+            <a:endParaRPr lang="en-US" sz="100" dirty="0">
               <a:latin typeface="Aptos" panose="020B0004020202020204" pitchFamily="34" charset="0"/>
             </a:endParaRPr>
           </a:p>
@@ -8245,7 +10075,7 @@
           <p:cNvPr id="5" name="Content Placeholder 2">
             <a:extLst>
               <a:ext uri="{FF2B5EF4-FFF2-40B4-BE49-F238E27FC236}">
-                <a16:creationId xmlns:a16="http://schemas.microsoft.com/office/drawing/2014/main" id="{F7FFE7CB-AE6A-6631-AA72-CB58DFA87CE9}"/>
+                <a16:creationId xmlns:a16="http://schemas.microsoft.com/office/drawing/2014/main" id="{2AB5EFE6-83D8-B420-2CA7-CBEBD4DE6DE9}"/>
               </a:ext>
             </a:extLst>
           </p:cNvPr>
@@ -8432,38 +10262,745 @@
             </a:lvl9pPr>
           </a:lstStyle>
           <a:p>
-            <a:r>
-              <a:rPr lang="en-US" dirty="0"/>
+            <a:pPr marL="0" indent="0">
+              <a:buNone/>
+            </a:pPr>
+            <a:r>
+              <a:rPr lang="en-US" sz="2000" dirty="0"/>
+              <a:t>	Uploading large movie files posed a challenge. Multer was used to handle multipart uploads, and file size limits were enforced to prevent excessive storage use. Managing JWT tokens securely is crucial for preventing unauthorized access. Tokens expire after a certain period, requiring users to log in again. We implemented a secure token storage mechanism via cookies and used HTTPS to protect sensitive data. Ensuring that user input (e.g., email, password) is valid required thorough input validation to prevent invalid data from being entered into the system.</a:t>
+            </a:r>
+          </a:p>
+        </p:txBody>
+      </p:sp>
+    </p:spTree>
+    <p:extLst>
+      <p:ext uri="{BB962C8B-B14F-4D97-AF65-F5344CB8AC3E}">
+        <p14:creationId xmlns:p14="http://schemas.microsoft.com/office/powerpoint/2010/main" val="3103906439"/>
+      </p:ext>
+    </p:extLst>
+  </p:cSld>
+  <p:clrMapOvr>
+    <a:masterClrMapping/>
+  </p:clrMapOvr>
+</p:sld>
+</file>
+
+<file path=ppt/slides/slide8.xml><?xml version="1.0" encoding="utf-8"?>
+<p:sld xmlns:a="http://schemas.openxmlformats.org/drawingml/2006/main" xmlns:r="http://schemas.openxmlformats.org/officeDocument/2006/relationships" xmlns:p="http://schemas.openxmlformats.org/presentationml/2006/main">
+  <p:cSld>
+    <p:bg>
+      <p:bgPr>
+        <a:gradFill flip="none" rotWithShape="1">
+          <a:gsLst>
+            <a:gs pos="0">
+              <a:schemeClr val="accent3">
+                <a:lumMod val="5000"/>
+                <a:lumOff val="95000"/>
+              </a:schemeClr>
+            </a:gs>
+            <a:gs pos="74000">
+              <a:schemeClr val="accent3">
+                <a:lumMod val="45000"/>
+                <a:lumOff val="55000"/>
+              </a:schemeClr>
+            </a:gs>
+            <a:gs pos="83000">
+              <a:schemeClr val="accent3">
+                <a:lumMod val="45000"/>
+                <a:lumOff val="55000"/>
+              </a:schemeClr>
+            </a:gs>
+            <a:gs pos="100000">
+              <a:schemeClr val="accent3">
+                <a:lumMod val="30000"/>
+                <a:lumOff val="70000"/>
+              </a:schemeClr>
+            </a:gs>
+          </a:gsLst>
+          <a:lin ang="5400000" scaled="1"/>
+          <a:tileRect/>
+        </a:gradFill>
+        <a:effectLst/>
+      </p:bgPr>
+    </p:bg>
+    <p:spTree>
+      <p:nvGrpSpPr>
+        <p:cNvPr id="1" name="">
+          <a:extLst>
+            <a:ext uri="{FF2B5EF4-FFF2-40B4-BE49-F238E27FC236}">
+              <a16:creationId xmlns:a16="http://schemas.microsoft.com/office/drawing/2014/main" id="{20CBBE9F-6D61-D651-E2F5-266CD50F8FD4}"/>
+            </a:ext>
+          </a:extLst>
+        </p:cNvPr>
+        <p:cNvGrpSpPr/>
+        <p:nvPr/>
+      </p:nvGrpSpPr>
+      <p:grpSpPr>
+        <a:xfrm>
+          <a:off x="0" y="0"/>
+          <a:ext cx="0" cy="0"/>
+          <a:chOff x="0" y="0"/>
+          <a:chExt cx="0" cy="0"/>
+        </a:xfrm>
+      </p:grpSpPr>
+      <p:sp>
+        <p:nvSpPr>
+          <p:cNvPr id="2" name="Right Triangle 1">
+            <a:extLst>
+              <a:ext uri="{FF2B5EF4-FFF2-40B4-BE49-F238E27FC236}">
+                <a16:creationId xmlns:a16="http://schemas.microsoft.com/office/drawing/2014/main" id="{88926C8B-B94D-5452-7FFB-589028B95FC7}"/>
+              </a:ext>
+            </a:extLst>
+          </p:cNvPr>
+          <p:cNvSpPr/>
+          <p:nvPr/>
+        </p:nvSpPr>
+        <p:spPr>
+          <a:xfrm flipH="1">
+            <a:off x="9991724" y="4657725"/>
+            <a:ext cx="2325623" cy="2276475"/>
+          </a:xfrm>
+          <a:prstGeom prst="rtTriangle">
+            <a:avLst/>
+          </a:prstGeom>
+          <a:solidFill>
+            <a:schemeClr val="bg2">
+              <a:lumMod val="75000"/>
+            </a:schemeClr>
+          </a:solidFill>
+          <a:ln>
+            <a:noFill/>
+          </a:ln>
+          <a:effectLst>
+            <a:outerShdw blurRad="177800" dist="152400" dir="13500000" algn="br" rotWithShape="0">
+              <a:prstClr val="black">
+                <a:alpha val="68000"/>
+              </a:prstClr>
+            </a:outerShdw>
+          </a:effectLst>
+        </p:spPr>
+        <p:style>
+          <a:lnRef idx="2">
+            <a:schemeClr val="accent3">
+              <a:shade val="15000"/>
+            </a:schemeClr>
+          </a:lnRef>
+          <a:fillRef idx="1">
+            <a:schemeClr val="accent3"/>
+          </a:fillRef>
+          <a:effectRef idx="0">
+            <a:schemeClr val="accent3"/>
+          </a:effectRef>
+          <a:fontRef idx="minor">
+            <a:schemeClr val="lt1"/>
+          </a:fontRef>
+        </p:style>
+        <p:txBody>
+          <a:bodyPr rtlCol="0" anchor="ctr"/>
+          <a:lstStyle/>
+          <a:p>
+            <a:pPr algn="ctr"/>
+            <a:endParaRPr lang="en-US"/>
+          </a:p>
+        </p:txBody>
+      </p:sp>
+      <p:sp>
+        <p:nvSpPr>
+          <p:cNvPr id="3" name="Right Triangle 2">
+            <a:extLst>
+              <a:ext uri="{FF2B5EF4-FFF2-40B4-BE49-F238E27FC236}">
+                <a16:creationId xmlns:a16="http://schemas.microsoft.com/office/drawing/2014/main" id="{207370F5-2747-1F2C-D9FA-B46998D0FAC9}"/>
+              </a:ext>
+            </a:extLst>
+          </p:cNvPr>
+          <p:cNvSpPr/>
+          <p:nvPr/>
+        </p:nvSpPr>
+        <p:spPr>
+          <a:xfrm flipH="1">
+            <a:off x="10352789" y="4514851"/>
+            <a:ext cx="1943985" cy="2419350"/>
+          </a:xfrm>
+          <a:prstGeom prst="rtTriangle">
+            <a:avLst/>
+          </a:prstGeom>
+          <a:solidFill>
+            <a:schemeClr val="tx1">
+              <a:lumMod val="85000"/>
+              <a:lumOff val="15000"/>
+            </a:schemeClr>
+          </a:solidFill>
+          <a:ln>
+            <a:noFill/>
+          </a:ln>
+          <a:effectLst>
+            <a:outerShdw blurRad="50800" dist="50800" dir="13500000" algn="br" rotWithShape="0">
+              <a:prstClr val="black">
+                <a:alpha val="73000"/>
+              </a:prstClr>
+            </a:outerShdw>
+          </a:effectLst>
+        </p:spPr>
+        <p:style>
+          <a:lnRef idx="2">
+            <a:schemeClr val="accent3">
+              <a:shade val="15000"/>
+            </a:schemeClr>
+          </a:lnRef>
+          <a:fillRef idx="1">
+            <a:schemeClr val="accent3"/>
+          </a:fillRef>
+          <a:effectRef idx="0">
+            <a:schemeClr val="accent3"/>
+          </a:effectRef>
+          <a:fontRef idx="minor">
+            <a:schemeClr val="lt1"/>
+          </a:fontRef>
+        </p:style>
+        <p:txBody>
+          <a:bodyPr rtlCol="0" anchor="ctr"/>
+          <a:lstStyle/>
+          <a:p>
+            <a:pPr algn="ctr"/>
+            <a:endParaRPr lang="en-US"/>
+          </a:p>
+        </p:txBody>
+      </p:sp>
+      <p:sp>
+        <p:nvSpPr>
+          <p:cNvPr id="4" name="Right Triangle 3">
+            <a:extLst>
+              <a:ext uri="{FF2B5EF4-FFF2-40B4-BE49-F238E27FC236}">
+                <a16:creationId xmlns:a16="http://schemas.microsoft.com/office/drawing/2014/main" id="{D5458E8B-55F9-84C8-F0BD-D80E2228DC20}"/>
+              </a:ext>
+            </a:extLst>
+          </p:cNvPr>
+          <p:cNvSpPr/>
+          <p:nvPr/>
+        </p:nvSpPr>
+        <p:spPr>
+          <a:xfrm flipH="1">
+            <a:off x="10352792" y="4962525"/>
+            <a:ext cx="1943982" cy="1971675"/>
+          </a:xfrm>
+          <a:prstGeom prst="rtTriangle">
+            <a:avLst/>
+          </a:prstGeom>
+          <a:solidFill>
+            <a:schemeClr val="bg2">
+              <a:lumMod val="25000"/>
+            </a:schemeClr>
+          </a:solidFill>
+          <a:ln>
+            <a:noFill/>
+          </a:ln>
+          <a:effectLst>
+            <a:outerShdw blurRad="50800" dist="50800" dir="13500000" algn="br" rotWithShape="0">
+              <a:prstClr val="black">
+                <a:alpha val="73000"/>
+              </a:prstClr>
+            </a:outerShdw>
+          </a:effectLst>
+        </p:spPr>
+        <p:style>
+          <a:lnRef idx="2">
+            <a:schemeClr val="accent3">
+              <a:shade val="15000"/>
+            </a:schemeClr>
+          </a:lnRef>
+          <a:fillRef idx="1">
+            <a:schemeClr val="accent3"/>
+          </a:fillRef>
+          <a:effectRef idx="0">
+            <a:schemeClr val="accent3"/>
+          </a:effectRef>
+          <a:fontRef idx="minor">
+            <a:schemeClr val="lt1"/>
+          </a:fontRef>
+        </p:style>
+        <p:txBody>
+          <a:bodyPr rtlCol="0" anchor="ctr"/>
+          <a:lstStyle/>
+          <a:p>
+            <a:pPr algn="ctr"/>
+            <a:endParaRPr lang="en-US"/>
+          </a:p>
+        </p:txBody>
+      </p:sp>
+      <p:sp>
+        <p:nvSpPr>
+          <p:cNvPr id="6" name="Right Triangle 5">
+            <a:extLst>
+              <a:ext uri="{FF2B5EF4-FFF2-40B4-BE49-F238E27FC236}">
+                <a16:creationId xmlns:a16="http://schemas.microsoft.com/office/drawing/2014/main" id="{83F8DDE1-874B-EBFA-BC48-C923CE9E6E4D}"/>
+              </a:ext>
+            </a:extLst>
+          </p:cNvPr>
+          <p:cNvSpPr/>
+          <p:nvPr/>
+        </p:nvSpPr>
+        <p:spPr>
+          <a:xfrm rot="5400000" flipH="1">
+            <a:off x="-110933" y="5752227"/>
+            <a:ext cx="1146749" cy="1123389"/>
+          </a:xfrm>
+          <a:prstGeom prst="rtTriangle">
+            <a:avLst/>
+          </a:prstGeom>
+          <a:solidFill>
+            <a:schemeClr val="bg2">
+              <a:lumMod val="75000"/>
+            </a:schemeClr>
+          </a:solidFill>
+          <a:ln>
+            <a:noFill/>
+          </a:ln>
+          <a:effectLst>
+            <a:outerShdw blurRad="177800" dist="152400" dir="13500000" algn="br" rotWithShape="0">
+              <a:prstClr val="black">
+                <a:alpha val="68000"/>
+              </a:prstClr>
+            </a:outerShdw>
+          </a:effectLst>
+        </p:spPr>
+        <p:style>
+          <a:lnRef idx="2">
+            <a:schemeClr val="accent3">
+              <a:shade val="15000"/>
+            </a:schemeClr>
+          </a:lnRef>
+          <a:fillRef idx="1">
+            <a:schemeClr val="accent3"/>
+          </a:fillRef>
+          <a:effectRef idx="0">
+            <a:schemeClr val="accent3"/>
+          </a:effectRef>
+          <a:fontRef idx="minor">
+            <a:schemeClr val="lt1"/>
+          </a:fontRef>
+        </p:style>
+        <p:txBody>
+          <a:bodyPr rtlCol="0" anchor="ctr"/>
+          <a:lstStyle/>
+          <a:p>
+            <a:pPr algn="ctr"/>
+            <a:endParaRPr lang="en-US"/>
+          </a:p>
+        </p:txBody>
+      </p:sp>
+      <p:sp>
+        <p:nvSpPr>
+          <p:cNvPr id="7" name="Right Triangle 6">
+            <a:extLst>
+              <a:ext uri="{FF2B5EF4-FFF2-40B4-BE49-F238E27FC236}">
+                <a16:creationId xmlns:a16="http://schemas.microsoft.com/office/drawing/2014/main" id="{C6D4CD3A-11BF-763B-326B-069255E9A523}"/>
+              </a:ext>
+            </a:extLst>
+          </p:cNvPr>
+          <p:cNvSpPr/>
+          <p:nvPr/>
+        </p:nvSpPr>
+        <p:spPr>
+          <a:xfrm rot="5400000" flipH="1">
+            <a:off x="135671" y="5851551"/>
+            <a:ext cx="820031" cy="1289877"/>
+          </a:xfrm>
+          <a:prstGeom prst="rtTriangle">
+            <a:avLst/>
+          </a:prstGeom>
+          <a:solidFill>
+            <a:schemeClr val="tx1">
+              <a:lumMod val="85000"/>
+              <a:lumOff val="15000"/>
+            </a:schemeClr>
+          </a:solidFill>
+          <a:ln>
+            <a:noFill/>
+          </a:ln>
+          <a:effectLst>
+            <a:outerShdw blurRad="50800" dist="50800" dir="13500000" algn="br" rotWithShape="0">
+              <a:prstClr val="black">
+                <a:alpha val="73000"/>
+              </a:prstClr>
+            </a:outerShdw>
+          </a:effectLst>
+        </p:spPr>
+        <p:style>
+          <a:lnRef idx="2">
+            <a:schemeClr val="accent3">
+              <a:shade val="15000"/>
+            </a:schemeClr>
+          </a:lnRef>
+          <a:fillRef idx="1">
+            <a:schemeClr val="accent3"/>
+          </a:fillRef>
+          <a:effectRef idx="0">
+            <a:schemeClr val="accent3"/>
+          </a:effectRef>
+          <a:fontRef idx="minor">
+            <a:schemeClr val="lt1"/>
+          </a:fontRef>
+        </p:style>
+        <p:txBody>
+          <a:bodyPr rtlCol="0" anchor="ctr"/>
+          <a:lstStyle/>
+          <a:p>
+            <a:pPr algn="ctr"/>
+            <a:endParaRPr lang="en-US"/>
+          </a:p>
+        </p:txBody>
+      </p:sp>
+      <p:sp>
+        <p:nvSpPr>
+          <p:cNvPr id="8" name="Right Triangle 7">
+            <a:extLst>
+              <a:ext uri="{FF2B5EF4-FFF2-40B4-BE49-F238E27FC236}">
+                <a16:creationId xmlns:a16="http://schemas.microsoft.com/office/drawing/2014/main" id="{434D92B3-9778-09A9-4511-4B2A14FEC652}"/>
+              </a:ext>
+            </a:extLst>
+          </p:cNvPr>
+          <p:cNvSpPr/>
+          <p:nvPr/>
+        </p:nvSpPr>
+        <p:spPr>
+          <a:xfrm rot="5400000" flipH="1">
+            <a:off x="-92050" y="5940736"/>
+            <a:ext cx="958565" cy="972975"/>
+          </a:xfrm>
+          <a:prstGeom prst="rtTriangle">
+            <a:avLst/>
+          </a:prstGeom>
+          <a:solidFill>
+            <a:schemeClr val="bg2">
+              <a:lumMod val="25000"/>
+            </a:schemeClr>
+          </a:solidFill>
+          <a:ln>
+            <a:noFill/>
+          </a:ln>
+          <a:effectLst>
+            <a:outerShdw blurRad="50800" dist="50800" dir="13500000" algn="br" rotWithShape="0">
+              <a:prstClr val="black">
+                <a:alpha val="73000"/>
+              </a:prstClr>
+            </a:outerShdw>
+          </a:effectLst>
+        </p:spPr>
+        <p:style>
+          <a:lnRef idx="2">
+            <a:schemeClr val="accent3">
+              <a:shade val="15000"/>
+            </a:schemeClr>
+          </a:lnRef>
+          <a:fillRef idx="1">
+            <a:schemeClr val="accent3"/>
+          </a:fillRef>
+          <a:effectRef idx="0">
+            <a:schemeClr val="accent3"/>
+          </a:effectRef>
+          <a:fontRef idx="minor">
+            <a:schemeClr val="lt1"/>
+          </a:fontRef>
+        </p:style>
+        <p:txBody>
+          <a:bodyPr rtlCol="0" anchor="ctr"/>
+          <a:lstStyle/>
+          <a:p>
+            <a:pPr algn="ctr"/>
+            <a:endParaRPr lang="en-US"/>
+          </a:p>
+        </p:txBody>
+      </p:sp>
+      <p:sp>
+        <p:nvSpPr>
+          <p:cNvPr id="9" name="Rectangle: Rounded Corners 8">
+            <a:extLst>
+              <a:ext uri="{FF2B5EF4-FFF2-40B4-BE49-F238E27FC236}">
+                <a16:creationId xmlns:a16="http://schemas.microsoft.com/office/drawing/2014/main" id="{ABC5CD53-614B-66C3-CAEF-602E8F9FAAB2}"/>
+              </a:ext>
+            </a:extLst>
+          </p:cNvPr>
+          <p:cNvSpPr/>
+          <p:nvPr/>
+        </p:nvSpPr>
+        <p:spPr>
+          <a:xfrm>
+            <a:off x="-99255" y="161926"/>
+            <a:ext cx="3356806" cy="820032"/>
+          </a:xfrm>
+          <a:prstGeom prst="roundRect">
+            <a:avLst/>
+          </a:prstGeom>
+          <a:solidFill>
+            <a:schemeClr val="tx1">
+              <a:lumMod val="85000"/>
+              <a:lumOff val="15000"/>
+            </a:schemeClr>
+          </a:solidFill>
+          <a:ln>
+            <a:noFill/>
+          </a:ln>
+          <a:effectLst>
+            <a:outerShdw blurRad="241300" dist="304800" dir="1800000" sx="98000" sy="98000" algn="tl" rotWithShape="0">
+              <a:prstClr val="black">
+                <a:alpha val="73000"/>
+              </a:prstClr>
+            </a:outerShdw>
+          </a:effectLst>
+        </p:spPr>
+        <p:style>
+          <a:lnRef idx="0">
+            <a:scrgbClr r="0" g="0" b="0"/>
+          </a:lnRef>
+          <a:fillRef idx="0">
+            <a:scrgbClr r="0" g="0" b="0"/>
+          </a:fillRef>
+          <a:effectRef idx="0">
+            <a:scrgbClr r="0" g="0" b="0"/>
+          </a:effectRef>
+          <a:fontRef idx="minor">
+            <a:schemeClr val="lt1"/>
+          </a:fontRef>
+        </p:style>
+        <p:txBody>
+          <a:bodyPr rtlCol="0" anchor="ctr"/>
+          <a:lstStyle/>
+          <a:p>
+            <a:pPr algn="ctr"/>
+            <a:r>
+              <a:rPr lang="en-US" sz="2800" dirty="0"/>
+              <a:t>Tools and Libraries</a:t>
+            </a:r>
+            <a:endParaRPr lang="en-US" sz="200" dirty="0">
+              <a:latin typeface="Aptos" panose="020B0004020202020204" pitchFamily="34" charset="0"/>
+            </a:endParaRPr>
+          </a:p>
+        </p:txBody>
+      </p:sp>
+      <p:sp>
+        <p:nvSpPr>
+          <p:cNvPr id="5" name="Content Placeholder 2">
+            <a:extLst>
+              <a:ext uri="{FF2B5EF4-FFF2-40B4-BE49-F238E27FC236}">
+                <a16:creationId xmlns:a16="http://schemas.microsoft.com/office/drawing/2014/main" id="{F7FFE7CB-AE6A-6631-AA72-CB58DFA87CE9}"/>
+              </a:ext>
+            </a:extLst>
+          </p:cNvPr>
+          <p:cNvSpPr txBox="1">
+            <a:spLocks/>
+          </p:cNvSpPr>
+          <p:nvPr/>
+        </p:nvSpPr>
+        <p:spPr>
+          <a:xfrm>
+            <a:off x="1581592" y="1421978"/>
+            <a:ext cx="8229600" cy="4525963"/>
+          </a:xfrm>
+          <a:prstGeom prst="rect">
+            <a:avLst/>
+          </a:prstGeom>
+        </p:spPr>
+        <p:txBody>
+          <a:bodyPr>
+            <a:normAutofit/>
+          </a:bodyPr>
+          <a:lstStyle>
+            <a:lvl1pPr marL="228600" indent="-228600" algn="l" defTabSz="914400" rtl="0" eaLnBrk="1" latinLnBrk="0" hangingPunct="1">
+              <a:lnSpc>
+                <a:spcPct val="90000"/>
+              </a:lnSpc>
+              <a:spcBef>
+                <a:spcPts val="1000"/>
+              </a:spcBef>
+              <a:buFont typeface="Arial" panose="020B0604020202020204" pitchFamily="34" charset="0"/>
+              <a:buChar char="•"/>
+              <a:defRPr sz="2800" kern="1200">
+                <a:solidFill>
+                  <a:schemeClr val="tx1"/>
+                </a:solidFill>
+                <a:latin typeface="+mn-lt"/>
+                <a:ea typeface="+mn-ea"/>
+                <a:cs typeface="+mn-cs"/>
+              </a:defRPr>
+            </a:lvl1pPr>
+            <a:lvl2pPr marL="685800" indent="-228600" algn="l" defTabSz="914400" rtl="0" eaLnBrk="1" latinLnBrk="0" hangingPunct="1">
+              <a:lnSpc>
+                <a:spcPct val="90000"/>
+              </a:lnSpc>
+              <a:spcBef>
+                <a:spcPts val="500"/>
+              </a:spcBef>
+              <a:buFont typeface="Arial" panose="020B0604020202020204" pitchFamily="34" charset="0"/>
+              <a:buChar char="•"/>
+              <a:defRPr sz="2400" kern="1200">
+                <a:solidFill>
+                  <a:schemeClr val="tx1"/>
+                </a:solidFill>
+                <a:latin typeface="+mn-lt"/>
+                <a:ea typeface="+mn-ea"/>
+                <a:cs typeface="+mn-cs"/>
+              </a:defRPr>
+            </a:lvl2pPr>
+            <a:lvl3pPr marL="1143000" indent="-228600" algn="l" defTabSz="914400" rtl="0" eaLnBrk="1" latinLnBrk="0" hangingPunct="1">
+              <a:lnSpc>
+                <a:spcPct val="90000"/>
+              </a:lnSpc>
+              <a:spcBef>
+                <a:spcPts val="500"/>
+              </a:spcBef>
+              <a:buFont typeface="Arial" panose="020B0604020202020204" pitchFamily="34" charset="0"/>
+              <a:buChar char="•"/>
+              <a:defRPr sz="2000" kern="1200">
+                <a:solidFill>
+                  <a:schemeClr val="tx1"/>
+                </a:solidFill>
+                <a:latin typeface="+mn-lt"/>
+                <a:ea typeface="+mn-ea"/>
+                <a:cs typeface="+mn-cs"/>
+              </a:defRPr>
+            </a:lvl3pPr>
+            <a:lvl4pPr marL="1600200" indent="-228600" algn="l" defTabSz="914400" rtl="0" eaLnBrk="1" latinLnBrk="0" hangingPunct="1">
+              <a:lnSpc>
+                <a:spcPct val="90000"/>
+              </a:lnSpc>
+              <a:spcBef>
+                <a:spcPts val="500"/>
+              </a:spcBef>
+              <a:buFont typeface="Arial" panose="020B0604020202020204" pitchFamily="34" charset="0"/>
+              <a:buChar char="•"/>
+              <a:defRPr sz="1800" kern="1200">
+                <a:solidFill>
+                  <a:schemeClr val="tx1"/>
+                </a:solidFill>
+                <a:latin typeface="+mn-lt"/>
+                <a:ea typeface="+mn-ea"/>
+                <a:cs typeface="+mn-cs"/>
+              </a:defRPr>
+            </a:lvl4pPr>
+            <a:lvl5pPr marL="2057400" indent="-228600" algn="l" defTabSz="914400" rtl="0" eaLnBrk="1" latinLnBrk="0" hangingPunct="1">
+              <a:lnSpc>
+                <a:spcPct val="90000"/>
+              </a:lnSpc>
+              <a:spcBef>
+                <a:spcPts val="500"/>
+              </a:spcBef>
+              <a:buFont typeface="Arial" panose="020B0604020202020204" pitchFamily="34" charset="0"/>
+              <a:buChar char="•"/>
+              <a:defRPr sz="1800" kern="1200">
+                <a:solidFill>
+                  <a:schemeClr val="tx1"/>
+                </a:solidFill>
+                <a:latin typeface="+mn-lt"/>
+                <a:ea typeface="+mn-ea"/>
+                <a:cs typeface="+mn-cs"/>
+              </a:defRPr>
+            </a:lvl5pPr>
+            <a:lvl6pPr marL="2514600" indent="-228600" algn="l" defTabSz="914400" rtl="0" eaLnBrk="1" latinLnBrk="0" hangingPunct="1">
+              <a:lnSpc>
+                <a:spcPct val="90000"/>
+              </a:lnSpc>
+              <a:spcBef>
+                <a:spcPts val="500"/>
+              </a:spcBef>
+              <a:buFont typeface="Arial" panose="020B0604020202020204" pitchFamily="34" charset="0"/>
+              <a:buChar char="•"/>
+              <a:defRPr sz="1800" kern="1200">
+                <a:solidFill>
+                  <a:schemeClr val="tx1"/>
+                </a:solidFill>
+                <a:latin typeface="+mn-lt"/>
+                <a:ea typeface="+mn-ea"/>
+                <a:cs typeface="+mn-cs"/>
+              </a:defRPr>
+            </a:lvl6pPr>
+            <a:lvl7pPr marL="2971800" indent="-228600" algn="l" defTabSz="914400" rtl="0" eaLnBrk="1" latinLnBrk="0" hangingPunct="1">
+              <a:lnSpc>
+                <a:spcPct val="90000"/>
+              </a:lnSpc>
+              <a:spcBef>
+                <a:spcPts val="500"/>
+              </a:spcBef>
+              <a:buFont typeface="Arial" panose="020B0604020202020204" pitchFamily="34" charset="0"/>
+              <a:buChar char="•"/>
+              <a:defRPr sz="1800" kern="1200">
+                <a:solidFill>
+                  <a:schemeClr val="tx1"/>
+                </a:solidFill>
+                <a:latin typeface="+mn-lt"/>
+                <a:ea typeface="+mn-ea"/>
+                <a:cs typeface="+mn-cs"/>
+              </a:defRPr>
+            </a:lvl7pPr>
+            <a:lvl8pPr marL="3429000" indent="-228600" algn="l" defTabSz="914400" rtl="0" eaLnBrk="1" latinLnBrk="0" hangingPunct="1">
+              <a:lnSpc>
+                <a:spcPct val="90000"/>
+              </a:lnSpc>
+              <a:spcBef>
+                <a:spcPts val="500"/>
+              </a:spcBef>
+              <a:buFont typeface="Arial" panose="020B0604020202020204" pitchFamily="34" charset="0"/>
+              <a:buChar char="•"/>
+              <a:defRPr sz="1800" kern="1200">
+                <a:solidFill>
+                  <a:schemeClr val="tx1"/>
+                </a:solidFill>
+                <a:latin typeface="+mn-lt"/>
+                <a:ea typeface="+mn-ea"/>
+                <a:cs typeface="+mn-cs"/>
+              </a:defRPr>
+            </a:lvl8pPr>
+            <a:lvl9pPr marL="3886200" indent="-228600" algn="l" defTabSz="914400" rtl="0" eaLnBrk="1" latinLnBrk="0" hangingPunct="1">
+              <a:lnSpc>
+                <a:spcPct val="90000"/>
+              </a:lnSpc>
+              <a:spcBef>
+                <a:spcPts val="500"/>
+              </a:spcBef>
+              <a:buFont typeface="Arial" panose="020B0604020202020204" pitchFamily="34" charset="0"/>
+              <a:buChar char="•"/>
+              <a:defRPr sz="1800" kern="1200">
+                <a:solidFill>
+                  <a:schemeClr val="tx1"/>
+                </a:solidFill>
+                <a:latin typeface="+mn-lt"/>
+                <a:ea typeface="+mn-ea"/>
+                <a:cs typeface="+mn-cs"/>
+              </a:defRPr>
+            </a:lvl9pPr>
+          </a:lstStyle>
+          <a:p>
+            <a:r>
+              <a:rPr lang="en-US" sz="2400" dirty="0"/>
               <a:t>Node.js and Express: Backend development.</a:t>
             </a:r>
           </a:p>
           <a:p>
             <a:r>
-              <a:rPr lang="en-US" dirty="0"/>
+              <a:rPr lang="en-US" sz="2400" dirty="0"/>
               <a:t>MongoDB: Database management.</a:t>
             </a:r>
           </a:p>
           <a:p>
             <a:r>
-              <a:rPr lang="en-US" dirty="0"/>
+              <a:rPr lang="en-US" sz="2400" dirty="0"/>
               <a:t>JWT: User authentication.</a:t>
             </a:r>
           </a:p>
           <a:p>
             <a:r>
-              <a:rPr lang="en-US" dirty="0"/>
+              <a:rPr lang="en-US" sz="2400" dirty="0"/>
               <a:t>Multer: File uploads.</a:t>
             </a:r>
           </a:p>
           <a:p>
             <a:r>
-              <a:rPr lang="en-US" dirty="0"/>
+              <a:rPr lang="en-US" sz="2400" dirty="0"/>
               <a:t>EJS: Dynamic HTML rendering.</a:t>
             </a:r>
           </a:p>
           <a:p>
             <a:r>
-              <a:rPr lang="en-US" dirty="0"/>
+              <a:rPr lang="en-US" sz="2400" dirty="0"/>
               <a:t>cookie-parser: Manage cookies securely.</a:t>
             </a:r>
           </a:p>
@@ -8482,10 +11019,1013 @@
 </p:sld>
 </file>
 
+<file path=ppt/slides/slide9.xml><?xml version="1.0" encoding="utf-8"?>
+<p:sld xmlns:a="http://schemas.openxmlformats.org/drawingml/2006/main" xmlns:r="http://schemas.openxmlformats.org/officeDocument/2006/relationships" xmlns:p="http://schemas.openxmlformats.org/presentationml/2006/main">
+  <p:cSld>
+    <p:bg>
+      <p:bgPr>
+        <a:gradFill flip="none" rotWithShape="1">
+          <a:gsLst>
+            <a:gs pos="0">
+              <a:schemeClr val="accent3">
+                <a:lumMod val="5000"/>
+                <a:lumOff val="95000"/>
+              </a:schemeClr>
+            </a:gs>
+            <a:gs pos="74000">
+              <a:schemeClr val="accent3">
+                <a:lumMod val="45000"/>
+                <a:lumOff val="55000"/>
+              </a:schemeClr>
+            </a:gs>
+            <a:gs pos="83000">
+              <a:schemeClr val="accent3">
+                <a:lumMod val="45000"/>
+                <a:lumOff val="55000"/>
+              </a:schemeClr>
+            </a:gs>
+            <a:gs pos="100000">
+              <a:schemeClr val="accent3">
+                <a:lumMod val="30000"/>
+                <a:lumOff val="70000"/>
+              </a:schemeClr>
+            </a:gs>
+          </a:gsLst>
+          <a:lin ang="5400000" scaled="1"/>
+          <a:tileRect/>
+        </a:gradFill>
+        <a:effectLst/>
+      </p:bgPr>
+    </p:bg>
+    <p:spTree>
+      <p:nvGrpSpPr>
+        <p:cNvPr id="1" name="">
+          <a:extLst>
+            <a:ext uri="{FF2B5EF4-FFF2-40B4-BE49-F238E27FC236}">
+              <a16:creationId xmlns:a16="http://schemas.microsoft.com/office/drawing/2014/main" id="{F255D276-7003-14BE-1899-880F834385E7}"/>
+            </a:ext>
+          </a:extLst>
+        </p:cNvPr>
+        <p:cNvGrpSpPr/>
+        <p:nvPr/>
+      </p:nvGrpSpPr>
+      <p:grpSpPr>
+        <a:xfrm>
+          <a:off x="0" y="0"/>
+          <a:ext cx="0" cy="0"/>
+          <a:chOff x="0" y="0"/>
+          <a:chExt cx="0" cy="0"/>
+        </a:xfrm>
+      </p:grpSpPr>
+      <p:sp>
+        <p:nvSpPr>
+          <p:cNvPr id="2" name="Right Triangle 1">
+            <a:extLst>
+              <a:ext uri="{FF2B5EF4-FFF2-40B4-BE49-F238E27FC236}">
+                <a16:creationId xmlns:a16="http://schemas.microsoft.com/office/drawing/2014/main" id="{821C64BC-A859-FB31-23E2-90AA37F7B1AF}"/>
+              </a:ext>
+            </a:extLst>
+          </p:cNvPr>
+          <p:cNvSpPr/>
+          <p:nvPr/>
+        </p:nvSpPr>
+        <p:spPr>
+          <a:xfrm flipH="1">
+            <a:off x="9991724" y="4657725"/>
+            <a:ext cx="2325623" cy="2276475"/>
+          </a:xfrm>
+          <a:prstGeom prst="rtTriangle">
+            <a:avLst/>
+          </a:prstGeom>
+          <a:solidFill>
+            <a:schemeClr val="bg2">
+              <a:lumMod val="75000"/>
+            </a:schemeClr>
+          </a:solidFill>
+          <a:ln>
+            <a:noFill/>
+          </a:ln>
+          <a:effectLst>
+            <a:outerShdw blurRad="177800" dist="152400" dir="13500000" algn="br" rotWithShape="0">
+              <a:prstClr val="black">
+                <a:alpha val="68000"/>
+              </a:prstClr>
+            </a:outerShdw>
+          </a:effectLst>
+        </p:spPr>
+        <p:style>
+          <a:lnRef idx="2">
+            <a:schemeClr val="accent3">
+              <a:shade val="15000"/>
+            </a:schemeClr>
+          </a:lnRef>
+          <a:fillRef idx="1">
+            <a:schemeClr val="accent3"/>
+          </a:fillRef>
+          <a:effectRef idx="0">
+            <a:schemeClr val="accent3"/>
+          </a:effectRef>
+          <a:fontRef idx="minor">
+            <a:schemeClr val="lt1"/>
+          </a:fontRef>
+        </p:style>
+        <p:txBody>
+          <a:bodyPr rtlCol="0" anchor="ctr"/>
+          <a:lstStyle/>
+          <a:p>
+            <a:pPr algn="ctr"/>
+            <a:endParaRPr lang="en-US"/>
+          </a:p>
+        </p:txBody>
+      </p:sp>
+      <p:sp>
+        <p:nvSpPr>
+          <p:cNvPr id="3" name="Right Triangle 2">
+            <a:extLst>
+              <a:ext uri="{FF2B5EF4-FFF2-40B4-BE49-F238E27FC236}">
+                <a16:creationId xmlns:a16="http://schemas.microsoft.com/office/drawing/2014/main" id="{CAD33629-8A67-51A2-C3CF-2D790957DB32}"/>
+              </a:ext>
+            </a:extLst>
+          </p:cNvPr>
+          <p:cNvSpPr/>
+          <p:nvPr/>
+        </p:nvSpPr>
+        <p:spPr>
+          <a:xfrm flipH="1">
+            <a:off x="10352789" y="4514851"/>
+            <a:ext cx="1943985" cy="2419350"/>
+          </a:xfrm>
+          <a:prstGeom prst="rtTriangle">
+            <a:avLst/>
+          </a:prstGeom>
+          <a:solidFill>
+            <a:schemeClr val="tx1">
+              <a:lumMod val="85000"/>
+              <a:lumOff val="15000"/>
+            </a:schemeClr>
+          </a:solidFill>
+          <a:ln>
+            <a:noFill/>
+          </a:ln>
+          <a:effectLst>
+            <a:outerShdw blurRad="50800" dist="50800" dir="13500000" algn="br" rotWithShape="0">
+              <a:prstClr val="black">
+                <a:alpha val="73000"/>
+              </a:prstClr>
+            </a:outerShdw>
+          </a:effectLst>
+        </p:spPr>
+        <p:style>
+          <a:lnRef idx="2">
+            <a:schemeClr val="accent3">
+              <a:shade val="15000"/>
+            </a:schemeClr>
+          </a:lnRef>
+          <a:fillRef idx="1">
+            <a:schemeClr val="accent3"/>
+          </a:fillRef>
+          <a:effectRef idx="0">
+            <a:schemeClr val="accent3"/>
+          </a:effectRef>
+          <a:fontRef idx="minor">
+            <a:schemeClr val="lt1"/>
+          </a:fontRef>
+        </p:style>
+        <p:txBody>
+          <a:bodyPr rtlCol="0" anchor="ctr"/>
+          <a:lstStyle/>
+          <a:p>
+            <a:pPr algn="ctr"/>
+            <a:endParaRPr lang="en-US"/>
+          </a:p>
+        </p:txBody>
+      </p:sp>
+      <p:sp>
+        <p:nvSpPr>
+          <p:cNvPr id="4" name="Right Triangle 3">
+            <a:extLst>
+              <a:ext uri="{FF2B5EF4-FFF2-40B4-BE49-F238E27FC236}">
+                <a16:creationId xmlns:a16="http://schemas.microsoft.com/office/drawing/2014/main" id="{2F979DBF-34C8-9C4D-7306-C4D74B867224}"/>
+              </a:ext>
+            </a:extLst>
+          </p:cNvPr>
+          <p:cNvSpPr/>
+          <p:nvPr/>
+        </p:nvSpPr>
+        <p:spPr>
+          <a:xfrm flipH="1">
+            <a:off x="10352792" y="4962525"/>
+            <a:ext cx="1943982" cy="1971675"/>
+          </a:xfrm>
+          <a:prstGeom prst="rtTriangle">
+            <a:avLst/>
+          </a:prstGeom>
+          <a:solidFill>
+            <a:schemeClr val="bg2">
+              <a:lumMod val="25000"/>
+            </a:schemeClr>
+          </a:solidFill>
+          <a:ln>
+            <a:noFill/>
+          </a:ln>
+          <a:effectLst>
+            <a:outerShdw blurRad="50800" dist="50800" dir="13500000" algn="br" rotWithShape="0">
+              <a:prstClr val="black">
+                <a:alpha val="73000"/>
+              </a:prstClr>
+            </a:outerShdw>
+          </a:effectLst>
+        </p:spPr>
+        <p:style>
+          <a:lnRef idx="2">
+            <a:schemeClr val="accent3">
+              <a:shade val="15000"/>
+            </a:schemeClr>
+          </a:lnRef>
+          <a:fillRef idx="1">
+            <a:schemeClr val="accent3"/>
+          </a:fillRef>
+          <a:effectRef idx="0">
+            <a:schemeClr val="accent3"/>
+          </a:effectRef>
+          <a:fontRef idx="minor">
+            <a:schemeClr val="lt1"/>
+          </a:fontRef>
+        </p:style>
+        <p:txBody>
+          <a:bodyPr rtlCol="0" anchor="ctr"/>
+          <a:lstStyle/>
+          <a:p>
+            <a:pPr algn="ctr"/>
+            <a:endParaRPr lang="en-US"/>
+          </a:p>
+        </p:txBody>
+      </p:sp>
+      <p:sp>
+        <p:nvSpPr>
+          <p:cNvPr id="6" name="Right Triangle 5">
+            <a:extLst>
+              <a:ext uri="{FF2B5EF4-FFF2-40B4-BE49-F238E27FC236}">
+                <a16:creationId xmlns:a16="http://schemas.microsoft.com/office/drawing/2014/main" id="{3466DEF7-92B4-BA4D-9C6A-DCA91E5110FB}"/>
+              </a:ext>
+            </a:extLst>
+          </p:cNvPr>
+          <p:cNvSpPr/>
+          <p:nvPr/>
+        </p:nvSpPr>
+        <p:spPr>
+          <a:xfrm rot="5400000" flipH="1">
+            <a:off x="-110933" y="5752227"/>
+            <a:ext cx="1146749" cy="1123389"/>
+          </a:xfrm>
+          <a:prstGeom prst="rtTriangle">
+            <a:avLst/>
+          </a:prstGeom>
+          <a:solidFill>
+            <a:schemeClr val="bg2">
+              <a:lumMod val="75000"/>
+            </a:schemeClr>
+          </a:solidFill>
+          <a:ln>
+            <a:noFill/>
+          </a:ln>
+          <a:effectLst>
+            <a:outerShdw blurRad="177800" dist="152400" dir="13500000" algn="br" rotWithShape="0">
+              <a:prstClr val="black">
+                <a:alpha val="68000"/>
+              </a:prstClr>
+            </a:outerShdw>
+          </a:effectLst>
+        </p:spPr>
+        <p:style>
+          <a:lnRef idx="2">
+            <a:schemeClr val="accent3">
+              <a:shade val="15000"/>
+            </a:schemeClr>
+          </a:lnRef>
+          <a:fillRef idx="1">
+            <a:schemeClr val="accent3"/>
+          </a:fillRef>
+          <a:effectRef idx="0">
+            <a:schemeClr val="accent3"/>
+          </a:effectRef>
+          <a:fontRef idx="minor">
+            <a:schemeClr val="lt1"/>
+          </a:fontRef>
+        </p:style>
+        <p:txBody>
+          <a:bodyPr rtlCol="0" anchor="ctr"/>
+          <a:lstStyle/>
+          <a:p>
+            <a:pPr algn="ctr"/>
+            <a:endParaRPr lang="en-US"/>
+          </a:p>
+        </p:txBody>
+      </p:sp>
+      <p:sp>
+        <p:nvSpPr>
+          <p:cNvPr id="7" name="Right Triangle 6">
+            <a:extLst>
+              <a:ext uri="{FF2B5EF4-FFF2-40B4-BE49-F238E27FC236}">
+                <a16:creationId xmlns:a16="http://schemas.microsoft.com/office/drawing/2014/main" id="{E9531C62-F9F5-6126-77B5-67AE7D746C57}"/>
+              </a:ext>
+            </a:extLst>
+          </p:cNvPr>
+          <p:cNvSpPr/>
+          <p:nvPr/>
+        </p:nvSpPr>
+        <p:spPr>
+          <a:xfrm rot="5400000" flipH="1">
+            <a:off x="135671" y="5851551"/>
+            <a:ext cx="820031" cy="1289877"/>
+          </a:xfrm>
+          <a:prstGeom prst="rtTriangle">
+            <a:avLst/>
+          </a:prstGeom>
+          <a:solidFill>
+            <a:schemeClr val="tx1">
+              <a:lumMod val="85000"/>
+              <a:lumOff val="15000"/>
+            </a:schemeClr>
+          </a:solidFill>
+          <a:ln>
+            <a:noFill/>
+          </a:ln>
+          <a:effectLst>
+            <a:outerShdw blurRad="50800" dist="50800" dir="13500000" algn="br" rotWithShape="0">
+              <a:prstClr val="black">
+                <a:alpha val="73000"/>
+              </a:prstClr>
+            </a:outerShdw>
+          </a:effectLst>
+        </p:spPr>
+        <p:style>
+          <a:lnRef idx="2">
+            <a:schemeClr val="accent3">
+              <a:shade val="15000"/>
+            </a:schemeClr>
+          </a:lnRef>
+          <a:fillRef idx="1">
+            <a:schemeClr val="accent3"/>
+          </a:fillRef>
+          <a:effectRef idx="0">
+            <a:schemeClr val="accent3"/>
+          </a:effectRef>
+          <a:fontRef idx="minor">
+            <a:schemeClr val="lt1"/>
+          </a:fontRef>
+        </p:style>
+        <p:txBody>
+          <a:bodyPr rtlCol="0" anchor="ctr"/>
+          <a:lstStyle/>
+          <a:p>
+            <a:pPr algn="ctr"/>
+            <a:endParaRPr lang="en-US"/>
+          </a:p>
+        </p:txBody>
+      </p:sp>
+      <p:sp>
+        <p:nvSpPr>
+          <p:cNvPr id="8" name="Right Triangle 7">
+            <a:extLst>
+              <a:ext uri="{FF2B5EF4-FFF2-40B4-BE49-F238E27FC236}">
+                <a16:creationId xmlns:a16="http://schemas.microsoft.com/office/drawing/2014/main" id="{FEC58708-5F1D-71BB-76D5-4459DF94F95F}"/>
+              </a:ext>
+            </a:extLst>
+          </p:cNvPr>
+          <p:cNvSpPr/>
+          <p:nvPr/>
+        </p:nvSpPr>
+        <p:spPr>
+          <a:xfrm rot="5400000" flipH="1">
+            <a:off x="-92050" y="5940736"/>
+            <a:ext cx="958565" cy="972975"/>
+          </a:xfrm>
+          <a:prstGeom prst="rtTriangle">
+            <a:avLst/>
+          </a:prstGeom>
+          <a:solidFill>
+            <a:schemeClr val="bg2">
+              <a:lumMod val="25000"/>
+            </a:schemeClr>
+          </a:solidFill>
+          <a:ln>
+            <a:noFill/>
+          </a:ln>
+          <a:effectLst>
+            <a:outerShdw blurRad="50800" dist="50800" dir="13500000" algn="br" rotWithShape="0">
+              <a:prstClr val="black">
+                <a:alpha val="73000"/>
+              </a:prstClr>
+            </a:outerShdw>
+          </a:effectLst>
+        </p:spPr>
+        <p:style>
+          <a:lnRef idx="2">
+            <a:schemeClr val="accent3">
+              <a:shade val="15000"/>
+            </a:schemeClr>
+          </a:lnRef>
+          <a:fillRef idx="1">
+            <a:schemeClr val="accent3"/>
+          </a:fillRef>
+          <a:effectRef idx="0">
+            <a:schemeClr val="accent3"/>
+          </a:effectRef>
+          <a:fontRef idx="minor">
+            <a:schemeClr val="lt1"/>
+          </a:fontRef>
+        </p:style>
+        <p:txBody>
+          <a:bodyPr rtlCol="0" anchor="ctr"/>
+          <a:lstStyle/>
+          <a:p>
+            <a:pPr algn="ctr"/>
+            <a:endParaRPr lang="en-US"/>
+          </a:p>
+        </p:txBody>
+      </p:sp>
+      <p:sp>
+        <p:nvSpPr>
+          <p:cNvPr id="9" name="Rectangle: Rounded Corners 8">
+            <a:extLst>
+              <a:ext uri="{FF2B5EF4-FFF2-40B4-BE49-F238E27FC236}">
+                <a16:creationId xmlns:a16="http://schemas.microsoft.com/office/drawing/2014/main" id="{A3441887-F384-11DA-8E1B-D22FA50E0D68}"/>
+              </a:ext>
+            </a:extLst>
+          </p:cNvPr>
+          <p:cNvSpPr/>
+          <p:nvPr/>
+        </p:nvSpPr>
+        <p:spPr>
+          <a:xfrm>
+            <a:off x="-99256" y="161926"/>
+            <a:ext cx="3490155" cy="820032"/>
+          </a:xfrm>
+          <a:prstGeom prst="roundRect">
+            <a:avLst/>
+          </a:prstGeom>
+          <a:solidFill>
+            <a:schemeClr val="tx1">
+              <a:lumMod val="85000"/>
+              <a:lumOff val="15000"/>
+            </a:schemeClr>
+          </a:solidFill>
+          <a:ln>
+            <a:noFill/>
+          </a:ln>
+          <a:effectLst>
+            <a:outerShdw blurRad="241300" dist="304800" dir="1800000" sx="98000" sy="98000" algn="tl" rotWithShape="0">
+              <a:prstClr val="black">
+                <a:alpha val="73000"/>
+              </a:prstClr>
+            </a:outerShdw>
+          </a:effectLst>
+        </p:spPr>
+        <p:style>
+          <a:lnRef idx="0">
+            <a:scrgbClr r="0" g="0" b="0"/>
+          </a:lnRef>
+          <a:fillRef idx="0">
+            <a:scrgbClr r="0" g="0" b="0"/>
+          </a:fillRef>
+          <a:effectRef idx="0">
+            <a:scrgbClr r="0" g="0" b="0"/>
+          </a:effectRef>
+          <a:fontRef idx="minor">
+            <a:schemeClr val="lt1"/>
+          </a:fontRef>
+        </p:style>
+        <p:txBody>
+          <a:bodyPr rtlCol="0" anchor="ctr"/>
+          <a:lstStyle/>
+          <a:p>
+            <a:pPr algn="ctr"/>
+            <a:r>
+              <a:rPr lang="en-US" sz="2800" dirty="0"/>
+              <a:t>Future Enhancement</a:t>
+            </a:r>
+            <a:endParaRPr lang="en-US" sz="200" dirty="0">
+              <a:latin typeface="Aptos" panose="020B0004020202020204" pitchFamily="34" charset="0"/>
+            </a:endParaRPr>
+          </a:p>
+        </p:txBody>
+      </p:sp>
+      <p:sp>
+        <p:nvSpPr>
+          <p:cNvPr id="5" name="Content Placeholder 2">
+            <a:extLst>
+              <a:ext uri="{FF2B5EF4-FFF2-40B4-BE49-F238E27FC236}">
+                <a16:creationId xmlns:a16="http://schemas.microsoft.com/office/drawing/2014/main" id="{83F34040-00A9-B142-DDC3-4F84931A8346}"/>
+              </a:ext>
+            </a:extLst>
+          </p:cNvPr>
+          <p:cNvSpPr txBox="1">
+            <a:spLocks/>
+          </p:cNvSpPr>
+          <p:nvPr/>
+        </p:nvSpPr>
+        <p:spPr>
+          <a:xfrm>
+            <a:off x="1581592" y="1421978"/>
+            <a:ext cx="8229600" cy="4525963"/>
+          </a:xfrm>
+          <a:prstGeom prst="rect">
+            <a:avLst/>
+          </a:prstGeom>
+        </p:spPr>
+        <p:txBody>
+          <a:bodyPr>
+            <a:normAutofit/>
+          </a:bodyPr>
+          <a:lstStyle>
+            <a:lvl1pPr marL="228600" indent="-228600" algn="l" defTabSz="914400" rtl="0" eaLnBrk="1" latinLnBrk="0" hangingPunct="1">
+              <a:lnSpc>
+                <a:spcPct val="90000"/>
+              </a:lnSpc>
+              <a:spcBef>
+                <a:spcPts val="1000"/>
+              </a:spcBef>
+              <a:buFont typeface="Arial" panose="020B0604020202020204" pitchFamily="34" charset="0"/>
+              <a:buChar char="•"/>
+              <a:defRPr sz="2800" kern="1200">
+                <a:solidFill>
+                  <a:schemeClr val="tx1"/>
+                </a:solidFill>
+                <a:latin typeface="+mn-lt"/>
+                <a:ea typeface="+mn-ea"/>
+                <a:cs typeface="+mn-cs"/>
+              </a:defRPr>
+            </a:lvl1pPr>
+            <a:lvl2pPr marL="685800" indent="-228600" algn="l" defTabSz="914400" rtl="0" eaLnBrk="1" latinLnBrk="0" hangingPunct="1">
+              <a:lnSpc>
+                <a:spcPct val="90000"/>
+              </a:lnSpc>
+              <a:spcBef>
+                <a:spcPts val="500"/>
+              </a:spcBef>
+              <a:buFont typeface="Arial" panose="020B0604020202020204" pitchFamily="34" charset="0"/>
+              <a:buChar char="•"/>
+              <a:defRPr sz="2400" kern="1200">
+                <a:solidFill>
+                  <a:schemeClr val="tx1"/>
+                </a:solidFill>
+                <a:latin typeface="+mn-lt"/>
+                <a:ea typeface="+mn-ea"/>
+                <a:cs typeface="+mn-cs"/>
+              </a:defRPr>
+            </a:lvl2pPr>
+            <a:lvl3pPr marL="1143000" indent="-228600" algn="l" defTabSz="914400" rtl="0" eaLnBrk="1" latinLnBrk="0" hangingPunct="1">
+              <a:lnSpc>
+                <a:spcPct val="90000"/>
+              </a:lnSpc>
+              <a:spcBef>
+                <a:spcPts val="500"/>
+              </a:spcBef>
+              <a:buFont typeface="Arial" panose="020B0604020202020204" pitchFamily="34" charset="0"/>
+              <a:buChar char="•"/>
+              <a:defRPr sz="2000" kern="1200">
+                <a:solidFill>
+                  <a:schemeClr val="tx1"/>
+                </a:solidFill>
+                <a:latin typeface="+mn-lt"/>
+                <a:ea typeface="+mn-ea"/>
+                <a:cs typeface="+mn-cs"/>
+              </a:defRPr>
+            </a:lvl3pPr>
+            <a:lvl4pPr marL="1600200" indent="-228600" algn="l" defTabSz="914400" rtl="0" eaLnBrk="1" latinLnBrk="0" hangingPunct="1">
+              <a:lnSpc>
+                <a:spcPct val="90000"/>
+              </a:lnSpc>
+              <a:spcBef>
+                <a:spcPts val="500"/>
+              </a:spcBef>
+              <a:buFont typeface="Arial" panose="020B0604020202020204" pitchFamily="34" charset="0"/>
+              <a:buChar char="•"/>
+              <a:defRPr sz="1800" kern="1200">
+                <a:solidFill>
+                  <a:schemeClr val="tx1"/>
+                </a:solidFill>
+                <a:latin typeface="+mn-lt"/>
+                <a:ea typeface="+mn-ea"/>
+                <a:cs typeface="+mn-cs"/>
+              </a:defRPr>
+            </a:lvl4pPr>
+            <a:lvl5pPr marL="2057400" indent="-228600" algn="l" defTabSz="914400" rtl="0" eaLnBrk="1" latinLnBrk="0" hangingPunct="1">
+              <a:lnSpc>
+                <a:spcPct val="90000"/>
+              </a:lnSpc>
+              <a:spcBef>
+                <a:spcPts val="500"/>
+              </a:spcBef>
+              <a:buFont typeface="Arial" panose="020B0604020202020204" pitchFamily="34" charset="0"/>
+              <a:buChar char="•"/>
+              <a:defRPr sz="1800" kern="1200">
+                <a:solidFill>
+                  <a:schemeClr val="tx1"/>
+                </a:solidFill>
+                <a:latin typeface="+mn-lt"/>
+                <a:ea typeface="+mn-ea"/>
+                <a:cs typeface="+mn-cs"/>
+              </a:defRPr>
+            </a:lvl5pPr>
+            <a:lvl6pPr marL="2514600" indent="-228600" algn="l" defTabSz="914400" rtl="0" eaLnBrk="1" latinLnBrk="0" hangingPunct="1">
+              <a:lnSpc>
+                <a:spcPct val="90000"/>
+              </a:lnSpc>
+              <a:spcBef>
+                <a:spcPts val="500"/>
+              </a:spcBef>
+              <a:buFont typeface="Arial" panose="020B0604020202020204" pitchFamily="34" charset="0"/>
+              <a:buChar char="•"/>
+              <a:defRPr sz="1800" kern="1200">
+                <a:solidFill>
+                  <a:schemeClr val="tx1"/>
+                </a:solidFill>
+                <a:latin typeface="+mn-lt"/>
+                <a:ea typeface="+mn-ea"/>
+                <a:cs typeface="+mn-cs"/>
+              </a:defRPr>
+            </a:lvl6pPr>
+            <a:lvl7pPr marL="2971800" indent="-228600" algn="l" defTabSz="914400" rtl="0" eaLnBrk="1" latinLnBrk="0" hangingPunct="1">
+              <a:lnSpc>
+                <a:spcPct val="90000"/>
+              </a:lnSpc>
+              <a:spcBef>
+                <a:spcPts val="500"/>
+              </a:spcBef>
+              <a:buFont typeface="Arial" panose="020B0604020202020204" pitchFamily="34" charset="0"/>
+              <a:buChar char="•"/>
+              <a:defRPr sz="1800" kern="1200">
+                <a:solidFill>
+                  <a:schemeClr val="tx1"/>
+                </a:solidFill>
+                <a:latin typeface="+mn-lt"/>
+                <a:ea typeface="+mn-ea"/>
+                <a:cs typeface="+mn-cs"/>
+              </a:defRPr>
+            </a:lvl7pPr>
+            <a:lvl8pPr marL="3429000" indent="-228600" algn="l" defTabSz="914400" rtl="0" eaLnBrk="1" latinLnBrk="0" hangingPunct="1">
+              <a:lnSpc>
+                <a:spcPct val="90000"/>
+              </a:lnSpc>
+              <a:spcBef>
+                <a:spcPts val="500"/>
+              </a:spcBef>
+              <a:buFont typeface="Arial" panose="020B0604020202020204" pitchFamily="34" charset="0"/>
+              <a:buChar char="•"/>
+              <a:defRPr sz="1800" kern="1200">
+                <a:solidFill>
+                  <a:schemeClr val="tx1"/>
+                </a:solidFill>
+                <a:latin typeface="+mn-lt"/>
+                <a:ea typeface="+mn-ea"/>
+                <a:cs typeface="+mn-cs"/>
+              </a:defRPr>
+            </a:lvl8pPr>
+            <a:lvl9pPr marL="3886200" indent="-228600" algn="l" defTabSz="914400" rtl="0" eaLnBrk="1" latinLnBrk="0" hangingPunct="1">
+              <a:lnSpc>
+                <a:spcPct val="90000"/>
+              </a:lnSpc>
+              <a:spcBef>
+                <a:spcPts val="500"/>
+              </a:spcBef>
+              <a:buFont typeface="Arial" panose="020B0604020202020204" pitchFamily="34" charset="0"/>
+              <a:buChar char="•"/>
+              <a:defRPr sz="1800" kern="1200">
+                <a:solidFill>
+                  <a:schemeClr val="tx1"/>
+                </a:solidFill>
+                <a:latin typeface="+mn-lt"/>
+                <a:ea typeface="+mn-ea"/>
+                <a:cs typeface="+mn-cs"/>
+              </a:defRPr>
+            </a:lvl9pPr>
+          </a:lstStyle>
+          <a:p>
+            <a:endParaRPr lang="en-US" sz="2400" dirty="0"/>
+          </a:p>
+        </p:txBody>
+      </p:sp>
+      <p:sp>
+        <p:nvSpPr>
+          <p:cNvPr id="11" name="Rectangle 2">
+            <a:extLst>
+              <a:ext uri="{FF2B5EF4-FFF2-40B4-BE49-F238E27FC236}">
+                <a16:creationId xmlns:a16="http://schemas.microsoft.com/office/drawing/2014/main" id="{DB03EF40-B144-FD1E-F5C7-D925DFE9E535}"/>
+              </a:ext>
+            </a:extLst>
+          </p:cNvPr>
+          <p:cNvSpPr>
+            <a:spLocks noChangeArrowheads="1"/>
+          </p:cNvSpPr>
+          <p:nvPr/>
+        </p:nvSpPr>
+        <p:spPr bwMode="auto">
+          <a:xfrm>
+            <a:off x="387232" y="1492113"/>
+            <a:ext cx="9842618" cy="4524315"/>
+          </a:xfrm>
+          <a:prstGeom prst="rect">
+            <a:avLst/>
+          </a:prstGeom>
+          <a:noFill/>
+          <a:ln>
+            <a:noFill/>
+          </a:ln>
+          <a:effectLst/>
+          <a:extLst>
+            <a:ext uri="{909E8E84-426E-40DD-AFC4-6F175D3DCCD1}">
+              <a14:hiddenFill xmlns:a14="http://schemas.microsoft.com/office/drawing/2010/main">
+                <a:solidFill>
+                  <a:schemeClr val="accent1"/>
+                </a:solidFill>
+              </a14:hiddenFill>
+            </a:ext>
+            <a:ext uri="{91240B29-F687-4F45-9708-019B960494DF}">
+              <a14:hiddenLine xmlns:a14="http://schemas.microsoft.com/office/drawing/2010/main" w="9525">
+                <a:solidFill>
+                  <a:schemeClr val="tx1"/>
+                </a:solidFill>
+                <a:miter lim="800000"/>
+                <a:headEnd/>
+                <a:tailEnd/>
+              </a14:hiddenLine>
+            </a:ext>
+            <a:ext uri="{AF507438-7753-43E0-B8FC-AC1667EBCBE1}">
+              <a14:hiddenEffects xmlns:a14="http://schemas.microsoft.com/office/drawing/2010/main">
+                <a:effectLst>
+                  <a:outerShdw dist="35921" dir="2700000" algn="ctr" rotWithShape="0">
+                    <a:schemeClr val="bg2"/>
+                  </a:outerShdw>
+                </a:effectLst>
+              </a14:hiddenEffects>
+            </a:ext>
+          </a:extLst>
+        </p:spPr>
+        <p:txBody>
+          <a:bodyPr vert="horz" wrap="square" lIns="91440" tIns="45720" rIns="91440" bIns="45720" numCol="1" anchor="ctr" anchorCtr="0" compatLnSpc="1">
+            <a:prstTxWarp prst="textNoShape">
+              <a:avLst/>
+            </a:prstTxWarp>
+            <a:spAutoFit/>
+          </a:bodyPr>
+          <a:lstStyle/>
+          <a:p>
+            <a:pPr marL="0" marR="0" lvl="0" indent="0" algn="l" defTabSz="914400" rtl="0" eaLnBrk="0" fontAlgn="base" latinLnBrk="0" hangingPunct="0">
+              <a:lnSpc>
+                <a:spcPct val="100000"/>
+              </a:lnSpc>
+              <a:spcBef>
+                <a:spcPct val="0"/>
+              </a:spcBef>
+              <a:spcAft>
+                <a:spcPct val="0"/>
+              </a:spcAft>
+              <a:buClrTx/>
+              <a:buSzTx/>
+              <a:buFontTx/>
+              <a:buChar char="•"/>
+              <a:tabLst/>
+            </a:pPr>
+            <a:r>
+              <a:rPr kumimoji="0" lang="en-US" altLang="en-US" i="0" u="none" strike="noStrike" cap="none" normalizeH="0" baseline="0" dirty="0">
+                <a:ln>
+                  <a:noFill/>
+                </a:ln>
+                <a:solidFill>
+                  <a:schemeClr val="tx1"/>
+                </a:solidFill>
+                <a:effectLst/>
+                <a:latin typeface="Arial" panose="020B0604020202020204" pitchFamily="34" charset="0"/>
+              </a:rPr>
+              <a:t>AI-Based Movie Recommendations:     Collaborative Filtering suggests movies based on the preferences of similar users. Content-Based Filtering recommends movies using metadata like genres and actors. Machine Learning Models improve suggestions by analyzing ratings, reviews, and user preferences.</a:t>
+            </a:r>
+          </a:p>
+          <a:p>
+            <a:pPr marL="0" marR="0" lvl="0" indent="0" algn="l" defTabSz="914400" rtl="0" eaLnBrk="0" fontAlgn="base" latinLnBrk="0" hangingPunct="0">
+              <a:lnSpc>
+                <a:spcPct val="100000"/>
+              </a:lnSpc>
+              <a:spcBef>
+                <a:spcPct val="0"/>
+              </a:spcBef>
+              <a:spcAft>
+                <a:spcPct val="0"/>
+              </a:spcAft>
+              <a:buClrTx/>
+              <a:buSzTx/>
+              <a:buFontTx/>
+              <a:buChar char="•"/>
+              <a:tabLst/>
+            </a:pPr>
+            <a:endParaRPr kumimoji="0" lang="en-US" altLang="en-US" i="0" u="none" strike="noStrike" cap="none" normalizeH="0" baseline="0" dirty="0">
+              <a:ln>
+                <a:noFill/>
+              </a:ln>
+              <a:solidFill>
+                <a:schemeClr val="tx1"/>
+              </a:solidFill>
+              <a:effectLst/>
+              <a:latin typeface="Arial" panose="020B0604020202020204" pitchFamily="34" charset="0"/>
+            </a:endParaRPr>
+          </a:p>
+          <a:p>
+            <a:pPr marL="0" marR="0" lvl="0" indent="0" algn="l" defTabSz="914400" rtl="0" eaLnBrk="0" fontAlgn="base" latinLnBrk="0" hangingPunct="0">
+              <a:lnSpc>
+                <a:spcPct val="100000"/>
+              </a:lnSpc>
+              <a:spcBef>
+                <a:spcPct val="0"/>
+              </a:spcBef>
+              <a:spcAft>
+                <a:spcPct val="0"/>
+              </a:spcAft>
+              <a:buClrTx/>
+              <a:buSzTx/>
+              <a:buFontTx/>
+              <a:buChar char="•"/>
+              <a:tabLst/>
+            </a:pPr>
+            <a:r>
+              <a:rPr kumimoji="0" lang="en-US" altLang="en-US" i="0" u="none" strike="noStrike" cap="none" normalizeH="0" baseline="0" dirty="0">
+                <a:ln>
+                  <a:noFill/>
+                </a:ln>
+                <a:solidFill>
+                  <a:schemeClr val="tx1"/>
+                </a:solidFill>
+                <a:effectLst/>
+                <a:latin typeface="Arial" panose="020B0604020202020204" pitchFamily="34" charset="0"/>
+              </a:rPr>
+              <a:t>Cloud Storage Integration:      AWS S3 offers scalable and secure storage for movie files. CDN (CloudFront) ensures faster access to media files for global users.</a:t>
+            </a:r>
+          </a:p>
+          <a:p>
+            <a:pPr marL="0" marR="0" lvl="0" indent="0" algn="l" defTabSz="914400" rtl="0" eaLnBrk="0" fontAlgn="base" latinLnBrk="0" hangingPunct="0">
+              <a:lnSpc>
+                <a:spcPct val="100000"/>
+              </a:lnSpc>
+              <a:spcBef>
+                <a:spcPct val="0"/>
+              </a:spcBef>
+              <a:spcAft>
+                <a:spcPct val="0"/>
+              </a:spcAft>
+              <a:buClrTx/>
+              <a:buSzTx/>
+              <a:buFontTx/>
+              <a:buChar char="•"/>
+              <a:tabLst/>
+            </a:pPr>
+            <a:endParaRPr kumimoji="0" lang="en-US" altLang="en-US" i="0" u="none" strike="noStrike" cap="none" normalizeH="0" baseline="0" dirty="0">
+              <a:ln>
+                <a:noFill/>
+              </a:ln>
+              <a:solidFill>
+                <a:schemeClr val="tx1"/>
+              </a:solidFill>
+              <a:effectLst/>
+              <a:latin typeface="Arial" panose="020B0604020202020204" pitchFamily="34" charset="0"/>
+            </a:endParaRPr>
+          </a:p>
+          <a:p>
+            <a:pPr marL="0" marR="0" lvl="0" indent="0" algn="l" defTabSz="914400" rtl="0" eaLnBrk="0" fontAlgn="base" latinLnBrk="0" hangingPunct="0">
+              <a:lnSpc>
+                <a:spcPct val="100000"/>
+              </a:lnSpc>
+              <a:spcBef>
+                <a:spcPct val="0"/>
+              </a:spcBef>
+              <a:spcAft>
+                <a:spcPct val="0"/>
+              </a:spcAft>
+              <a:buClrTx/>
+              <a:buSzTx/>
+              <a:buFontTx/>
+              <a:buChar char="•"/>
+              <a:tabLst/>
+            </a:pPr>
+            <a:r>
+              <a:rPr kumimoji="0" lang="en-US" altLang="en-US" i="0" u="none" strike="noStrike" cap="none" normalizeH="0" baseline="0" dirty="0">
+                <a:ln>
+                  <a:noFill/>
+                </a:ln>
+                <a:solidFill>
+                  <a:schemeClr val="tx1"/>
+                </a:solidFill>
+                <a:effectLst/>
+                <a:latin typeface="Arial" panose="020B0604020202020204" pitchFamily="34" charset="0"/>
+              </a:rPr>
+              <a:t>Advanced Search Filters:     Filters by genre, release date, rating, and popularity help users find movies based on their interests. Tagging System allows users to search by keywords or themes.</a:t>
+            </a:r>
+          </a:p>
+          <a:p>
+            <a:pPr marL="0" marR="0" lvl="0" indent="0" algn="l" defTabSz="914400" rtl="0" eaLnBrk="0" fontAlgn="base" latinLnBrk="0" hangingPunct="0">
+              <a:lnSpc>
+                <a:spcPct val="100000"/>
+              </a:lnSpc>
+              <a:spcBef>
+                <a:spcPct val="0"/>
+              </a:spcBef>
+              <a:spcAft>
+                <a:spcPct val="0"/>
+              </a:spcAft>
+              <a:buClrTx/>
+              <a:buSzTx/>
+              <a:buFontTx/>
+              <a:buChar char="•"/>
+              <a:tabLst/>
+            </a:pPr>
+            <a:endParaRPr kumimoji="0" lang="en-US" altLang="en-US" i="0" u="none" strike="noStrike" cap="none" normalizeH="0" baseline="0" dirty="0">
+              <a:ln>
+                <a:noFill/>
+              </a:ln>
+              <a:solidFill>
+                <a:schemeClr val="tx1"/>
+              </a:solidFill>
+              <a:effectLst/>
+              <a:latin typeface="Arial" panose="020B0604020202020204" pitchFamily="34" charset="0"/>
+            </a:endParaRPr>
+          </a:p>
+          <a:p>
+            <a:pPr marL="0" marR="0" lvl="0" indent="0" algn="l" defTabSz="914400" rtl="0" eaLnBrk="0" fontAlgn="base" latinLnBrk="0" hangingPunct="0">
+              <a:lnSpc>
+                <a:spcPct val="100000"/>
+              </a:lnSpc>
+              <a:spcBef>
+                <a:spcPct val="0"/>
+              </a:spcBef>
+              <a:spcAft>
+                <a:spcPct val="0"/>
+              </a:spcAft>
+              <a:buClrTx/>
+              <a:buSzTx/>
+              <a:buFontTx/>
+              <a:buChar char="•"/>
+              <a:tabLst/>
+            </a:pPr>
+            <a:r>
+              <a:rPr kumimoji="0" lang="en-US" altLang="en-US" i="0" u="none" strike="noStrike" cap="none" normalizeH="0" baseline="0" dirty="0">
+                <a:ln>
+                  <a:noFill/>
+                </a:ln>
+                <a:solidFill>
+                  <a:schemeClr val="tx1"/>
+                </a:solidFill>
+                <a:effectLst/>
+                <a:latin typeface="Arial" panose="020B0604020202020204" pitchFamily="34" charset="0"/>
+              </a:rPr>
+              <a:t>Enhanced User Experience (UX):     Personalized Dashboards display recently watched and recommended movies. Voice Control integration enables hands-free management of movies. A Mobile App allows users to manage movies on the go.</a:t>
+            </a:r>
+          </a:p>
+          <a:p>
+            <a:pPr marL="0" marR="0" lvl="0" indent="0" algn="l" defTabSz="914400" rtl="0" eaLnBrk="0" fontAlgn="base" latinLnBrk="0" hangingPunct="0">
+              <a:lnSpc>
+                <a:spcPct val="100000"/>
+              </a:lnSpc>
+              <a:spcBef>
+                <a:spcPct val="0"/>
+              </a:spcBef>
+              <a:spcAft>
+                <a:spcPct val="0"/>
+              </a:spcAft>
+              <a:buClrTx/>
+              <a:buSzTx/>
+              <a:buFontTx/>
+              <a:buNone/>
+              <a:tabLst/>
+            </a:pPr>
+            <a:endParaRPr kumimoji="0" lang="en-US" altLang="en-US" i="0" u="none" strike="noStrike" cap="none" normalizeH="0" baseline="0" dirty="0">
+              <a:ln>
+                <a:noFill/>
+              </a:ln>
+              <a:solidFill>
+                <a:schemeClr val="tx1"/>
+              </a:solidFill>
+              <a:effectLst/>
+              <a:latin typeface="Arial" panose="020B0604020202020204" pitchFamily="34" charset="0"/>
+            </a:endParaRPr>
+          </a:p>
+        </p:txBody>
+      </p:sp>
+    </p:spTree>
+    <p:extLst>
+      <p:ext uri="{BB962C8B-B14F-4D97-AF65-F5344CB8AC3E}">
+        <p14:creationId xmlns:p14="http://schemas.microsoft.com/office/powerpoint/2010/main" val="1143671258"/>
+      </p:ext>
+    </p:extLst>
+  </p:cSld>
+  <p:clrMapOvr>
+    <a:masterClrMapping/>
+  </p:clrMapOvr>
+</p:sld>
+</file>
+
 <file path=ppt/theme/theme1.xml><?xml version="1.0" encoding="utf-8"?>
 <a:theme xmlns:a="http://schemas.openxmlformats.org/drawingml/2006/main" name="Office Theme">
   <a:themeElements>
-    <a:clrScheme name="Office">
+    <a:clrScheme name="Office Theme">
       <a:dk1>
         <a:sysClr val="windowText" lastClr="000000"/>
       </a:dk1>
@@ -8523,7 +12063,7 @@
         <a:srgbClr val="954F72"/>
       </a:folHlink>
     </a:clrScheme>
-    <a:fontScheme name="Office">
+    <a:fontScheme name="Office Theme">
       <a:majorFont>
         <a:latin typeface="Calibri Light" panose="020F0302020204030204"/>
         <a:ea typeface=""/>
@@ -8558,23 +12098,6 @@
         <a:font script="Viet" typeface="Times New Roman"/>
         <a:font script="Uigh" typeface="Microsoft Uighur"/>
         <a:font script="Geor" typeface="Sylfaen"/>
-        <a:font script="Armn" typeface="Arial"/>
-        <a:font script="Bugi" typeface="Leelawadee UI"/>
-        <a:font script="Bopo" typeface="Microsoft JhengHei"/>
-        <a:font script="Java" typeface="Javanese Text"/>
-        <a:font script="Lisu" typeface="Segoe UI"/>
-        <a:font script="Mymr" typeface="Myanmar Text"/>
-        <a:font script="Nkoo" typeface="Ebrima"/>
-        <a:font script="Olck" typeface="Nirmala UI"/>
-        <a:font script="Osma" typeface="Ebrima"/>
-        <a:font script="Phag" typeface="Phagspa"/>
-        <a:font script="Syrn" typeface="Estrangelo Edessa"/>
-        <a:font script="Syrj" typeface="Estrangelo Edessa"/>
-        <a:font script="Syre" typeface="Estrangelo Edessa"/>
-        <a:font script="Sora" typeface="Nirmala UI"/>
-        <a:font script="Tale" typeface="Microsoft Tai Le"/>
-        <a:font script="Talu" typeface="Microsoft New Tai Lue"/>
-        <a:font script="Tfng" typeface="Ebrima"/>
       </a:majorFont>
       <a:minorFont>
         <a:latin typeface="Calibri" panose="020F0502020204030204"/>
@@ -8610,26 +12133,9 @@
         <a:font script="Viet" typeface="Arial"/>
         <a:font script="Uigh" typeface="Microsoft Uighur"/>
         <a:font script="Geor" typeface="Sylfaen"/>
-        <a:font script="Armn" typeface="Arial"/>
-        <a:font script="Bugi" typeface="Leelawadee UI"/>
-        <a:font script="Bopo" typeface="Microsoft JhengHei"/>
-        <a:font script="Java" typeface="Javanese Text"/>
-        <a:font script="Lisu" typeface="Segoe UI"/>
-        <a:font script="Mymr" typeface="Myanmar Text"/>
-        <a:font script="Nkoo" typeface="Ebrima"/>
-        <a:font script="Olck" typeface="Nirmala UI"/>
-        <a:font script="Osma" typeface="Ebrima"/>
-        <a:font script="Phag" typeface="Phagspa"/>
-        <a:font script="Syrn" typeface="Estrangelo Edessa"/>
-        <a:font script="Syrj" typeface="Estrangelo Edessa"/>
-        <a:font script="Syre" typeface="Estrangelo Edessa"/>
-        <a:font script="Sora" typeface="Nirmala UI"/>
-        <a:font script="Tale" typeface="Microsoft Tai Le"/>
-        <a:font script="Talu" typeface="Microsoft New Tai Lue"/>
-        <a:font script="Tfng" typeface="Ebrima"/>
       </a:minorFont>
     </a:fontScheme>
-    <a:fmtScheme name="Office">
+    <a:fmtScheme name="Office Theme">
       <a:fillStyleLst>
         <a:solidFill>
           <a:schemeClr val="phClr"/>
@@ -8771,7 +12277,7 @@
   <a:extraClrSchemeLst/>
   <a:extLst>
     <a:ext uri="{05A4C25C-085E-4340-85A3-A5531E510DB2}">
-      <thm15:themeFamily xmlns:thm15="http://schemas.microsoft.com/office/thememl/2012/main" name="Office Theme" id="{62F939B6-93AF-4DB8-9C6B-D6C7DFDC589F}" vid="{4A3C46E8-61CC-4603-A589-7422A47A8E4A}"/>
+      <thm15:themeFamily xmlns:thm15="http://schemas.microsoft.com/office/thememl/2012/main" name="Office 2013 - 2022 Theme" id="{62F939B6-93AF-4DB8-9C6B-D6C7DFDC589F}" vid="{4A3C46E8-61CC-4603-A589-7422A47A8E4A}"/>
     </a:ext>
   </a:extLst>
 </a:theme>
